--- a/発表資料/サーベイ大会資料.pptx
+++ b/発表資料/サーベイ大会資料.pptx
@@ -5,17 +5,27 @@
     <p:sldMasterId id="2147483648" r:id="rId1"/>
   </p:sldMasterIdLst>
   <p:notesMasterIdLst>
-    <p:notesMasterId r:id="rId10"/>
+    <p:notesMasterId r:id="rId20"/>
   </p:notesMasterIdLst>
   <p:sldIdLst>
     <p:sldId id="279" r:id="rId2"/>
-    <p:sldId id="282" r:id="rId3"/>
-    <p:sldId id="284" r:id="rId4"/>
-    <p:sldId id="308" r:id="rId5"/>
-    <p:sldId id="307" r:id="rId6"/>
-    <p:sldId id="306" r:id="rId7"/>
-    <p:sldId id="289" r:id="rId8"/>
-    <p:sldId id="296" r:id="rId9"/>
+    <p:sldId id="323" r:id="rId3"/>
+    <p:sldId id="329" r:id="rId4"/>
+    <p:sldId id="284" r:id="rId5"/>
+    <p:sldId id="313" r:id="rId6"/>
+    <p:sldId id="315" r:id="rId7"/>
+    <p:sldId id="324" r:id="rId8"/>
+    <p:sldId id="325" r:id="rId9"/>
+    <p:sldId id="326" r:id="rId10"/>
+    <p:sldId id="327" r:id="rId11"/>
+    <p:sldId id="328" r:id="rId12"/>
+    <p:sldId id="306" r:id="rId13"/>
+    <p:sldId id="289" r:id="rId14"/>
+    <p:sldId id="320" r:id="rId15"/>
+    <p:sldId id="321" r:id="rId16"/>
+    <p:sldId id="322" r:id="rId17"/>
+    <p:sldId id="282" r:id="rId18"/>
+    <p:sldId id="314" r:id="rId19"/>
   </p:sldIdLst>
   <p:sldSz cx="12192000" cy="6858000"/>
   <p:notesSz cx="6858000" cy="9144000"/>
@@ -566,7 +576,7 @@
           <a:lstStyle/>
           <a:p>
             <a:r>
-              <a:rPr kumimoji="1" lang="ja-JP" altLang="en-US" u="none"/>
+              <a:rPr kumimoji="1" lang="ja-JP" altLang="en-US" u="none" dirty="0"/>
               <a:t>所要時間</a:t>
             </a:r>
             <a:r>
@@ -579,59 +589,61 @@
           </a:p>
           <a:p>
             <a:r>
-              <a:rPr kumimoji="1" lang="ja-JP" altLang="en-US" u="sng"/>
+              <a:rPr kumimoji="1" lang="ja-JP" altLang="en-US" u="sng" dirty="0"/>
               <a:t>紹介文</a:t>
             </a:r>
             <a:endParaRPr kumimoji="1" lang="en-US" altLang="ja-JP" u="sng" dirty="0"/>
           </a:p>
           <a:p>
             <a:r>
-              <a:rPr kumimoji="1" lang="ja-JP" altLang="en-US"/>
-              <a:t>本日はお集まりいただきありがとうございます．福井大学長谷川研究室所属，博士前期課程</a:t>
+              <a:rPr kumimoji="1" lang="ja-JP" altLang="en-US" dirty="0"/>
+              <a:t>本日はお集まりいただきありがとうございます．</a:t>
+            </a:r>
+            <a:endParaRPr kumimoji="1" lang="en-US" altLang="ja-JP" dirty="0"/>
+          </a:p>
+          <a:p>
+            <a:r>
+              <a:rPr kumimoji="1" lang="ja-JP" altLang="en-US" dirty="0"/>
+              <a:t>福井大学長谷川研究室所属，</a:t>
             </a:r>
             <a:r>
               <a:rPr kumimoji="1" lang="en-US" altLang="ja-JP" dirty="0"/>
-              <a:t>x</a:t>
-            </a:r>
-            <a:r>
-              <a:rPr kumimoji="1" lang="ja-JP" altLang="en-US"/>
-              <a:t>年の</a:t>
-            </a:r>
-            <a:r>
-              <a:rPr kumimoji="1" lang="en-US" altLang="ja-JP" dirty="0"/>
-              <a:t>xx</a:t>
-            </a:r>
-            <a:r>
-              <a:rPr kumimoji="1" lang="ja-JP" altLang="en-US"/>
-              <a:t>が発表させていただきます．タイトルは，</a:t>
+              <a:t>B4</a:t>
+            </a:r>
+            <a:r>
+              <a:rPr kumimoji="1" lang="ja-JP" altLang="en-US" dirty="0"/>
+              <a:t>の上坂が発表させていただきます．</a:t>
+            </a:r>
+            <a:endParaRPr kumimoji="1" lang="en-US" altLang="ja-JP" dirty="0"/>
+          </a:p>
+          <a:p>
+            <a:r>
+              <a:rPr kumimoji="1" lang="ja-JP" altLang="en-US" dirty="0"/>
+              <a:t>内容は，</a:t>
             </a:r>
             <a:r>
               <a:rPr kumimoji="1" lang="en-US" altLang="ja-JP" dirty="0"/>
               <a:t>”</a:t>
             </a:r>
             <a:r>
-              <a:rPr kumimoji="1" lang="en-US" altLang="ja-JP" dirty="0" err="1"/>
-              <a:t>xxxx</a:t>
+              <a:rPr kumimoji="1" lang="ja-JP" altLang="en-US" dirty="0"/>
+              <a:t>異常検知手法の紹介</a:t>
             </a:r>
             <a:r>
               <a:rPr kumimoji="1" lang="en-US" altLang="ja-JP" dirty="0"/>
               <a:t>”</a:t>
             </a:r>
             <a:r>
-              <a:rPr kumimoji="1" lang="ja-JP" altLang="en-US"/>
-              <a:t>で，</a:t>
+              <a:rPr kumimoji="1" lang="ja-JP" altLang="en-US" dirty="0"/>
+              <a:t>で、参照した論文の詳細は</a:t>
             </a:r>
             <a:r>
               <a:rPr kumimoji="1" lang="en-US" altLang="ja-JP" dirty="0"/>
-              <a:t>xxx</a:t>
-            </a:r>
-            <a:r>
-              <a:rPr kumimoji="1" lang="ja-JP" altLang="en-JP"/>
-              <a:t>に</a:t>
-            </a:r>
-            <a:r>
-              <a:rPr kumimoji="1" lang="ja-JP" altLang="en-US"/>
-              <a:t>採択されている論文です．</a:t>
+              <a:t>References</a:t>
+            </a:r>
+            <a:r>
+              <a:rPr kumimoji="1" lang="ja-JP" altLang="en-US" dirty="0"/>
+              <a:t>に記載しています．</a:t>
             </a:r>
             <a:endParaRPr kumimoji="1" lang="en-US" altLang="ja-JP" dirty="0"/>
           </a:p>
@@ -640,16 +652,26 @@
           </a:p>
           <a:p>
             <a:r>
-              <a:rPr kumimoji="1" lang="ja-JP" altLang="en-US" u="sng"/>
-              <a:t>軽い論文のイントロ</a:t>
+              <a:rPr kumimoji="1" lang="ja-JP" altLang="en-US" u="sng" dirty="0"/>
+              <a:t>イントロ</a:t>
             </a:r>
             <a:endParaRPr kumimoji="1" lang="en-US" altLang="ja-JP" u="sng" dirty="0"/>
           </a:p>
           <a:p>
             <a:r>
-              <a:rPr kumimoji="1" lang="en-US" altLang="ja-JP" u="none" dirty="0" err="1"/>
-              <a:t>xxxx</a:t>
-            </a:r>
+              <a:rPr kumimoji="1" lang="ja-JP" altLang="en-US" u="none" dirty="0"/>
+              <a:t>異常検知手法は大きく分けて３つの手法に分かれています。</a:t>
+            </a:r>
+            <a:endParaRPr kumimoji="1" lang="en-US" altLang="ja-JP" u="none" dirty="0"/>
+          </a:p>
+          <a:p>
+            <a:r>
+              <a:rPr kumimoji="1" lang="ja-JP" altLang="en-US" u="none" dirty="0"/>
+              <a:t>今回は３つのうち、２つの手法を説明します。</a:t>
+            </a:r>
+            <a:endParaRPr kumimoji="1" lang="en-US" altLang="ja-JP" u="none" dirty="0"/>
+          </a:p>
+          <a:p>
             <a:endParaRPr kumimoji="1" lang="en-US" altLang="ja-JP" u="none" dirty="0"/>
           </a:p>
         </p:txBody>
@@ -687,6 +709,819 @@
     <p:extLst>
       <p:ext uri="{BB962C8B-B14F-4D97-AF65-F5344CB8AC3E}">
         <p14:creationId xmlns:p14="http://schemas.microsoft.com/office/powerpoint/2010/main" val="3069939869"/>
+      </p:ext>
+    </p:extLst>
+  </p:cSld>
+  <p:clrMapOvr>
+    <a:masterClrMapping/>
+  </p:clrMapOvr>
+</p:notes>
+</file>
+
+<file path=ppt/notesSlides/notesSlide10.xml><?xml version="1.0" encoding="utf-8"?>
+<p:notes xmlns:a="http://schemas.openxmlformats.org/drawingml/2006/main" xmlns:r="http://schemas.openxmlformats.org/officeDocument/2006/relationships" xmlns:p="http://schemas.openxmlformats.org/presentationml/2006/main">
+  <p:cSld>
+    <p:spTree>
+      <p:nvGrpSpPr>
+        <p:cNvPr id="1" name=""/>
+        <p:cNvGrpSpPr/>
+        <p:nvPr/>
+      </p:nvGrpSpPr>
+      <p:grpSpPr>
+        <a:xfrm>
+          <a:off x="0" y="0"/>
+          <a:ext cx="0" cy="0"/>
+          <a:chOff x="0" y="0"/>
+          <a:chExt cx="0" cy="0"/>
+        </a:xfrm>
+      </p:grpSpPr>
+      <p:sp>
+        <p:nvSpPr>
+          <p:cNvPr id="2" name="Slide Image Placeholder 1"/>
+          <p:cNvSpPr>
+            <a:spLocks noGrp="1" noRot="1" noChangeAspect="1"/>
+          </p:cNvSpPr>
+          <p:nvPr>
+            <p:ph type="sldImg"/>
+          </p:nvPr>
+        </p:nvSpPr>
+        <p:spPr/>
+      </p:sp>
+      <p:sp>
+        <p:nvSpPr>
+          <p:cNvPr id="3" name="Notes Placeholder 2"/>
+          <p:cNvSpPr>
+            <a:spLocks noGrp="1"/>
+          </p:cNvSpPr>
+          <p:nvPr>
+            <p:ph type="body" idx="1"/>
+          </p:nvPr>
+        </p:nvSpPr>
+        <p:spPr/>
+        <p:txBody>
+          <a:bodyPr/>
+          <a:lstStyle/>
+          <a:p>
+            <a:pPr marL="0" marR="0" lvl="0" indent="0" algn="l" defTabSz="914400" rtl="0" eaLnBrk="1" fontAlgn="auto" latinLnBrk="0" hangingPunct="1">
+              <a:lnSpc>
+                <a:spcPct val="100000"/>
+              </a:lnSpc>
+              <a:spcBef>
+                <a:spcPts val="0"/>
+              </a:spcBef>
+              <a:spcAft>
+                <a:spcPts val="0"/>
+              </a:spcAft>
+              <a:buClrTx/>
+              <a:buSzTx/>
+              <a:buFontTx/>
+              <a:buNone/>
+              <a:tabLst/>
+              <a:defRPr/>
+            </a:pPr>
+            <a:r>
+              <a:rPr lang="en-JP" dirty="0"/>
+              <a:t>所要時間: [s]</a:t>
+            </a:r>
+          </a:p>
+          <a:p>
+            <a:endParaRPr lang="en-JP" dirty="0"/>
+          </a:p>
+        </p:txBody>
+      </p:sp>
+      <p:sp>
+        <p:nvSpPr>
+          <p:cNvPr id="4" name="Slide Number Placeholder 3"/>
+          <p:cNvSpPr>
+            <a:spLocks noGrp="1"/>
+          </p:cNvSpPr>
+          <p:nvPr>
+            <p:ph type="sldNum" sz="quarter" idx="5"/>
+          </p:nvPr>
+        </p:nvSpPr>
+        <p:spPr/>
+        <p:txBody>
+          <a:bodyPr/>
+          <a:lstStyle/>
+          <a:p>
+            <a:fld id="{4170CF48-14AD-4B24-8659-A353857BCB31}" type="slidenum">
+              <a:rPr kumimoji="1" lang="ja-JP" altLang="en-US" smtClean="0"/>
+              <a:t>12</a:t>
+            </a:fld>
+            <a:endParaRPr kumimoji="1" lang="ja-JP" altLang="en-US"/>
+          </a:p>
+        </p:txBody>
+      </p:sp>
+    </p:spTree>
+    <p:extLst>
+      <p:ext uri="{BB962C8B-B14F-4D97-AF65-F5344CB8AC3E}">
+        <p14:creationId xmlns:p14="http://schemas.microsoft.com/office/powerpoint/2010/main" val="1136788670"/>
+      </p:ext>
+    </p:extLst>
+  </p:cSld>
+  <p:clrMapOvr>
+    <a:masterClrMapping/>
+  </p:clrMapOvr>
+</p:notes>
+</file>
+
+<file path=ppt/notesSlides/notesSlide11.xml><?xml version="1.0" encoding="utf-8"?>
+<p:notes xmlns:a="http://schemas.openxmlformats.org/drawingml/2006/main" xmlns:r="http://schemas.openxmlformats.org/officeDocument/2006/relationships" xmlns:p="http://schemas.openxmlformats.org/presentationml/2006/main">
+  <p:cSld>
+    <p:spTree>
+      <p:nvGrpSpPr>
+        <p:cNvPr id="1" name=""/>
+        <p:cNvGrpSpPr/>
+        <p:nvPr/>
+      </p:nvGrpSpPr>
+      <p:grpSpPr>
+        <a:xfrm>
+          <a:off x="0" y="0"/>
+          <a:ext cx="0" cy="0"/>
+          <a:chOff x="0" y="0"/>
+          <a:chExt cx="0" cy="0"/>
+        </a:xfrm>
+      </p:grpSpPr>
+      <p:sp>
+        <p:nvSpPr>
+          <p:cNvPr id="2" name="Slide Image Placeholder 1"/>
+          <p:cNvSpPr>
+            <a:spLocks noGrp="1" noRot="1" noChangeAspect="1"/>
+          </p:cNvSpPr>
+          <p:nvPr>
+            <p:ph type="sldImg"/>
+          </p:nvPr>
+        </p:nvSpPr>
+        <p:spPr/>
+      </p:sp>
+      <p:sp>
+        <p:nvSpPr>
+          <p:cNvPr id="3" name="Notes Placeholder 2"/>
+          <p:cNvSpPr>
+            <a:spLocks noGrp="1"/>
+          </p:cNvSpPr>
+          <p:nvPr>
+            <p:ph type="body" idx="1"/>
+          </p:nvPr>
+        </p:nvSpPr>
+        <p:spPr/>
+        <p:txBody>
+          <a:bodyPr/>
+          <a:lstStyle/>
+          <a:p>
+            <a:r>
+              <a:rPr lang="en-JP" dirty="0"/>
+              <a:t>所要時間: [s]</a:t>
+            </a:r>
+            <a:endParaRPr lang="en-US" dirty="0"/>
+          </a:p>
+          <a:p>
+            <a:endParaRPr lang="en-US" dirty="0"/>
+          </a:p>
+          <a:p>
+            <a:r>
+              <a:rPr lang="ja-JP" altLang="en-US" dirty="0"/>
+              <a:t>各項目の最大値は１なので最大の面積も１です。</a:t>
+            </a:r>
+            <a:endParaRPr lang="en-US" altLang="ja-JP" dirty="0"/>
+          </a:p>
+          <a:p>
+            <a:endParaRPr lang="en-US" dirty="0"/>
+          </a:p>
+          <a:p>
+            <a:pPr marL="0" marR="0" lvl="0" indent="0" algn="l" defTabSz="914400" rtl="0" eaLnBrk="1" fontAlgn="auto" latinLnBrk="0" hangingPunct="1">
+              <a:lnSpc>
+                <a:spcPct val="100000"/>
+              </a:lnSpc>
+              <a:spcBef>
+                <a:spcPts val="0"/>
+              </a:spcBef>
+              <a:spcAft>
+                <a:spcPts val="0"/>
+              </a:spcAft>
+              <a:buClrTx/>
+              <a:buSzTx/>
+              <a:buFontTx/>
+              <a:buNone/>
+              <a:tabLst/>
+              <a:defRPr/>
+            </a:pPr>
+            <a:r>
+              <a:rPr kumimoji="1" lang="en-US" altLang="ja-JP" sz="1200" b="0" i="0" kern="1200" dirty="0">
+                <a:solidFill>
+                  <a:schemeClr val="tx1"/>
+                </a:solidFill>
+                <a:effectLst/>
+                <a:latin typeface="+mn-lt"/>
+                <a:ea typeface="+mn-ea"/>
+                <a:cs typeface="+mn-cs"/>
+              </a:rPr>
+              <a:t>Receiver Operating Characteristic curve</a:t>
+            </a:r>
+          </a:p>
+          <a:p>
+            <a:pPr marL="0" marR="0" lvl="0" indent="0" algn="l" defTabSz="914400" rtl="0" eaLnBrk="1" fontAlgn="auto" latinLnBrk="0" hangingPunct="1">
+              <a:lnSpc>
+                <a:spcPct val="100000"/>
+              </a:lnSpc>
+              <a:spcBef>
+                <a:spcPts val="0"/>
+              </a:spcBef>
+              <a:spcAft>
+                <a:spcPts val="0"/>
+              </a:spcAft>
+              <a:buClrTx/>
+              <a:buSzTx/>
+              <a:buFontTx/>
+              <a:buNone/>
+              <a:tabLst/>
+              <a:defRPr/>
+            </a:pPr>
+            <a:endParaRPr kumimoji="1" lang="en-US" altLang="ja-JP" sz="1200" b="0" i="0" kern="1200" dirty="0">
+              <a:solidFill>
+                <a:schemeClr val="tx1"/>
+              </a:solidFill>
+              <a:effectLst/>
+              <a:latin typeface="+mn-lt"/>
+              <a:ea typeface="+mn-ea"/>
+              <a:cs typeface="+mn-cs"/>
+            </a:endParaRPr>
+          </a:p>
+          <a:p>
+            <a:pPr marL="0" marR="0" lvl="0" indent="0" algn="l" defTabSz="914400" rtl="0" eaLnBrk="1" fontAlgn="auto" latinLnBrk="0" hangingPunct="1">
+              <a:lnSpc>
+                <a:spcPct val="100000"/>
+              </a:lnSpc>
+              <a:spcBef>
+                <a:spcPts val="0"/>
+              </a:spcBef>
+              <a:spcAft>
+                <a:spcPts val="0"/>
+              </a:spcAft>
+              <a:buClrTx/>
+              <a:buSzTx/>
+              <a:buFontTx/>
+              <a:buNone/>
+              <a:tabLst/>
+              <a:defRPr/>
+            </a:pPr>
+            <a:r>
+              <a:rPr kumimoji="1" lang="en-US" altLang="ja-JP" sz="1200" b="0" i="0" kern="1200" dirty="0">
+                <a:solidFill>
+                  <a:schemeClr val="tx1"/>
+                </a:solidFill>
+                <a:effectLst/>
+                <a:latin typeface="+mn-lt"/>
+                <a:ea typeface="+mn-ea"/>
+                <a:cs typeface="+mn-cs"/>
+              </a:rPr>
+              <a:t>AUC; Area under the curve</a:t>
+            </a:r>
+          </a:p>
+          <a:p>
+            <a:endParaRPr lang="en-JP" dirty="0"/>
+          </a:p>
+        </p:txBody>
+      </p:sp>
+      <p:sp>
+        <p:nvSpPr>
+          <p:cNvPr id="4" name="Slide Number Placeholder 3"/>
+          <p:cNvSpPr>
+            <a:spLocks noGrp="1"/>
+          </p:cNvSpPr>
+          <p:nvPr>
+            <p:ph type="sldNum" sz="quarter" idx="5"/>
+          </p:nvPr>
+        </p:nvSpPr>
+        <p:spPr/>
+        <p:txBody>
+          <a:bodyPr/>
+          <a:lstStyle/>
+          <a:p>
+            <a:fld id="{4170CF48-14AD-4B24-8659-A353857BCB31}" type="slidenum">
+              <a:rPr kumimoji="1" lang="ja-JP" altLang="en-US" smtClean="0"/>
+              <a:t>14</a:t>
+            </a:fld>
+            <a:endParaRPr kumimoji="1" lang="ja-JP" altLang="en-US"/>
+          </a:p>
+        </p:txBody>
+      </p:sp>
+    </p:spTree>
+    <p:extLst>
+      <p:ext uri="{BB962C8B-B14F-4D97-AF65-F5344CB8AC3E}">
+        <p14:creationId xmlns:p14="http://schemas.microsoft.com/office/powerpoint/2010/main" val="2102673284"/>
+      </p:ext>
+    </p:extLst>
+  </p:cSld>
+  <p:clrMapOvr>
+    <a:masterClrMapping/>
+  </p:clrMapOvr>
+</p:notes>
+</file>
+
+<file path=ppt/notesSlides/notesSlide12.xml><?xml version="1.0" encoding="utf-8"?>
+<p:notes xmlns:a="http://schemas.openxmlformats.org/drawingml/2006/main" xmlns:r="http://schemas.openxmlformats.org/officeDocument/2006/relationships" xmlns:p="http://schemas.openxmlformats.org/presentationml/2006/main">
+  <p:cSld>
+    <p:spTree>
+      <p:nvGrpSpPr>
+        <p:cNvPr id="1" name=""/>
+        <p:cNvGrpSpPr/>
+        <p:nvPr/>
+      </p:nvGrpSpPr>
+      <p:grpSpPr>
+        <a:xfrm>
+          <a:off x="0" y="0"/>
+          <a:ext cx="0" cy="0"/>
+          <a:chOff x="0" y="0"/>
+          <a:chExt cx="0" cy="0"/>
+        </a:xfrm>
+      </p:grpSpPr>
+      <p:sp>
+        <p:nvSpPr>
+          <p:cNvPr id="2" name="Slide Image Placeholder 1"/>
+          <p:cNvSpPr>
+            <a:spLocks noGrp="1" noRot="1" noChangeAspect="1"/>
+          </p:cNvSpPr>
+          <p:nvPr>
+            <p:ph type="sldImg"/>
+          </p:nvPr>
+        </p:nvSpPr>
+        <p:spPr/>
+      </p:sp>
+      <p:sp>
+        <p:nvSpPr>
+          <p:cNvPr id="3" name="Notes Placeholder 2"/>
+          <p:cNvSpPr>
+            <a:spLocks noGrp="1"/>
+          </p:cNvSpPr>
+          <p:nvPr>
+            <p:ph type="body" idx="1"/>
+          </p:nvPr>
+        </p:nvSpPr>
+        <p:spPr/>
+        <p:txBody>
+          <a:bodyPr/>
+          <a:lstStyle/>
+          <a:p>
+            <a:r>
+              <a:rPr lang="en-JP" dirty="0"/>
+              <a:t>所要時間: [s]</a:t>
+            </a:r>
+            <a:endParaRPr lang="en-US" dirty="0"/>
+          </a:p>
+          <a:p>
+            <a:endParaRPr lang="en-US" dirty="0"/>
+          </a:p>
+          <a:p>
+            <a:endParaRPr lang="en-US" dirty="0"/>
+          </a:p>
+          <a:p>
+            <a:r>
+              <a:rPr kumimoji="1" lang="ja-JP" altLang="en-US" sz="1200" dirty="0"/>
+              <a:t>ピクセル単位の</a:t>
+            </a:r>
+            <a:r>
+              <a:rPr kumimoji="1" lang="en-US" altLang="ja-JP" sz="1200" dirty="0"/>
+              <a:t>ROCAUC</a:t>
+            </a:r>
+            <a:r>
+              <a:rPr kumimoji="1" lang="ja-JP" altLang="en-US" sz="1200" dirty="0"/>
+              <a:t>ではサイズの大きい欠陥を持つ画像に対してスコアが高く</a:t>
+            </a:r>
+            <a:r>
+              <a:rPr lang="ja-JP" altLang="en-US" sz="1200" dirty="0"/>
+              <a:t>なりやすい</a:t>
+            </a:r>
+            <a:r>
+              <a:rPr kumimoji="1" lang="ja-JP" altLang="en-US" sz="1200" dirty="0"/>
+              <a:t>。</a:t>
+            </a:r>
+            <a:endParaRPr kumimoji="1" lang="en-US" altLang="ja-JP" sz="1200" dirty="0"/>
+          </a:p>
+          <a:p>
+            <a:r>
+              <a:rPr kumimoji="1" lang="ja-JP" altLang="en-US" sz="1200" dirty="0"/>
+              <a:t>そのため、小さい欠陥を見逃しても高スコアを</a:t>
+            </a:r>
+            <a:r>
+              <a:rPr lang="ja-JP" altLang="en-US" sz="1200" dirty="0"/>
+              <a:t>達成してしまうかもしれない</a:t>
+            </a:r>
+            <a:endParaRPr lang="en-US" altLang="ja-JP" sz="1200" dirty="0"/>
+          </a:p>
+          <a:p>
+            <a:endParaRPr lang="en-US" sz="1200" dirty="0"/>
+          </a:p>
+          <a:p>
+            <a:r>
+              <a:rPr lang="en-US" altLang="ja-JP" sz="1200" dirty="0"/>
+              <a:t>PRO</a:t>
+            </a:r>
+            <a:r>
+              <a:rPr lang="ja-JP" altLang="en-US" sz="1200" dirty="0"/>
+              <a:t>では、</a:t>
+            </a:r>
+            <a:r>
+              <a:rPr lang="ja-JP" altLang="en-US" dirty="0"/>
+              <a:t>ピクセルではなく、異常領域のかたまりを</a:t>
+            </a:r>
+            <a:r>
+              <a:rPr lang="en-US" altLang="ja-JP" dirty="0"/>
+              <a:t>1</a:t>
+            </a:r>
+            <a:r>
+              <a:rPr lang="ja-JP" altLang="en-US" dirty="0" err="1"/>
+              <a:t>つの</a:t>
+            </a:r>
+            <a:r>
+              <a:rPr lang="ja-JP" altLang="en-US" dirty="0"/>
+              <a:t>単位として評価する。　（大きい領域でも小さい領域でも１つとカウント）</a:t>
+            </a:r>
+            <a:endParaRPr lang="en-US" altLang="ja-JP" dirty="0"/>
+          </a:p>
+          <a:p>
+            <a:r>
+              <a:rPr lang="ja-JP" altLang="en-US" dirty="0"/>
+              <a:t>⇒つまり、領域レベル。</a:t>
+            </a:r>
+            <a:r>
+              <a:rPr kumimoji="1" lang="ja-JP" altLang="en-US" sz="1200" b="0" i="0" kern="1200" dirty="0">
+                <a:solidFill>
+                  <a:schemeClr val="tx1"/>
+                </a:solidFill>
+                <a:effectLst/>
+                <a:latin typeface="+mn-lt"/>
+                <a:ea typeface="+mn-ea"/>
+                <a:cs typeface="+mn-cs"/>
+              </a:rPr>
+              <a:t>（正しく検出された異常領域の数） </a:t>
+            </a:r>
+            <a:r>
+              <a:rPr kumimoji="1" lang="en-US" altLang="ja-JP" sz="1200" b="0" i="0" kern="1200" dirty="0">
+                <a:solidFill>
+                  <a:schemeClr val="tx1"/>
+                </a:solidFill>
+                <a:effectLst/>
+                <a:latin typeface="+mn-lt"/>
+                <a:ea typeface="+mn-ea"/>
+                <a:cs typeface="+mn-cs"/>
+              </a:rPr>
+              <a:t>/ </a:t>
+            </a:r>
+            <a:r>
+              <a:rPr kumimoji="1" lang="ja-JP" altLang="en-US" sz="1200" b="0" i="0" kern="1200" dirty="0">
+                <a:solidFill>
+                  <a:schemeClr val="tx1"/>
+                </a:solidFill>
+                <a:effectLst/>
+                <a:latin typeface="+mn-lt"/>
+                <a:ea typeface="+mn-ea"/>
+                <a:cs typeface="+mn-cs"/>
+              </a:rPr>
+              <a:t>（画像全体の真の異常領域の総数）</a:t>
+            </a:r>
+            <a:endParaRPr lang="en-US" altLang="ja-JP" dirty="0"/>
+          </a:p>
+          <a:p>
+            <a:endParaRPr lang="en-US" dirty="0"/>
+          </a:p>
+          <a:p>
+            <a:r>
+              <a:rPr lang="ja-JP" altLang="en-US" dirty="0"/>
+              <a:t>詳細は末尾に比較した表を添付している。</a:t>
+            </a:r>
+            <a:endParaRPr lang="en-JP" dirty="0"/>
+          </a:p>
+        </p:txBody>
+      </p:sp>
+      <p:sp>
+        <p:nvSpPr>
+          <p:cNvPr id="4" name="Slide Number Placeholder 3"/>
+          <p:cNvSpPr>
+            <a:spLocks noGrp="1"/>
+          </p:cNvSpPr>
+          <p:nvPr>
+            <p:ph type="sldNum" sz="quarter" idx="5"/>
+          </p:nvPr>
+        </p:nvSpPr>
+        <p:spPr/>
+        <p:txBody>
+          <a:bodyPr/>
+          <a:lstStyle/>
+          <a:p>
+            <a:fld id="{4170CF48-14AD-4B24-8659-A353857BCB31}" type="slidenum">
+              <a:rPr kumimoji="1" lang="ja-JP" altLang="en-US" smtClean="0"/>
+              <a:t>15</a:t>
+            </a:fld>
+            <a:endParaRPr kumimoji="1" lang="ja-JP" altLang="en-US"/>
+          </a:p>
+        </p:txBody>
+      </p:sp>
+    </p:spTree>
+    <p:extLst>
+      <p:ext uri="{BB962C8B-B14F-4D97-AF65-F5344CB8AC3E}">
+        <p14:creationId xmlns:p14="http://schemas.microsoft.com/office/powerpoint/2010/main" val="2753617406"/>
+      </p:ext>
+    </p:extLst>
+  </p:cSld>
+  <p:clrMapOvr>
+    <a:masterClrMapping/>
+  </p:clrMapOvr>
+</p:notes>
+</file>
+
+<file path=ppt/notesSlides/notesSlide13.xml><?xml version="1.0" encoding="utf-8"?>
+<p:notes xmlns:a="http://schemas.openxmlformats.org/drawingml/2006/main" xmlns:r="http://schemas.openxmlformats.org/officeDocument/2006/relationships" xmlns:p="http://schemas.openxmlformats.org/presentationml/2006/main">
+  <p:cSld>
+    <p:spTree>
+      <p:nvGrpSpPr>
+        <p:cNvPr id="1" name=""/>
+        <p:cNvGrpSpPr/>
+        <p:nvPr/>
+      </p:nvGrpSpPr>
+      <p:grpSpPr>
+        <a:xfrm>
+          <a:off x="0" y="0"/>
+          <a:ext cx="0" cy="0"/>
+          <a:chOff x="0" y="0"/>
+          <a:chExt cx="0" cy="0"/>
+        </a:xfrm>
+      </p:grpSpPr>
+      <p:sp>
+        <p:nvSpPr>
+          <p:cNvPr id="2" name="Slide Image Placeholder 1"/>
+          <p:cNvSpPr>
+            <a:spLocks noGrp="1" noRot="1" noChangeAspect="1"/>
+          </p:cNvSpPr>
+          <p:nvPr>
+            <p:ph type="sldImg"/>
+          </p:nvPr>
+        </p:nvSpPr>
+        <p:spPr/>
+      </p:sp>
+      <p:sp>
+        <p:nvSpPr>
+          <p:cNvPr id="3" name="Notes Placeholder 2"/>
+          <p:cNvSpPr>
+            <a:spLocks noGrp="1"/>
+          </p:cNvSpPr>
+          <p:nvPr>
+            <p:ph type="body" idx="1"/>
+          </p:nvPr>
+        </p:nvSpPr>
+        <p:spPr/>
+        <p:txBody>
+          <a:bodyPr/>
+          <a:lstStyle/>
+          <a:p>
+            <a:pPr marL="0" marR="0" lvl="0" indent="0" algn="l" defTabSz="914400" rtl="0" eaLnBrk="1" fontAlgn="auto" latinLnBrk="0" hangingPunct="1">
+              <a:lnSpc>
+                <a:spcPct val="100000"/>
+              </a:lnSpc>
+              <a:spcBef>
+                <a:spcPts val="0"/>
+              </a:spcBef>
+              <a:spcAft>
+                <a:spcPts val="0"/>
+              </a:spcAft>
+              <a:buClrTx/>
+              <a:buSzTx/>
+              <a:buFontTx/>
+              <a:buNone/>
+              <a:tabLst/>
+              <a:defRPr/>
+            </a:pPr>
+            <a:r>
+              <a:rPr lang="en-JP" dirty="0"/>
+              <a:t>所要時間: [s]</a:t>
+            </a:r>
+          </a:p>
+          <a:p>
+            <a:endParaRPr lang="en-JP" dirty="0"/>
+          </a:p>
+        </p:txBody>
+      </p:sp>
+      <p:sp>
+        <p:nvSpPr>
+          <p:cNvPr id="4" name="Slide Number Placeholder 3"/>
+          <p:cNvSpPr>
+            <a:spLocks noGrp="1"/>
+          </p:cNvSpPr>
+          <p:nvPr>
+            <p:ph type="sldNum" sz="quarter" idx="5"/>
+          </p:nvPr>
+        </p:nvSpPr>
+        <p:spPr/>
+        <p:txBody>
+          <a:bodyPr/>
+          <a:lstStyle/>
+          <a:p>
+            <a:fld id="{4170CF48-14AD-4B24-8659-A353857BCB31}" type="slidenum">
+              <a:rPr kumimoji="1" lang="ja-JP" altLang="en-US" smtClean="0"/>
+              <a:t>16</a:t>
+            </a:fld>
+            <a:endParaRPr kumimoji="1" lang="ja-JP" altLang="en-US"/>
+          </a:p>
+        </p:txBody>
+      </p:sp>
+    </p:spTree>
+    <p:extLst>
+      <p:ext uri="{BB962C8B-B14F-4D97-AF65-F5344CB8AC3E}">
+        <p14:creationId xmlns:p14="http://schemas.microsoft.com/office/powerpoint/2010/main" val="875335912"/>
+      </p:ext>
+    </p:extLst>
+  </p:cSld>
+  <p:clrMapOvr>
+    <a:masterClrMapping/>
+  </p:clrMapOvr>
+</p:notes>
+</file>
+
+<file path=ppt/notesSlides/notesSlide14.xml><?xml version="1.0" encoding="utf-8"?>
+<p:notes xmlns:a="http://schemas.openxmlformats.org/drawingml/2006/main" xmlns:r="http://schemas.openxmlformats.org/officeDocument/2006/relationships" xmlns:p="http://schemas.openxmlformats.org/presentationml/2006/main">
+  <p:cSld>
+    <p:spTree>
+      <p:nvGrpSpPr>
+        <p:cNvPr id="1" name=""/>
+        <p:cNvGrpSpPr/>
+        <p:nvPr/>
+      </p:nvGrpSpPr>
+      <p:grpSpPr>
+        <a:xfrm>
+          <a:off x="0" y="0"/>
+          <a:ext cx="0" cy="0"/>
+          <a:chOff x="0" y="0"/>
+          <a:chExt cx="0" cy="0"/>
+        </a:xfrm>
+      </p:grpSpPr>
+      <p:sp>
+        <p:nvSpPr>
+          <p:cNvPr id="2" name="Slide Image Placeholder 1"/>
+          <p:cNvSpPr>
+            <a:spLocks noGrp="1" noRot="1" noChangeAspect="1"/>
+          </p:cNvSpPr>
+          <p:nvPr>
+            <p:ph type="sldImg"/>
+          </p:nvPr>
+        </p:nvSpPr>
+        <p:spPr/>
+      </p:sp>
+      <p:sp>
+        <p:nvSpPr>
+          <p:cNvPr id="3" name="Notes Placeholder 2"/>
+          <p:cNvSpPr>
+            <a:spLocks noGrp="1"/>
+          </p:cNvSpPr>
+          <p:nvPr>
+            <p:ph type="body" idx="1"/>
+          </p:nvPr>
+        </p:nvSpPr>
+        <p:spPr/>
+        <p:txBody>
+          <a:bodyPr/>
+          <a:lstStyle/>
+          <a:p>
+            <a:pPr marL="0" marR="0" lvl="0" indent="0" algn="l" defTabSz="914400" rtl="0" eaLnBrk="1" fontAlgn="auto" latinLnBrk="0" hangingPunct="1">
+              <a:lnSpc>
+                <a:spcPct val="100000"/>
+              </a:lnSpc>
+              <a:spcBef>
+                <a:spcPts val="0"/>
+              </a:spcBef>
+              <a:spcAft>
+                <a:spcPts val="0"/>
+              </a:spcAft>
+              <a:buClrTx/>
+              <a:buSzTx/>
+              <a:buFontTx/>
+              <a:buNone/>
+              <a:tabLst/>
+              <a:defRPr/>
+            </a:pPr>
+            <a:r>
+              <a:rPr lang="en-JP" dirty="0"/>
+              <a:t>所要時間: [s]</a:t>
+            </a:r>
+          </a:p>
+          <a:p>
+            <a:endParaRPr lang="en-JP" dirty="0"/>
+          </a:p>
+        </p:txBody>
+      </p:sp>
+      <p:sp>
+        <p:nvSpPr>
+          <p:cNvPr id="4" name="Slide Number Placeholder 3"/>
+          <p:cNvSpPr>
+            <a:spLocks noGrp="1"/>
+          </p:cNvSpPr>
+          <p:nvPr>
+            <p:ph type="sldNum" sz="quarter" idx="5"/>
+          </p:nvPr>
+        </p:nvSpPr>
+        <p:spPr/>
+        <p:txBody>
+          <a:bodyPr/>
+          <a:lstStyle/>
+          <a:p>
+            <a:fld id="{4170CF48-14AD-4B24-8659-A353857BCB31}" type="slidenum">
+              <a:rPr kumimoji="1" lang="ja-JP" altLang="en-US" smtClean="0"/>
+              <a:t>17</a:t>
+            </a:fld>
+            <a:endParaRPr kumimoji="1" lang="ja-JP" altLang="en-US"/>
+          </a:p>
+        </p:txBody>
+      </p:sp>
+    </p:spTree>
+    <p:extLst>
+      <p:ext uri="{BB962C8B-B14F-4D97-AF65-F5344CB8AC3E}">
+        <p14:creationId xmlns:p14="http://schemas.microsoft.com/office/powerpoint/2010/main" val="4051404549"/>
+      </p:ext>
+    </p:extLst>
+  </p:cSld>
+  <p:clrMapOvr>
+    <a:masterClrMapping/>
+  </p:clrMapOvr>
+</p:notes>
+</file>
+
+<file path=ppt/notesSlides/notesSlide15.xml><?xml version="1.0" encoding="utf-8"?>
+<p:notes xmlns:a="http://schemas.openxmlformats.org/drawingml/2006/main" xmlns:r="http://schemas.openxmlformats.org/officeDocument/2006/relationships" xmlns:p="http://schemas.openxmlformats.org/presentationml/2006/main">
+  <p:cSld>
+    <p:spTree>
+      <p:nvGrpSpPr>
+        <p:cNvPr id="1" name=""/>
+        <p:cNvGrpSpPr/>
+        <p:nvPr/>
+      </p:nvGrpSpPr>
+      <p:grpSpPr>
+        <a:xfrm>
+          <a:off x="0" y="0"/>
+          <a:ext cx="0" cy="0"/>
+          <a:chOff x="0" y="0"/>
+          <a:chExt cx="0" cy="0"/>
+        </a:xfrm>
+      </p:grpSpPr>
+      <p:sp>
+        <p:nvSpPr>
+          <p:cNvPr id="2" name="Slide Image Placeholder 1"/>
+          <p:cNvSpPr>
+            <a:spLocks noGrp="1" noRot="1" noChangeAspect="1"/>
+          </p:cNvSpPr>
+          <p:nvPr>
+            <p:ph type="sldImg"/>
+          </p:nvPr>
+        </p:nvSpPr>
+        <p:spPr/>
+      </p:sp>
+      <p:sp>
+        <p:nvSpPr>
+          <p:cNvPr id="3" name="Notes Placeholder 2"/>
+          <p:cNvSpPr>
+            <a:spLocks noGrp="1"/>
+          </p:cNvSpPr>
+          <p:nvPr>
+            <p:ph type="body" idx="1"/>
+          </p:nvPr>
+        </p:nvSpPr>
+        <p:spPr/>
+        <p:txBody>
+          <a:bodyPr/>
+          <a:lstStyle/>
+          <a:p>
+            <a:r>
+              <a:rPr lang="en-JP" dirty="0"/>
+              <a:t>所要時間: [s]</a:t>
+            </a:r>
+          </a:p>
+        </p:txBody>
+      </p:sp>
+      <p:sp>
+        <p:nvSpPr>
+          <p:cNvPr id="4" name="Slide Number Placeholder 3"/>
+          <p:cNvSpPr>
+            <a:spLocks noGrp="1"/>
+          </p:cNvSpPr>
+          <p:nvPr>
+            <p:ph type="sldNum" sz="quarter" idx="5"/>
+          </p:nvPr>
+        </p:nvSpPr>
+        <p:spPr/>
+        <p:txBody>
+          <a:bodyPr/>
+          <a:lstStyle/>
+          <a:p>
+            <a:fld id="{4170CF48-14AD-4B24-8659-A353857BCB31}" type="slidenum">
+              <a:rPr kumimoji="1" lang="ja-JP" altLang="en-US" smtClean="0"/>
+              <a:t>18</a:t>
+            </a:fld>
+            <a:endParaRPr kumimoji="1" lang="ja-JP" altLang="en-US"/>
+          </a:p>
+        </p:txBody>
+      </p:sp>
+    </p:spTree>
+    <p:extLst>
+      <p:ext uri="{BB962C8B-B14F-4D97-AF65-F5344CB8AC3E}">
+        <p14:creationId xmlns:p14="http://schemas.microsoft.com/office/powerpoint/2010/main" val="191591255"/>
       </p:ext>
     </p:extLst>
   </p:cSld>
@@ -715,7 +1550,7 @@
       </p:grpSpPr>
       <p:sp>
         <p:nvSpPr>
-          <p:cNvPr id="2" name="Slide Image Placeholder 1"/>
+          <p:cNvPr id="2" name="スライド イメージ プレースホルダー 1"/>
           <p:cNvSpPr>
             <a:spLocks noGrp="1" noRot="1" noChangeAspect="1"/>
           </p:cNvSpPr>
@@ -727,7 +1562,7 @@
       </p:sp>
       <p:sp>
         <p:nvSpPr>
-          <p:cNvPr id="3" name="Notes Placeholder 2"/>
+          <p:cNvPr id="3" name="ノート プレースホルダー 2"/>
           <p:cNvSpPr>
             <a:spLocks noGrp="1"/>
           </p:cNvSpPr>
@@ -739,6 +1574,13 @@
         <p:txBody>
           <a:bodyPr/>
           <a:lstStyle/>
+          <a:p>
+            <a:r>
+              <a:rPr kumimoji="1" lang="ja-JP" altLang="en-US" dirty="0"/>
+              <a:t>３つの簡単な説明（自分の理解）</a:t>
+            </a:r>
+            <a:endParaRPr kumimoji="1" lang="en-US" altLang="ja-JP" dirty="0"/>
+          </a:p>
           <a:p>
             <a:pPr marL="0" marR="0" lvl="0" indent="0" algn="l" defTabSz="914400" rtl="0" eaLnBrk="1" fontAlgn="auto" latinLnBrk="0" hangingPunct="1">
               <a:lnSpc>
@@ -758,18 +1600,19 @@
               <a:defRPr/>
             </a:pPr>
             <a:r>
-              <a:rPr lang="en-JP" dirty="0"/>
-              <a:t>所要時間: [s]</a:t>
-            </a:r>
-          </a:p>
-          <a:p>
-            <a:endParaRPr lang="en-JP" dirty="0"/>
-          </a:p>
-        </p:txBody>
-      </p:sp>
-      <p:sp>
-        <p:nvSpPr>
-          <p:cNvPr id="4" name="Slide Number Placeholder 3"/>
+              <a:rPr kumimoji="1" lang="ja-JP" altLang="en-US" dirty="0"/>
+              <a:t>しきい値で異常か否か判定するって話</a:t>
+            </a:r>
+            <a:endParaRPr kumimoji="1" lang="en-US" altLang="ja-JP" dirty="0"/>
+          </a:p>
+          <a:p>
+            <a:endParaRPr kumimoji="1" lang="ja-JP" altLang="en-US" dirty="0"/>
+          </a:p>
+        </p:txBody>
+      </p:sp>
+      <p:sp>
+        <p:nvSpPr>
+          <p:cNvPr id="4" name="スライド番号プレースホルダー 3"/>
           <p:cNvSpPr>
             <a:spLocks noGrp="1"/>
           </p:cNvSpPr>
@@ -782,7 +1625,7 @@
           <a:bodyPr/>
           <a:lstStyle/>
           <a:p>
-            <a:fld id="{4170CF48-14AD-4B24-8659-A353857BCB31}" type="slidenum">
+            <a:fld id="{9C089636-1275-4B33-B565-A6C15888DBD7}" type="slidenum">
               <a:rPr kumimoji="1" lang="ja-JP" altLang="en-US" smtClean="0"/>
               <a:t>2</a:t>
             </a:fld>
@@ -793,7 +1636,7 @@
     </p:spTree>
     <p:extLst>
       <p:ext uri="{BB962C8B-B14F-4D97-AF65-F5344CB8AC3E}">
-        <p14:creationId xmlns:p14="http://schemas.microsoft.com/office/powerpoint/2010/main" val="4051404549"/>
+        <p14:creationId xmlns:p14="http://schemas.microsoft.com/office/powerpoint/2010/main" val="673946660"/>
       </p:ext>
     </p:extLst>
   </p:cSld>
@@ -851,6 +1694,46 @@
               <a:rPr lang="en-JP" dirty="0"/>
               <a:t>所要時間: [s]</a:t>
             </a:r>
+            <a:endParaRPr lang="en-US" dirty="0"/>
+          </a:p>
+          <a:p>
+            <a:endParaRPr lang="en-US" dirty="0"/>
+          </a:p>
+          <a:p>
+            <a:r>
+              <a:rPr lang="ja-JP" altLang="en-US" dirty="0"/>
+              <a:t>解説部分</a:t>
+            </a:r>
+            <a:r>
+              <a:rPr lang="en-US" altLang="ja-JP" dirty="0"/>
+              <a:t>(</a:t>
+            </a:r>
+            <a:r>
+              <a:rPr lang="ja-JP" altLang="en-US" dirty="0"/>
+              <a:t>詳しいことはここに記述して、かいつまんでスライドにも書く。図も欲しい</a:t>
+            </a:r>
+            <a:r>
+              <a:rPr lang="en-US" altLang="ja-JP" dirty="0"/>
+              <a:t>)</a:t>
+            </a:r>
+          </a:p>
+          <a:p>
+            <a:endParaRPr lang="en-US" dirty="0"/>
+          </a:p>
+          <a:p>
+            <a:r>
+              <a:rPr lang="en-US" dirty="0" err="1"/>
+              <a:t>Knn</a:t>
+            </a:r>
+            <a:r>
+              <a:rPr lang="ja-JP" altLang="en-US" dirty="0"/>
+              <a:t>：正常な画像が入力されたのならばベクトル間の合計距離は小さくなるはずだという仮定の下で、異常な画像が入力された場合は合計距離が大きくなるので、しきい値を超えた場合に異常と判断される。　　</a:t>
+            </a:r>
+            <a:r>
+              <a:rPr kumimoji="1" lang="ja-JP" altLang="en-US" sz="1200" dirty="0"/>
+              <a:t>内積が大きい</a:t>
+            </a:r>
+            <a:endParaRPr lang="en-JP" dirty="0"/>
           </a:p>
         </p:txBody>
       </p:sp>
@@ -871,7 +1754,7 @@
           <a:p>
             <a:fld id="{4170CF48-14AD-4B24-8659-A353857BCB31}" type="slidenum">
               <a:rPr kumimoji="1" lang="ja-JP" altLang="en-US" smtClean="0"/>
-              <a:t>3</a:t>
+              <a:t>4</a:t>
             </a:fld>
             <a:endParaRPr kumimoji="1" lang="ja-JP" altLang="en-US"/>
           </a:p>
@@ -895,13 +1778,7 @@
   <p:cSld>
     <p:spTree>
       <p:nvGrpSpPr>
-        <p:cNvPr id="1" name="">
-          <a:extLst>
-            <a:ext uri="{FF2B5EF4-FFF2-40B4-BE49-F238E27FC236}">
-              <a16:creationId xmlns:a16="http://schemas.microsoft.com/office/drawing/2014/main" id="{4254A42C-391F-6C2F-5960-C435229412C5}"/>
-            </a:ext>
-          </a:extLst>
-        </p:cNvPr>
+        <p:cNvPr id="1" name=""/>
         <p:cNvGrpSpPr/>
         <p:nvPr/>
       </p:nvGrpSpPr>
@@ -915,13 +1792,7 @@
       </p:grpSpPr>
       <p:sp>
         <p:nvSpPr>
-          <p:cNvPr id="2" name="Slide Image Placeholder 1">
-            <a:extLst>
-              <a:ext uri="{FF2B5EF4-FFF2-40B4-BE49-F238E27FC236}">
-                <a16:creationId xmlns:a16="http://schemas.microsoft.com/office/drawing/2014/main" id="{894DA295-8AD3-D7E2-8A4C-B937A12A9757}"/>
-              </a:ext>
-            </a:extLst>
-          </p:cNvPr>
+          <p:cNvPr id="2" name="Slide Image Placeholder 1"/>
           <p:cNvSpPr>
             <a:spLocks noGrp="1" noRot="1" noChangeAspect="1"/>
           </p:cNvSpPr>
@@ -933,13 +1804,7 @@
       </p:sp>
       <p:sp>
         <p:nvSpPr>
-          <p:cNvPr id="3" name="Notes Placeholder 2">
-            <a:extLst>
-              <a:ext uri="{FF2B5EF4-FFF2-40B4-BE49-F238E27FC236}">
-                <a16:creationId xmlns:a16="http://schemas.microsoft.com/office/drawing/2014/main" id="{D62F63FE-6EF0-EC14-67FE-891E56ED6EFA}"/>
-              </a:ext>
-            </a:extLst>
-          </p:cNvPr>
+          <p:cNvPr id="3" name="Notes Placeholder 2"/>
           <p:cNvSpPr>
             <a:spLocks noGrp="1"/>
           </p:cNvSpPr>
@@ -956,112 +1821,8 @@
               <a:rPr lang="en-JP" dirty="0"/>
               <a:t>所要時間: [s]</a:t>
             </a:r>
-          </a:p>
-        </p:txBody>
-      </p:sp>
-      <p:sp>
-        <p:nvSpPr>
-          <p:cNvPr id="4" name="Slide Number Placeholder 3">
-            <a:extLst>
-              <a:ext uri="{FF2B5EF4-FFF2-40B4-BE49-F238E27FC236}">
-                <a16:creationId xmlns:a16="http://schemas.microsoft.com/office/drawing/2014/main" id="{E09D88F6-74DF-9E2E-09F1-ADD51E0FE105}"/>
-              </a:ext>
-            </a:extLst>
-          </p:cNvPr>
-          <p:cNvSpPr>
-            <a:spLocks noGrp="1"/>
-          </p:cNvSpPr>
-          <p:nvPr>
-            <p:ph type="sldNum" sz="quarter" idx="5"/>
-          </p:nvPr>
-        </p:nvSpPr>
-        <p:spPr/>
-        <p:txBody>
-          <a:bodyPr/>
-          <a:lstStyle/>
-          <a:p>
-            <a:fld id="{4170CF48-14AD-4B24-8659-A353857BCB31}" type="slidenum">
-              <a:rPr kumimoji="1" lang="ja-JP" altLang="en-US" smtClean="0"/>
-              <a:t>4</a:t>
-            </a:fld>
-            <a:endParaRPr kumimoji="1" lang="ja-JP" altLang="en-US"/>
-          </a:p>
-        </p:txBody>
-      </p:sp>
-    </p:spTree>
-    <p:extLst>
-      <p:ext uri="{BB962C8B-B14F-4D97-AF65-F5344CB8AC3E}">
-        <p14:creationId xmlns:p14="http://schemas.microsoft.com/office/powerpoint/2010/main" val="3693053656"/>
-      </p:ext>
-    </p:extLst>
-  </p:cSld>
-  <p:clrMapOvr>
-    <a:masterClrMapping/>
-  </p:clrMapOvr>
-</p:notes>
-</file>
-
-<file path=ppt/notesSlides/notesSlide5.xml><?xml version="1.0" encoding="utf-8"?>
-<p:notes xmlns:a="http://schemas.openxmlformats.org/drawingml/2006/main" xmlns:r="http://schemas.openxmlformats.org/officeDocument/2006/relationships" xmlns:p="http://schemas.openxmlformats.org/presentationml/2006/main">
-  <p:cSld>
-    <p:spTree>
-      <p:nvGrpSpPr>
-        <p:cNvPr id="1" name="">
-          <a:extLst>
-            <a:ext uri="{FF2B5EF4-FFF2-40B4-BE49-F238E27FC236}">
-              <a16:creationId xmlns:a16="http://schemas.microsoft.com/office/drawing/2014/main" id="{AD1AAE1C-918A-EA79-9762-CB6A9BB8D607}"/>
-            </a:ext>
-          </a:extLst>
-        </p:cNvPr>
-        <p:cNvGrpSpPr/>
-        <p:nvPr/>
-      </p:nvGrpSpPr>
-      <p:grpSpPr>
-        <a:xfrm>
-          <a:off x="0" y="0"/>
-          <a:ext cx="0" cy="0"/>
-          <a:chOff x="0" y="0"/>
-          <a:chExt cx="0" cy="0"/>
-        </a:xfrm>
-      </p:grpSpPr>
-      <p:sp>
-        <p:nvSpPr>
-          <p:cNvPr id="2" name="Slide Image Placeholder 1">
-            <a:extLst>
-              <a:ext uri="{FF2B5EF4-FFF2-40B4-BE49-F238E27FC236}">
-                <a16:creationId xmlns:a16="http://schemas.microsoft.com/office/drawing/2014/main" id="{63E90847-1C54-490B-9B19-39C19DC194DE}"/>
-              </a:ext>
-            </a:extLst>
-          </p:cNvPr>
-          <p:cNvSpPr>
-            <a:spLocks noGrp="1" noRot="1" noChangeAspect="1"/>
-          </p:cNvSpPr>
-          <p:nvPr>
-            <p:ph type="sldImg"/>
-          </p:nvPr>
-        </p:nvSpPr>
-        <p:spPr/>
-      </p:sp>
-      <p:sp>
-        <p:nvSpPr>
-          <p:cNvPr id="3" name="Notes Placeholder 2">
-            <a:extLst>
-              <a:ext uri="{FF2B5EF4-FFF2-40B4-BE49-F238E27FC236}">
-                <a16:creationId xmlns:a16="http://schemas.microsoft.com/office/drawing/2014/main" id="{A36994BE-71BC-7E54-1183-E0EC95B5009F}"/>
-              </a:ext>
-            </a:extLst>
-          </p:cNvPr>
-          <p:cNvSpPr>
-            <a:spLocks noGrp="1"/>
-          </p:cNvSpPr>
-          <p:nvPr>
-            <p:ph type="body" idx="1"/>
-          </p:nvPr>
-        </p:nvSpPr>
-        <p:spPr/>
-        <p:txBody>
-          <a:bodyPr/>
-          <a:lstStyle/>
+            <a:endParaRPr lang="en-US" dirty="0"/>
+          </a:p>
           <a:p>
             <a:pPr marL="0" marR="0" lvl="0" indent="0" algn="l" defTabSz="914400" rtl="0" eaLnBrk="1" fontAlgn="auto" latinLnBrk="0" hangingPunct="1">
               <a:lnSpc>
@@ -1081,9 +1842,22 @@
               <a:defRPr/>
             </a:pPr>
             <a:r>
-              <a:rPr lang="en-JP" dirty="0"/>
-              <a:t>所要時間: [s]</a:t>
-            </a:r>
+              <a:rPr lang="ja-JP" altLang="en-US" dirty="0"/>
+              <a:t>解説部分</a:t>
+            </a:r>
+            <a:r>
+              <a:rPr lang="en-US" altLang="ja-JP" dirty="0"/>
+              <a:t>(</a:t>
+            </a:r>
+            <a:r>
+              <a:rPr lang="ja-JP" altLang="en-US" dirty="0"/>
+              <a:t>詳しいことはここに記述して、かいつまんでスライドにも書く。図も欲しい</a:t>
+            </a:r>
+            <a:r>
+              <a:rPr lang="en-US" altLang="ja-JP" dirty="0"/>
+              <a:t>)</a:t>
+            </a:r>
+            <a:endParaRPr lang="en-JP" altLang="ja-JP" dirty="0"/>
           </a:p>
           <a:p>
             <a:endParaRPr lang="en-JP" dirty="0"/>
@@ -1092,13 +1866,7 @@
       </p:sp>
       <p:sp>
         <p:nvSpPr>
-          <p:cNvPr id="4" name="Slide Number Placeholder 3">
-            <a:extLst>
-              <a:ext uri="{FF2B5EF4-FFF2-40B4-BE49-F238E27FC236}">
-                <a16:creationId xmlns:a16="http://schemas.microsoft.com/office/drawing/2014/main" id="{7AD507CD-8CDE-794D-D62D-A32E21B932CA}"/>
-              </a:ext>
-            </a:extLst>
-          </p:cNvPr>
+          <p:cNvPr id="4" name="Slide Number Placeholder 3"/>
           <p:cNvSpPr>
             <a:spLocks noGrp="1"/>
           </p:cNvSpPr>
@@ -1122,7 +1890,134 @@
     </p:spTree>
     <p:extLst>
       <p:ext uri="{BB962C8B-B14F-4D97-AF65-F5344CB8AC3E}">
-        <p14:creationId xmlns:p14="http://schemas.microsoft.com/office/powerpoint/2010/main" val="2854991977"/>
+        <p14:creationId xmlns:p14="http://schemas.microsoft.com/office/powerpoint/2010/main" val="3002620156"/>
+      </p:ext>
+    </p:extLst>
+  </p:cSld>
+  <p:clrMapOvr>
+    <a:masterClrMapping/>
+  </p:clrMapOvr>
+</p:notes>
+</file>
+
+<file path=ppt/notesSlides/notesSlide5.xml><?xml version="1.0" encoding="utf-8"?>
+<p:notes xmlns:a="http://schemas.openxmlformats.org/drawingml/2006/main" xmlns:r="http://schemas.openxmlformats.org/officeDocument/2006/relationships" xmlns:p="http://schemas.openxmlformats.org/presentationml/2006/main">
+  <p:cSld>
+    <p:spTree>
+      <p:nvGrpSpPr>
+        <p:cNvPr id="1" name=""/>
+        <p:cNvGrpSpPr/>
+        <p:nvPr/>
+      </p:nvGrpSpPr>
+      <p:grpSpPr>
+        <a:xfrm>
+          <a:off x="0" y="0"/>
+          <a:ext cx="0" cy="0"/>
+          <a:chOff x="0" y="0"/>
+          <a:chExt cx="0" cy="0"/>
+        </a:xfrm>
+      </p:grpSpPr>
+      <p:sp>
+        <p:nvSpPr>
+          <p:cNvPr id="2" name="Slide Image Placeholder 1"/>
+          <p:cNvSpPr>
+            <a:spLocks noGrp="1" noRot="1" noChangeAspect="1"/>
+          </p:cNvSpPr>
+          <p:nvPr>
+            <p:ph type="sldImg"/>
+          </p:nvPr>
+        </p:nvSpPr>
+        <p:spPr/>
+      </p:sp>
+      <p:sp>
+        <p:nvSpPr>
+          <p:cNvPr id="3" name="Notes Placeholder 2"/>
+          <p:cNvSpPr>
+            <a:spLocks noGrp="1"/>
+          </p:cNvSpPr>
+          <p:nvPr>
+            <p:ph type="body" idx="1"/>
+          </p:nvPr>
+        </p:nvSpPr>
+        <p:spPr/>
+        <p:txBody>
+          <a:bodyPr/>
+          <a:lstStyle/>
+          <a:p>
+            <a:r>
+              <a:rPr lang="en-JP" dirty="0"/>
+              <a:t>所要時間: [s]</a:t>
+            </a:r>
+            <a:endParaRPr lang="en-US" dirty="0"/>
+          </a:p>
+          <a:p>
+            <a:pPr marL="0" marR="0" lvl="0" indent="0" algn="l" defTabSz="914400" rtl="0" eaLnBrk="1" fontAlgn="auto" latinLnBrk="0" hangingPunct="1">
+              <a:lnSpc>
+                <a:spcPct val="100000"/>
+              </a:lnSpc>
+              <a:spcBef>
+                <a:spcPts val="0"/>
+              </a:spcBef>
+              <a:spcAft>
+                <a:spcPts val="0"/>
+              </a:spcAft>
+              <a:buClrTx/>
+              <a:buSzTx/>
+              <a:buFontTx/>
+              <a:buNone/>
+              <a:tabLst/>
+              <a:defRPr/>
+            </a:pPr>
+            <a:r>
+              <a:rPr lang="ja-JP" altLang="en-US" dirty="0"/>
+              <a:t>解説部分</a:t>
+            </a:r>
+            <a:r>
+              <a:rPr lang="en-US" altLang="ja-JP" dirty="0"/>
+              <a:t>(</a:t>
+            </a:r>
+            <a:r>
+              <a:rPr lang="ja-JP" altLang="en-US" dirty="0"/>
+              <a:t>詳しいことはここに記述して、かいつまんでスライドにも書く。図も欲しい</a:t>
+            </a:r>
+            <a:r>
+              <a:rPr lang="en-US" altLang="ja-JP" dirty="0"/>
+              <a:t>)</a:t>
+            </a:r>
+            <a:endParaRPr lang="en-JP" altLang="ja-JP" dirty="0"/>
+          </a:p>
+          <a:p>
+            <a:endParaRPr lang="en-JP" dirty="0"/>
+          </a:p>
+        </p:txBody>
+      </p:sp>
+      <p:sp>
+        <p:nvSpPr>
+          <p:cNvPr id="4" name="Slide Number Placeholder 3"/>
+          <p:cNvSpPr>
+            <a:spLocks noGrp="1"/>
+          </p:cNvSpPr>
+          <p:nvPr>
+            <p:ph type="sldNum" sz="quarter" idx="5"/>
+          </p:nvPr>
+        </p:nvSpPr>
+        <p:spPr/>
+        <p:txBody>
+          <a:bodyPr/>
+          <a:lstStyle/>
+          <a:p>
+            <a:fld id="{4170CF48-14AD-4B24-8659-A353857BCB31}" type="slidenum">
+              <a:rPr kumimoji="1" lang="ja-JP" altLang="en-US" smtClean="0"/>
+              <a:t>6</a:t>
+            </a:fld>
+            <a:endParaRPr kumimoji="1" lang="ja-JP" altLang="en-US"/>
+          </a:p>
+        </p:txBody>
+      </p:sp>
+    </p:spTree>
+    <p:extLst>
+      <p:ext uri="{BB962C8B-B14F-4D97-AF65-F5344CB8AC3E}">
+        <p14:creationId xmlns:p14="http://schemas.microsoft.com/office/powerpoint/2010/main" val="253265554"/>
       </p:ext>
     </p:extLst>
   </p:cSld>
@@ -1176,6 +2071,13 @@
           <a:bodyPr/>
           <a:lstStyle/>
           <a:p>
+            <a:r>
+              <a:rPr lang="en-JP" dirty="0"/>
+              <a:t>所要時間: [s]</a:t>
+            </a:r>
+            <a:endParaRPr lang="en-US" dirty="0"/>
+          </a:p>
+          <a:p>
             <a:pPr marL="0" marR="0" lvl="0" indent="0" algn="l" defTabSz="914400" rtl="0" eaLnBrk="1" fontAlgn="auto" latinLnBrk="0" hangingPunct="1">
               <a:lnSpc>
                 <a:spcPct val="100000"/>
@@ -1194,9 +2096,22 @@
               <a:defRPr/>
             </a:pPr>
             <a:r>
-              <a:rPr lang="en-JP" dirty="0"/>
-              <a:t>所要時間: [s]</a:t>
-            </a:r>
+              <a:rPr lang="ja-JP" altLang="en-US" dirty="0"/>
+              <a:t>解説部分</a:t>
+            </a:r>
+            <a:r>
+              <a:rPr lang="en-US" altLang="ja-JP" dirty="0"/>
+              <a:t>(</a:t>
+            </a:r>
+            <a:r>
+              <a:rPr lang="ja-JP" altLang="en-US" dirty="0"/>
+              <a:t>詳しいことはここに記述して、かいつまんでスライドにも書く。図も欲しい</a:t>
+            </a:r>
+            <a:r>
+              <a:rPr lang="en-US" altLang="ja-JP" dirty="0"/>
+              <a:t>)</a:t>
+            </a:r>
+            <a:endParaRPr lang="en-JP" altLang="ja-JP" dirty="0"/>
           </a:p>
           <a:p>
             <a:endParaRPr lang="en-JP" dirty="0"/>
@@ -1220,7 +2135,7 @@
           <a:p>
             <a:fld id="{4170CF48-14AD-4B24-8659-A353857BCB31}" type="slidenum">
               <a:rPr kumimoji="1" lang="ja-JP" altLang="en-US" smtClean="0"/>
-              <a:t>6</a:t>
+              <a:t>7</a:t>
             </a:fld>
             <a:endParaRPr kumimoji="1" lang="ja-JP" altLang="en-US"/>
           </a:p>
@@ -1229,7 +2144,308 @@
     </p:spTree>
     <p:extLst>
       <p:ext uri="{BB962C8B-B14F-4D97-AF65-F5344CB8AC3E}">
-        <p14:creationId xmlns:p14="http://schemas.microsoft.com/office/powerpoint/2010/main" val="1136788670"/>
+        <p14:creationId xmlns:p14="http://schemas.microsoft.com/office/powerpoint/2010/main" val="3124842465"/>
+      </p:ext>
+    </p:extLst>
+  </p:cSld>
+  <p:clrMapOvr>
+    <a:masterClrMapping/>
+  </p:clrMapOvr>
+</p:notes>
+</file>
+
+<file path=ppt/notesSlides/notesSlide7.xml><?xml version="1.0" encoding="utf-8"?>
+<p:notes xmlns:a="http://schemas.openxmlformats.org/drawingml/2006/main" xmlns:r="http://schemas.openxmlformats.org/officeDocument/2006/relationships" xmlns:p="http://schemas.openxmlformats.org/presentationml/2006/main">
+  <p:cSld>
+    <p:spTree>
+      <p:nvGrpSpPr>
+        <p:cNvPr id="1" name=""/>
+        <p:cNvGrpSpPr/>
+        <p:nvPr/>
+      </p:nvGrpSpPr>
+      <p:grpSpPr>
+        <a:xfrm>
+          <a:off x="0" y="0"/>
+          <a:ext cx="0" cy="0"/>
+          <a:chOff x="0" y="0"/>
+          <a:chExt cx="0" cy="0"/>
+        </a:xfrm>
+      </p:grpSpPr>
+      <p:sp>
+        <p:nvSpPr>
+          <p:cNvPr id="2" name="Slide Image Placeholder 1"/>
+          <p:cNvSpPr>
+            <a:spLocks noGrp="1" noRot="1" noChangeAspect="1"/>
+          </p:cNvSpPr>
+          <p:nvPr>
+            <p:ph type="sldImg"/>
+          </p:nvPr>
+        </p:nvSpPr>
+        <p:spPr/>
+      </p:sp>
+      <p:sp>
+        <p:nvSpPr>
+          <p:cNvPr id="3" name="Notes Placeholder 2"/>
+          <p:cNvSpPr>
+            <a:spLocks noGrp="1"/>
+          </p:cNvSpPr>
+          <p:nvPr>
+            <p:ph type="body" idx="1"/>
+          </p:nvPr>
+        </p:nvSpPr>
+        <p:spPr/>
+        <p:txBody>
+          <a:bodyPr/>
+          <a:lstStyle/>
+          <a:p>
+            <a:r>
+              <a:rPr lang="en-JP" dirty="0"/>
+              <a:t>所要時間: [s]</a:t>
+            </a:r>
+            <a:endParaRPr lang="en-US" dirty="0"/>
+          </a:p>
+          <a:p>
+            <a:pPr marL="0" marR="0" lvl="0" indent="0" algn="l" defTabSz="914400" rtl="0" eaLnBrk="1" fontAlgn="auto" latinLnBrk="0" hangingPunct="1">
+              <a:lnSpc>
+                <a:spcPct val="100000"/>
+              </a:lnSpc>
+              <a:spcBef>
+                <a:spcPts val="0"/>
+              </a:spcBef>
+              <a:spcAft>
+                <a:spcPts val="0"/>
+              </a:spcAft>
+              <a:buClrTx/>
+              <a:buSzTx/>
+              <a:buFontTx/>
+              <a:buNone/>
+              <a:tabLst/>
+              <a:defRPr/>
+            </a:pPr>
+            <a:r>
+              <a:rPr lang="ja-JP" altLang="en-US" dirty="0"/>
+              <a:t>解説部分</a:t>
+            </a:r>
+            <a:r>
+              <a:rPr lang="en-US" altLang="ja-JP" dirty="0"/>
+              <a:t>(</a:t>
+            </a:r>
+            <a:r>
+              <a:rPr lang="ja-JP" altLang="en-US" dirty="0"/>
+              <a:t>詳しいことはここに記述して、かいつまんでスライドにも書く。図も欲しい</a:t>
+            </a:r>
+            <a:r>
+              <a:rPr lang="en-US" altLang="ja-JP" dirty="0"/>
+              <a:t>)</a:t>
+            </a:r>
+            <a:endParaRPr lang="en-JP" altLang="ja-JP" dirty="0"/>
+          </a:p>
+          <a:p>
+            <a:endParaRPr lang="en-JP" dirty="0"/>
+          </a:p>
+        </p:txBody>
+      </p:sp>
+      <p:sp>
+        <p:nvSpPr>
+          <p:cNvPr id="4" name="Slide Number Placeholder 3"/>
+          <p:cNvSpPr>
+            <a:spLocks noGrp="1"/>
+          </p:cNvSpPr>
+          <p:nvPr>
+            <p:ph type="sldNum" sz="quarter" idx="5"/>
+          </p:nvPr>
+        </p:nvSpPr>
+        <p:spPr/>
+        <p:txBody>
+          <a:bodyPr/>
+          <a:lstStyle/>
+          <a:p>
+            <a:fld id="{4170CF48-14AD-4B24-8659-A353857BCB31}" type="slidenum">
+              <a:rPr kumimoji="1" lang="ja-JP" altLang="en-US" smtClean="0"/>
+              <a:t>9</a:t>
+            </a:fld>
+            <a:endParaRPr kumimoji="1" lang="ja-JP" altLang="en-US"/>
+          </a:p>
+        </p:txBody>
+      </p:sp>
+    </p:spTree>
+    <p:extLst>
+      <p:ext uri="{BB962C8B-B14F-4D97-AF65-F5344CB8AC3E}">
+        <p14:creationId xmlns:p14="http://schemas.microsoft.com/office/powerpoint/2010/main" val="959664245"/>
+      </p:ext>
+    </p:extLst>
+  </p:cSld>
+  <p:clrMapOvr>
+    <a:masterClrMapping/>
+  </p:clrMapOvr>
+</p:notes>
+</file>
+
+<file path=ppt/notesSlides/notesSlide8.xml><?xml version="1.0" encoding="utf-8"?>
+<p:notes xmlns:a="http://schemas.openxmlformats.org/drawingml/2006/main" xmlns:r="http://schemas.openxmlformats.org/officeDocument/2006/relationships" xmlns:p="http://schemas.openxmlformats.org/presentationml/2006/main">
+  <p:cSld>
+    <p:spTree>
+      <p:nvGrpSpPr>
+        <p:cNvPr id="1" name=""/>
+        <p:cNvGrpSpPr/>
+        <p:nvPr/>
+      </p:nvGrpSpPr>
+      <p:grpSpPr>
+        <a:xfrm>
+          <a:off x="0" y="0"/>
+          <a:ext cx="0" cy="0"/>
+          <a:chOff x="0" y="0"/>
+          <a:chExt cx="0" cy="0"/>
+        </a:xfrm>
+      </p:grpSpPr>
+      <p:sp>
+        <p:nvSpPr>
+          <p:cNvPr id="2" name="Slide Image Placeholder 1"/>
+          <p:cNvSpPr>
+            <a:spLocks noGrp="1" noRot="1" noChangeAspect="1"/>
+          </p:cNvSpPr>
+          <p:nvPr>
+            <p:ph type="sldImg"/>
+          </p:nvPr>
+        </p:nvSpPr>
+        <p:spPr/>
+      </p:sp>
+      <p:sp>
+        <p:nvSpPr>
+          <p:cNvPr id="3" name="Notes Placeholder 2"/>
+          <p:cNvSpPr>
+            <a:spLocks noGrp="1"/>
+          </p:cNvSpPr>
+          <p:nvPr>
+            <p:ph type="body" idx="1"/>
+          </p:nvPr>
+        </p:nvSpPr>
+        <p:spPr/>
+        <p:txBody>
+          <a:bodyPr/>
+          <a:lstStyle/>
+          <a:p>
+            <a:r>
+              <a:rPr lang="en-JP" dirty="0"/>
+              <a:t>所要時間: [s]</a:t>
+            </a:r>
+          </a:p>
+        </p:txBody>
+      </p:sp>
+      <p:sp>
+        <p:nvSpPr>
+          <p:cNvPr id="4" name="Slide Number Placeholder 3"/>
+          <p:cNvSpPr>
+            <a:spLocks noGrp="1"/>
+          </p:cNvSpPr>
+          <p:nvPr>
+            <p:ph type="sldNum" sz="quarter" idx="5"/>
+          </p:nvPr>
+        </p:nvSpPr>
+        <p:spPr/>
+        <p:txBody>
+          <a:bodyPr/>
+          <a:lstStyle/>
+          <a:p>
+            <a:fld id="{4170CF48-14AD-4B24-8659-A353857BCB31}" type="slidenum">
+              <a:rPr kumimoji="1" lang="ja-JP" altLang="en-US" smtClean="0"/>
+              <a:t>10</a:t>
+            </a:fld>
+            <a:endParaRPr kumimoji="1" lang="ja-JP" altLang="en-US"/>
+          </a:p>
+        </p:txBody>
+      </p:sp>
+    </p:spTree>
+    <p:extLst>
+      <p:ext uri="{BB962C8B-B14F-4D97-AF65-F5344CB8AC3E}">
+        <p14:creationId xmlns:p14="http://schemas.microsoft.com/office/powerpoint/2010/main" val="4032642849"/>
+      </p:ext>
+    </p:extLst>
+  </p:cSld>
+  <p:clrMapOvr>
+    <a:masterClrMapping/>
+  </p:clrMapOvr>
+</p:notes>
+</file>
+
+<file path=ppt/notesSlides/notesSlide9.xml><?xml version="1.0" encoding="utf-8"?>
+<p:notes xmlns:a="http://schemas.openxmlformats.org/drawingml/2006/main" xmlns:r="http://schemas.openxmlformats.org/officeDocument/2006/relationships" xmlns:p="http://schemas.openxmlformats.org/presentationml/2006/main">
+  <p:cSld>
+    <p:spTree>
+      <p:nvGrpSpPr>
+        <p:cNvPr id="1" name=""/>
+        <p:cNvGrpSpPr/>
+        <p:nvPr/>
+      </p:nvGrpSpPr>
+      <p:grpSpPr>
+        <a:xfrm>
+          <a:off x="0" y="0"/>
+          <a:ext cx="0" cy="0"/>
+          <a:chOff x="0" y="0"/>
+          <a:chExt cx="0" cy="0"/>
+        </a:xfrm>
+      </p:grpSpPr>
+      <p:sp>
+        <p:nvSpPr>
+          <p:cNvPr id="2" name="Slide Image Placeholder 1"/>
+          <p:cNvSpPr>
+            <a:spLocks noGrp="1" noRot="1" noChangeAspect="1"/>
+          </p:cNvSpPr>
+          <p:nvPr>
+            <p:ph type="sldImg"/>
+          </p:nvPr>
+        </p:nvSpPr>
+        <p:spPr/>
+      </p:sp>
+      <p:sp>
+        <p:nvSpPr>
+          <p:cNvPr id="3" name="Notes Placeholder 2"/>
+          <p:cNvSpPr>
+            <a:spLocks noGrp="1"/>
+          </p:cNvSpPr>
+          <p:nvPr>
+            <p:ph type="body" idx="1"/>
+          </p:nvPr>
+        </p:nvSpPr>
+        <p:spPr/>
+        <p:txBody>
+          <a:bodyPr/>
+          <a:lstStyle/>
+          <a:p>
+            <a:r>
+              <a:rPr lang="en-JP" dirty="0"/>
+              <a:t>所要時間: [s]</a:t>
+            </a:r>
+          </a:p>
+        </p:txBody>
+      </p:sp>
+      <p:sp>
+        <p:nvSpPr>
+          <p:cNvPr id="4" name="Slide Number Placeholder 3"/>
+          <p:cNvSpPr>
+            <a:spLocks noGrp="1"/>
+          </p:cNvSpPr>
+          <p:nvPr>
+            <p:ph type="sldNum" sz="quarter" idx="5"/>
+          </p:nvPr>
+        </p:nvSpPr>
+        <p:spPr/>
+        <p:txBody>
+          <a:bodyPr/>
+          <a:lstStyle/>
+          <a:p>
+            <a:fld id="{4170CF48-14AD-4B24-8659-A353857BCB31}" type="slidenum">
+              <a:rPr kumimoji="1" lang="ja-JP" altLang="en-US" smtClean="0"/>
+              <a:t>11</a:t>
+            </a:fld>
+            <a:endParaRPr kumimoji="1" lang="ja-JP" altLang="en-US"/>
+          </a:p>
+        </p:txBody>
+      </p:sp>
+    </p:spTree>
+    <p:extLst>
+      <p:ext uri="{BB962C8B-B14F-4D97-AF65-F5344CB8AC3E}">
+        <p14:creationId xmlns:p14="http://schemas.microsoft.com/office/powerpoint/2010/main" val="4084542094"/>
       </p:ext>
     </p:extLst>
   </p:cSld>
@@ -5600,7 +6816,2251 @@
 </p:sld>
 </file>
 
-<file path=ppt/slides/slide2.xml><?xml version="1.0" encoding="utf-8"?>
+<file path=ppt/slides/slide10.xml><?xml version="1.0" encoding="utf-8"?>
+<p:sld xmlns:a="http://schemas.openxmlformats.org/drawingml/2006/main" xmlns:r="http://schemas.openxmlformats.org/officeDocument/2006/relationships" xmlns:p="http://schemas.openxmlformats.org/presentationml/2006/main">
+  <p:cSld>
+    <p:spTree>
+      <p:nvGrpSpPr>
+        <p:cNvPr id="1" name="">
+          <a:extLst>
+            <a:ext uri="{FF2B5EF4-FFF2-40B4-BE49-F238E27FC236}">
+              <a16:creationId xmlns:a16="http://schemas.microsoft.com/office/drawing/2014/main" id="{B952A17A-80FF-DA20-EF66-670AF34F25CA}"/>
+            </a:ext>
+          </a:extLst>
+        </p:cNvPr>
+        <p:cNvGrpSpPr/>
+        <p:nvPr/>
+      </p:nvGrpSpPr>
+      <p:grpSpPr>
+        <a:xfrm>
+          <a:off x="0" y="0"/>
+          <a:ext cx="0" cy="0"/>
+          <a:chOff x="0" y="0"/>
+          <a:chExt cx="0" cy="0"/>
+        </a:xfrm>
+      </p:grpSpPr>
+      <p:sp>
+        <p:nvSpPr>
+          <p:cNvPr id="3" name="Slide Number Placeholder 2">
+            <a:extLst>
+              <a:ext uri="{FF2B5EF4-FFF2-40B4-BE49-F238E27FC236}">
+                <a16:creationId xmlns:a16="http://schemas.microsoft.com/office/drawing/2014/main" id="{27BCBD73-CE08-BAE7-80DD-E0A99D17B396}"/>
+              </a:ext>
+            </a:extLst>
+          </p:cNvPr>
+          <p:cNvSpPr>
+            <a:spLocks noGrp="1"/>
+          </p:cNvSpPr>
+          <p:nvPr>
+            <p:ph type="sldNum" sz="quarter" idx="12"/>
+          </p:nvPr>
+        </p:nvSpPr>
+        <p:spPr/>
+        <p:txBody>
+          <a:bodyPr/>
+          <a:lstStyle/>
+          <a:p>
+            <a:pPr algn="ctr"/>
+            <a:r>
+              <a:rPr kumimoji="1" lang="en-US" altLang="ja-JP"/>
+              <a:t>-</a:t>
+            </a:r>
+            <a:fld id="{DD4CF77E-606E-4148-BC8B-C5EDFD579810}" type="slidenum">
+              <a:rPr kumimoji="1" lang="ja-JP" altLang="en-US" smtClean="0"/>
+              <a:pPr algn="ctr"/>
+              <a:t>10</a:t>
+            </a:fld>
+            <a:r>
+              <a:rPr kumimoji="1" lang="en-US" altLang="ja-JP"/>
+              <a:t>-</a:t>
+            </a:r>
+            <a:endParaRPr kumimoji="1" lang="ja-JP" altLang="en-US" dirty="0"/>
+          </a:p>
+        </p:txBody>
+      </p:sp>
+      <p:sp>
+        <p:nvSpPr>
+          <p:cNvPr id="4" name="TextBox 3">
+            <a:extLst>
+              <a:ext uri="{FF2B5EF4-FFF2-40B4-BE49-F238E27FC236}">
+                <a16:creationId xmlns:a16="http://schemas.microsoft.com/office/drawing/2014/main" id="{58CECEC3-FDFA-4105-AAAB-B509D98AACFD}"/>
+              </a:ext>
+            </a:extLst>
+          </p:cNvPr>
+          <p:cNvSpPr txBox="1"/>
+          <p:nvPr/>
+        </p:nvSpPr>
+        <p:spPr>
+          <a:xfrm>
+            <a:off x="449017" y="269481"/>
+            <a:ext cx="7135318" cy="707886"/>
+          </a:xfrm>
+          <a:prstGeom prst="rect">
+            <a:avLst/>
+          </a:prstGeom>
+          <a:noFill/>
+        </p:spPr>
+        <p:txBody>
+          <a:bodyPr wrap="square" rtlCol="0">
+            <a:spAutoFit/>
+          </a:bodyPr>
+          <a:lstStyle/>
+          <a:p>
+            <a:r>
+              <a:rPr lang="ja-JP" altLang="en-US" sz="4000" dirty="0"/>
+              <a:t>提案手法： </a:t>
+            </a:r>
+            <a:r>
+              <a:rPr lang="en-US" altLang="ja-JP" sz="4000" dirty="0"/>
+              <a:t>ADTR</a:t>
+            </a:r>
+            <a:endParaRPr lang="en-JP" sz="4000" dirty="0"/>
+          </a:p>
+        </p:txBody>
+      </p:sp>
+      <p:sp>
+        <p:nvSpPr>
+          <p:cNvPr id="2" name="正方形/長方形 1">
+            <a:extLst>
+              <a:ext uri="{FF2B5EF4-FFF2-40B4-BE49-F238E27FC236}">
+                <a16:creationId xmlns:a16="http://schemas.microsoft.com/office/drawing/2014/main" id="{C3E1F148-AE59-4527-A32D-DE296172C5F8}"/>
+              </a:ext>
+            </a:extLst>
+          </p:cNvPr>
+          <p:cNvSpPr/>
+          <p:nvPr/>
+        </p:nvSpPr>
+        <p:spPr>
+          <a:xfrm>
+            <a:off x="449017" y="1452605"/>
+            <a:ext cx="1107996" cy="369332"/>
+          </a:xfrm>
+          <a:prstGeom prst="rect">
+            <a:avLst/>
+          </a:prstGeom>
+        </p:spPr>
+        <p:txBody>
+          <a:bodyPr wrap="none">
+            <a:spAutoFit/>
+          </a:bodyPr>
+          <a:lstStyle/>
+          <a:p>
+            <a:r>
+              <a:rPr lang="ja-JP" altLang="en-US" b="1" dirty="0"/>
+              <a:t>ああああ</a:t>
+            </a:r>
+            <a:endParaRPr lang="ja-JP" altLang="en-US" dirty="0"/>
+          </a:p>
+        </p:txBody>
+      </p:sp>
+    </p:spTree>
+    <p:extLst>
+      <p:ext uri="{BB962C8B-B14F-4D97-AF65-F5344CB8AC3E}">
+        <p14:creationId xmlns:p14="http://schemas.microsoft.com/office/powerpoint/2010/main" val="3411825101"/>
+      </p:ext>
+    </p:extLst>
+  </p:cSld>
+  <p:clrMapOvr>
+    <a:masterClrMapping/>
+  </p:clrMapOvr>
+  <mc:AlternateContent xmlns:mc="http://schemas.openxmlformats.org/markup-compatibility/2006" xmlns:p14="http://schemas.microsoft.com/office/powerpoint/2010/main">
+    <mc:Choice Requires="p14">
+      <p:transition p14:dur="180">
+        <p:fade/>
+      </p:transition>
+    </mc:Choice>
+    <mc:Fallback xmlns="">
+      <p:transition>
+        <p:fade/>
+      </p:transition>
+    </mc:Fallback>
+  </mc:AlternateContent>
+</p:sld>
+</file>
+
+<file path=ppt/slides/slide11.xml><?xml version="1.0" encoding="utf-8"?>
+<p:sld xmlns:a="http://schemas.openxmlformats.org/drawingml/2006/main" xmlns:r="http://schemas.openxmlformats.org/officeDocument/2006/relationships" xmlns:p="http://schemas.openxmlformats.org/presentationml/2006/main">
+  <p:cSld>
+    <p:spTree>
+      <p:nvGrpSpPr>
+        <p:cNvPr id="1" name="">
+          <a:extLst>
+            <a:ext uri="{FF2B5EF4-FFF2-40B4-BE49-F238E27FC236}">
+              <a16:creationId xmlns:a16="http://schemas.microsoft.com/office/drawing/2014/main" id="{B952A17A-80FF-DA20-EF66-670AF34F25CA}"/>
+            </a:ext>
+          </a:extLst>
+        </p:cNvPr>
+        <p:cNvGrpSpPr/>
+        <p:nvPr/>
+      </p:nvGrpSpPr>
+      <p:grpSpPr>
+        <a:xfrm>
+          <a:off x="0" y="0"/>
+          <a:ext cx="0" cy="0"/>
+          <a:chOff x="0" y="0"/>
+          <a:chExt cx="0" cy="0"/>
+        </a:xfrm>
+      </p:grpSpPr>
+      <p:sp>
+        <p:nvSpPr>
+          <p:cNvPr id="3" name="Slide Number Placeholder 2">
+            <a:extLst>
+              <a:ext uri="{FF2B5EF4-FFF2-40B4-BE49-F238E27FC236}">
+                <a16:creationId xmlns:a16="http://schemas.microsoft.com/office/drawing/2014/main" id="{27BCBD73-CE08-BAE7-80DD-E0A99D17B396}"/>
+              </a:ext>
+            </a:extLst>
+          </p:cNvPr>
+          <p:cNvSpPr>
+            <a:spLocks noGrp="1"/>
+          </p:cNvSpPr>
+          <p:nvPr>
+            <p:ph type="sldNum" sz="quarter" idx="12"/>
+          </p:nvPr>
+        </p:nvSpPr>
+        <p:spPr/>
+        <p:txBody>
+          <a:bodyPr/>
+          <a:lstStyle/>
+          <a:p>
+            <a:pPr algn="ctr"/>
+            <a:r>
+              <a:rPr kumimoji="1" lang="en-US" altLang="ja-JP"/>
+              <a:t>-</a:t>
+            </a:r>
+            <a:fld id="{DD4CF77E-606E-4148-BC8B-C5EDFD579810}" type="slidenum">
+              <a:rPr kumimoji="1" lang="ja-JP" altLang="en-US" smtClean="0"/>
+              <a:pPr algn="ctr"/>
+              <a:t>11</a:t>
+            </a:fld>
+            <a:r>
+              <a:rPr kumimoji="1" lang="en-US" altLang="ja-JP"/>
+              <a:t>-</a:t>
+            </a:r>
+            <a:endParaRPr kumimoji="1" lang="ja-JP" altLang="en-US" dirty="0"/>
+          </a:p>
+        </p:txBody>
+      </p:sp>
+      <p:sp>
+        <p:nvSpPr>
+          <p:cNvPr id="4" name="TextBox 3">
+            <a:extLst>
+              <a:ext uri="{FF2B5EF4-FFF2-40B4-BE49-F238E27FC236}">
+                <a16:creationId xmlns:a16="http://schemas.microsoft.com/office/drawing/2014/main" id="{58CECEC3-FDFA-4105-AAAB-B509D98AACFD}"/>
+              </a:ext>
+            </a:extLst>
+          </p:cNvPr>
+          <p:cNvSpPr txBox="1"/>
+          <p:nvPr/>
+        </p:nvSpPr>
+        <p:spPr>
+          <a:xfrm>
+            <a:off x="449016" y="269481"/>
+            <a:ext cx="9732952" cy="707886"/>
+          </a:xfrm>
+          <a:prstGeom prst="rect">
+            <a:avLst/>
+          </a:prstGeom>
+          <a:noFill/>
+        </p:spPr>
+        <p:txBody>
+          <a:bodyPr wrap="square" rtlCol="0">
+            <a:spAutoFit/>
+          </a:bodyPr>
+          <a:lstStyle/>
+          <a:p>
+            <a:r>
+              <a:rPr lang="ja-JP" altLang="en-US" sz="4000" dirty="0"/>
+              <a:t>提案手法： </a:t>
+            </a:r>
+            <a:r>
+              <a:rPr lang="en-US" altLang="ja-JP" sz="4000" dirty="0"/>
+              <a:t>Morita et al.(2022)</a:t>
+            </a:r>
+          </a:p>
+        </p:txBody>
+      </p:sp>
+      <p:sp>
+        <p:nvSpPr>
+          <p:cNvPr id="2" name="正方形/長方形 1">
+            <a:extLst>
+              <a:ext uri="{FF2B5EF4-FFF2-40B4-BE49-F238E27FC236}">
+                <a16:creationId xmlns:a16="http://schemas.microsoft.com/office/drawing/2014/main" id="{C3E1F148-AE59-4527-A32D-DE296172C5F8}"/>
+              </a:ext>
+            </a:extLst>
+          </p:cNvPr>
+          <p:cNvSpPr/>
+          <p:nvPr/>
+        </p:nvSpPr>
+        <p:spPr>
+          <a:xfrm>
+            <a:off x="449017" y="1452605"/>
+            <a:ext cx="1107996" cy="369332"/>
+          </a:xfrm>
+          <a:prstGeom prst="rect">
+            <a:avLst/>
+          </a:prstGeom>
+        </p:spPr>
+        <p:txBody>
+          <a:bodyPr wrap="none">
+            <a:spAutoFit/>
+          </a:bodyPr>
+          <a:lstStyle/>
+          <a:p>
+            <a:r>
+              <a:rPr lang="ja-JP" altLang="en-US" b="1" dirty="0"/>
+              <a:t>ああああ</a:t>
+            </a:r>
+            <a:endParaRPr lang="ja-JP" altLang="en-US" dirty="0"/>
+          </a:p>
+        </p:txBody>
+      </p:sp>
+      <p:sp>
+        <p:nvSpPr>
+          <p:cNvPr id="5" name="テキスト ボックス 4">
+            <a:extLst>
+              <a:ext uri="{FF2B5EF4-FFF2-40B4-BE49-F238E27FC236}">
+                <a16:creationId xmlns:a16="http://schemas.microsoft.com/office/drawing/2014/main" id="{23B5CFF3-EE2A-4F91-86A0-8BFC1984EE8D}"/>
+              </a:ext>
+            </a:extLst>
+          </p:cNvPr>
+          <p:cNvSpPr txBox="1"/>
+          <p:nvPr/>
+        </p:nvSpPr>
+        <p:spPr>
+          <a:xfrm>
+            <a:off x="4497860" y="849412"/>
+            <a:ext cx="6178378" cy="276999"/>
+          </a:xfrm>
+          <a:prstGeom prst="rect">
+            <a:avLst/>
+          </a:prstGeom>
+          <a:noFill/>
+        </p:spPr>
+        <p:txBody>
+          <a:bodyPr wrap="square" rtlCol="0">
+            <a:spAutoFit/>
+          </a:bodyPr>
+          <a:lstStyle/>
+          <a:p>
+            <a:r>
+              <a:rPr lang="en-US" altLang="ja-JP" sz="1200" dirty="0"/>
+              <a:t>(</a:t>
+            </a:r>
+            <a:r>
+              <a:rPr lang="en-US" altLang="ja-JP" sz="1200" dirty="0" err="1"/>
+              <a:t>Removing_Anomalies_as_Noises_for_Industrial_Defect_Localization</a:t>
+            </a:r>
+            <a:r>
+              <a:rPr lang="en-US" altLang="ja-JP" sz="1200" dirty="0"/>
+              <a:t>)</a:t>
+            </a:r>
+            <a:endParaRPr kumimoji="1" lang="ja-JP" altLang="en-US" sz="1200" dirty="0"/>
+          </a:p>
+        </p:txBody>
+      </p:sp>
+    </p:spTree>
+    <p:extLst>
+      <p:ext uri="{BB962C8B-B14F-4D97-AF65-F5344CB8AC3E}">
+        <p14:creationId xmlns:p14="http://schemas.microsoft.com/office/powerpoint/2010/main" val="359630709"/>
+      </p:ext>
+    </p:extLst>
+  </p:cSld>
+  <p:clrMapOvr>
+    <a:masterClrMapping/>
+  </p:clrMapOvr>
+  <mc:AlternateContent xmlns:mc="http://schemas.openxmlformats.org/markup-compatibility/2006" xmlns:p14="http://schemas.microsoft.com/office/powerpoint/2010/main">
+    <mc:Choice Requires="p14">
+      <p:transition p14:dur="180">
+        <p:fade/>
+      </p:transition>
+    </mc:Choice>
+    <mc:Fallback xmlns="">
+      <p:transition>
+        <p:fade/>
+      </p:transition>
+    </mc:Fallback>
+  </mc:AlternateContent>
+</p:sld>
+</file>
+
+<file path=ppt/slides/slide12.xml><?xml version="1.0" encoding="utf-8"?>
+<p:sld xmlns:a="http://schemas.openxmlformats.org/drawingml/2006/main" xmlns:r="http://schemas.openxmlformats.org/officeDocument/2006/relationships" xmlns:p="http://schemas.openxmlformats.org/presentationml/2006/main">
+  <p:cSld>
+    <p:spTree>
+      <p:nvGrpSpPr>
+        <p:cNvPr id="1" name=""/>
+        <p:cNvGrpSpPr/>
+        <p:nvPr/>
+      </p:nvGrpSpPr>
+      <p:grpSpPr>
+        <a:xfrm>
+          <a:off x="0" y="0"/>
+          <a:ext cx="0" cy="0"/>
+          <a:chOff x="0" y="0"/>
+          <a:chExt cx="0" cy="0"/>
+        </a:xfrm>
+      </p:grpSpPr>
+      <p:sp>
+        <p:nvSpPr>
+          <p:cNvPr id="2" name="Slide Number Placeholder 1">
+            <a:extLst>
+              <a:ext uri="{FF2B5EF4-FFF2-40B4-BE49-F238E27FC236}">
+                <a16:creationId xmlns:a16="http://schemas.microsoft.com/office/drawing/2014/main" id="{5751CFFC-35DF-11CF-319A-7BD996C08093}"/>
+              </a:ext>
+            </a:extLst>
+          </p:cNvPr>
+          <p:cNvSpPr>
+            <a:spLocks noGrp="1"/>
+          </p:cNvSpPr>
+          <p:nvPr>
+            <p:ph type="sldNum" sz="quarter" idx="12"/>
+          </p:nvPr>
+        </p:nvSpPr>
+        <p:spPr/>
+        <p:txBody>
+          <a:bodyPr/>
+          <a:lstStyle/>
+          <a:p>
+            <a:pPr algn="ctr"/>
+            <a:r>
+              <a:rPr kumimoji="1" lang="en-US" altLang="ja-JP"/>
+              <a:t>-</a:t>
+            </a:r>
+            <a:fld id="{DD4CF77E-606E-4148-BC8B-C5EDFD579810}" type="slidenum">
+              <a:rPr kumimoji="1" lang="ja-JP" altLang="en-US" smtClean="0"/>
+              <a:pPr algn="ctr"/>
+              <a:t>12</a:t>
+            </a:fld>
+            <a:r>
+              <a:rPr kumimoji="1" lang="en-US" altLang="ja-JP"/>
+              <a:t>-</a:t>
+            </a:r>
+            <a:endParaRPr kumimoji="1" lang="ja-JP" altLang="en-US" dirty="0"/>
+          </a:p>
+        </p:txBody>
+      </p:sp>
+      <p:sp>
+        <p:nvSpPr>
+          <p:cNvPr id="3" name="TextBox 2">
+            <a:extLst>
+              <a:ext uri="{FF2B5EF4-FFF2-40B4-BE49-F238E27FC236}">
+                <a16:creationId xmlns:a16="http://schemas.microsoft.com/office/drawing/2014/main" id="{9245702B-67A0-528F-3DEE-771EFA468E1A}"/>
+              </a:ext>
+            </a:extLst>
+          </p:cNvPr>
+          <p:cNvSpPr txBox="1"/>
+          <p:nvPr/>
+        </p:nvSpPr>
+        <p:spPr>
+          <a:xfrm>
+            <a:off x="449017" y="269481"/>
+            <a:ext cx="7135318" cy="707886"/>
+          </a:xfrm>
+          <a:prstGeom prst="rect">
+            <a:avLst/>
+          </a:prstGeom>
+          <a:noFill/>
+        </p:spPr>
+        <p:txBody>
+          <a:bodyPr wrap="square" rtlCol="0">
+            <a:spAutoFit/>
+          </a:bodyPr>
+          <a:lstStyle/>
+          <a:p>
+            <a:r>
+              <a:rPr lang="en-JP" sz="4000" dirty="0"/>
+              <a:t>My Opinion</a:t>
+            </a:r>
+          </a:p>
+        </p:txBody>
+      </p:sp>
+      <p:sp>
+        <p:nvSpPr>
+          <p:cNvPr id="4" name="正方形/長方形 3">
+            <a:extLst>
+              <a:ext uri="{FF2B5EF4-FFF2-40B4-BE49-F238E27FC236}">
+                <a16:creationId xmlns:a16="http://schemas.microsoft.com/office/drawing/2014/main" id="{D9186BEB-D3A8-4C93-B5B0-435567838C9C}"/>
+              </a:ext>
+            </a:extLst>
+          </p:cNvPr>
+          <p:cNvSpPr/>
+          <p:nvPr/>
+        </p:nvSpPr>
+        <p:spPr>
+          <a:xfrm>
+            <a:off x="449017" y="1314105"/>
+            <a:ext cx="10696778" cy="369332"/>
+          </a:xfrm>
+          <a:prstGeom prst="rect">
+            <a:avLst/>
+          </a:prstGeom>
+        </p:spPr>
+        <p:txBody>
+          <a:bodyPr wrap="square">
+            <a:spAutoFit/>
+          </a:bodyPr>
+          <a:lstStyle/>
+          <a:p>
+            <a:r>
+              <a:rPr lang="en-JP" altLang="ja-JP" dirty="0"/>
+              <a:t>・</a:t>
+            </a:r>
+            <a:r>
+              <a:rPr lang="ja-JP" altLang="en-US" dirty="0"/>
+              <a:t>新しく提案された手法でも過去の手法と比べると苦手な評価項目が存在すること。</a:t>
+            </a:r>
+          </a:p>
+        </p:txBody>
+      </p:sp>
+    </p:spTree>
+    <p:extLst>
+      <p:ext uri="{BB962C8B-B14F-4D97-AF65-F5344CB8AC3E}">
+        <p14:creationId xmlns:p14="http://schemas.microsoft.com/office/powerpoint/2010/main" val="3422333681"/>
+      </p:ext>
+    </p:extLst>
+  </p:cSld>
+  <p:clrMapOvr>
+    <a:masterClrMapping/>
+  </p:clrMapOvr>
+  <mc:AlternateContent xmlns:mc="http://schemas.openxmlformats.org/markup-compatibility/2006" xmlns:p14="http://schemas.microsoft.com/office/powerpoint/2010/main">
+    <mc:Choice Requires="p14">
+      <p:transition p14:dur="180">
+        <p:fade/>
+      </p:transition>
+    </mc:Choice>
+    <mc:Fallback xmlns="">
+      <p:transition>
+        <p:fade/>
+      </p:transition>
+    </mc:Fallback>
+  </mc:AlternateContent>
+</p:sld>
+</file>
+
+<file path=ppt/slides/slide13.xml><?xml version="1.0" encoding="utf-8"?>
+<p:sld xmlns:a="http://schemas.openxmlformats.org/drawingml/2006/main" xmlns:r="http://schemas.openxmlformats.org/officeDocument/2006/relationships" xmlns:p="http://schemas.openxmlformats.org/presentationml/2006/main">
+  <p:cSld>
+    <p:spTree>
+      <p:nvGrpSpPr>
+        <p:cNvPr id="1" name="">
+          <a:extLst>
+            <a:ext uri="{FF2B5EF4-FFF2-40B4-BE49-F238E27FC236}">
+              <a16:creationId xmlns:a16="http://schemas.microsoft.com/office/drawing/2014/main" id="{79A214FC-E6F4-7B59-B279-01A956BB430F}"/>
+            </a:ext>
+          </a:extLst>
+        </p:cNvPr>
+        <p:cNvGrpSpPr/>
+        <p:nvPr/>
+      </p:nvGrpSpPr>
+      <p:grpSpPr>
+        <a:xfrm>
+          <a:off x="0" y="0"/>
+          <a:ext cx="0" cy="0"/>
+          <a:chOff x="0" y="0"/>
+          <a:chExt cx="0" cy="0"/>
+        </a:xfrm>
+      </p:grpSpPr>
+      <p:sp>
+        <p:nvSpPr>
+          <p:cNvPr id="3" name="Slide Number Placeholder 2">
+            <a:extLst>
+              <a:ext uri="{FF2B5EF4-FFF2-40B4-BE49-F238E27FC236}">
+                <a16:creationId xmlns:a16="http://schemas.microsoft.com/office/drawing/2014/main" id="{64B16C86-23D5-F268-6A8B-5CA7887F9E60}"/>
+              </a:ext>
+            </a:extLst>
+          </p:cNvPr>
+          <p:cNvSpPr>
+            <a:spLocks noGrp="1"/>
+          </p:cNvSpPr>
+          <p:nvPr>
+            <p:ph type="sldNum" sz="quarter" idx="12"/>
+          </p:nvPr>
+        </p:nvSpPr>
+        <p:spPr/>
+        <p:txBody>
+          <a:bodyPr/>
+          <a:lstStyle/>
+          <a:p>
+            <a:pPr algn="ctr"/>
+            <a:r>
+              <a:rPr kumimoji="1" lang="en-US" altLang="ja-JP"/>
+              <a:t>-</a:t>
+            </a:r>
+            <a:fld id="{DD4CF77E-606E-4148-BC8B-C5EDFD579810}" type="slidenum">
+              <a:rPr kumimoji="1" lang="ja-JP" altLang="en-US" smtClean="0"/>
+              <a:pPr algn="ctr"/>
+              <a:t>13</a:t>
+            </a:fld>
+            <a:r>
+              <a:rPr kumimoji="1" lang="en-US" altLang="ja-JP"/>
+              <a:t>-</a:t>
+            </a:r>
+            <a:endParaRPr kumimoji="1" lang="ja-JP" altLang="en-US" dirty="0"/>
+          </a:p>
+        </p:txBody>
+      </p:sp>
+      <p:sp>
+        <p:nvSpPr>
+          <p:cNvPr id="4" name="TextBox 3">
+            <a:extLst>
+              <a:ext uri="{FF2B5EF4-FFF2-40B4-BE49-F238E27FC236}">
+                <a16:creationId xmlns:a16="http://schemas.microsoft.com/office/drawing/2014/main" id="{DE968B57-7C15-67CE-CDB0-8B1BE675CB57}"/>
+              </a:ext>
+            </a:extLst>
+          </p:cNvPr>
+          <p:cNvSpPr txBox="1"/>
+          <p:nvPr/>
+        </p:nvSpPr>
+        <p:spPr>
+          <a:xfrm>
+            <a:off x="449017" y="269481"/>
+            <a:ext cx="7135318" cy="707886"/>
+          </a:xfrm>
+          <a:prstGeom prst="rect">
+            <a:avLst/>
+          </a:prstGeom>
+          <a:noFill/>
+        </p:spPr>
+        <p:txBody>
+          <a:bodyPr wrap="square" rtlCol="0">
+            <a:spAutoFit/>
+          </a:bodyPr>
+          <a:lstStyle/>
+          <a:p>
+            <a:r>
+              <a:rPr lang="en-JP" sz="4000" dirty="0"/>
+              <a:t>References</a:t>
+            </a:r>
+          </a:p>
+        </p:txBody>
+      </p:sp>
+      <p:sp>
+        <p:nvSpPr>
+          <p:cNvPr id="2" name="TextBox 1">
+            <a:extLst>
+              <a:ext uri="{FF2B5EF4-FFF2-40B4-BE49-F238E27FC236}">
+                <a16:creationId xmlns:a16="http://schemas.microsoft.com/office/drawing/2014/main" id="{8A354E10-C5BA-BE87-2451-351ED5C4E0E6}"/>
+              </a:ext>
+            </a:extLst>
+          </p:cNvPr>
+          <p:cNvSpPr txBox="1"/>
+          <p:nvPr/>
+        </p:nvSpPr>
+        <p:spPr>
+          <a:xfrm>
+            <a:off x="149902" y="1244183"/>
+            <a:ext cx="11887200" cy="5355312"/>
+          </a:xfrm>
+          <a:prstGeom prst="rect">
+            <a:avLst/>
+          </a:prstGeom>
+          <a:noFill/>
+        </p:spPr>
+        <p:txBody>
+          <a:bodyPr wrap="square" rtlCol="0">
+            <a:spAutoFit/>
+          </a:bodyPr>
+          <a:lstStyle/>
+          <a:p>
+            <a:r>
+              <a:rPr lang="ja-JP" altLang="en-US" b="1" dirty="0"/>
+              <a:t>メモリバンクベースの手法</a:t>
+            </a:r>
+            <a:endParaRPr lang="en-US" altLang="ja-JP" b="1" dirty="0"/>
+          </a:p>
+          <a:p>
+            <a:r>
+              <a:rPr lang="en-JP" altLang="ja-JP" dirty="0"/>
+              <a:t>[1]</a:t>
+            </a:r>
+            <a:r>
+              <a:rPr lang="ja-JP" altLang="en-US" dirty="0"/>
+              <a:t> </a:t>
+            </a:r>
+            <a:r>
+              <a:rPr lang="en-US" altLang="ja-JP" dirty="0"/>
+              <a:t>Bergman</a:t>
+            </a:r>
+            <a:r>
+              <a:rPr lang="en-JP" altLang="ja-JP" dirty="0"/>
+              <a:t> </a:t>
+            </a:r>
+            <a:r>
+              <a:rPr lang="en-JP" altLang="ja-JP" i="1" dirty="0"/>
+              <a:t>et.al., </a:t>
+            </a:r>
+            <a:r>
+              <a:rPr lang="en-US" dirty="0">
+                <a:solidFill>
+                  <a:srgbClr val="000000"/>
+                </a:solidFill>
+                <a:hlinkClick r:id="rId2"/>
+              </a:rPr>
+              <a:t>“Deep Nearest Neighbor Anomaly Detection</a:t>
+            </a:r>
+            <a:r>
+              <a:rPr lang="en-US" dirty="0">
+                <a:solidFill>
+                  <a:srgbClr val="000000"/>
+                </a:solidFill>
+              </a:rPr>
+              <a:t>”, 2020, </a:t>
+            </a:r>
+            <a:r>
+              <a:rPr lang="en-US" altLang="ja-JP" dirty="0"/>
+              <a:t>ICLR 2020</a:t>
+            </a:r>
+          </a:p>
+          <a:p>
+            <a:r>
+              <a:rPr lang="en-JP" altLang="ja-JP" dirty="0"/>
+              <a:t>[</a:t>
+            </a:r>
+            <a:r>
+              <a:rPr lang="en-US" altLang="ja-JP" dirty="0"/>
+              <a:t>2</a:t>
+            </a:r>
+            <a:r>
+              <a:rPr lang="en-JP" altLang="ja-JP" dirty="0"/>
+              <a:t>]</a:t>
+            </a:r>
+            <a:r>
+              <a:rPr lang="en-US" altLang="ja-JP" dirty="0">
+                <a:solidFill>
+                  <a:srgbClr val="000000"/>
+                </a:solidFill>
+              </a:rPr>
+              <a:t> </a:t>
+            </a:r>
+            <a:r>
+              <a:rPr lang="en-US" altLang="ja-JP" dirty="0"/>
+              <a:t>Cohen et.al., </a:t>
+            </a:r>
+            <a:r>
+              <a:rPr lang="en-US" altLang="ja-JP" dirty="0">
+                <a:solidFill>
+                  <a:srgbClr val="000000"/>
+                </a:solidFill>
+                <a:hlinkClick r:id="rId3"/>
+              </a:rPr>
+              <a:t>“Sub-Image Anomaly Detection with Deep Pyramid Correspondences</a:t>
+            </a:r>
+            <a:r>
+              <a:rPr lang="en-US" altLang="ja-JP" dirty="0">
+                <a:hlinkClick r:id="rId4"/>
+              </a:rPr>
+              <a:t>”</a:t>
+            </a:r>
+            <a:r>
+              <a:rPr lang="en-US" altLang="ja-JP" dirty="0">
+                <a:solidFill>
+                  <a:srgbClr val="000000"/>
+                </a:solidFill>
+              </a:rPr>
+              <a:t> 2020, </a:t>
+            </a:r>
+            <a:r>
+              <a:rPr lang="en-US" altLang="ja-JP" dirty="0"/>
+              <a:t>CVPR 2020 </a:t>
+            </a:r>
+          </a:p>
+          <a:p>
+            <a:r>
+              <a:rPr lang="en-JP" altLang="ja-JP" dirty="0"/>
+              <a:t>[</a:t>
+            </a:r>
+            <a:r>
+              <a:rPr lang="en-US" altLang="ja-JP" dirty="0"/>
+              <a:t>3</a:t>
+            </a:r>
+            <a:r>
+              <a:rPr lang="en-JP" altLang="ja-JP" dirty="0"/>
+              <a:t>]</a:t>
+            </a:r>
+            <a:r>
+              <a:rPr lang="en-US" altLang="ja-JP" dirty="0"/>
+              <a:t> </a:t>
+            </a:r>
+            <a:r>
+              <a:rPr lang="en-US" altLang="ja-JP" dirty="0" err="1"/>
+              <a:t>Defard</a:t>
+            </a:r>
+            <a:r>
+              <a:rPr lang="en-US" altLang="ja-JP" dirty="0"/>
+              <a:t> et.al., </a:t>
+            </a:r>
+            <a:r>
+              <a:rPr lang="en-US" altLang="ja-JP" dirty="0">
+                <a:hlinkClick r:id="rId5"/>
+              </a:rPr>
+              <a:t>“</a:t>
+            </a:r>
+            <a:r>
+              <a:rPr lang="en-US" altLang="ja-JP" dirty="0" err="1">
+                <a:hlinkClick r:id="rId5"/>
+              </a:rPr>
+              <a:t>PaDiM</a:t>
+            </a:r>
+            <a:r>
+              <a:rPr lang="en-US" altLang="ja-JP" dirty="0">
+                <a:hlinkClick r:id="rId5"/>
+              </a:rPr>
+              <a:t>: a Patch Distribution Modeling Framework for Anomaly Detection and Localization</a:t>
+            </a:r>
+            <a:r>
+              <a:rPr lang="en-US" altLang="ja-JP" dirty="0">
+                <a:hlinkClick r:id="rId4"/>
+              </a:rPr>
+              <a:t>”</a:t>
+            </a:r>
+            <a:r>
+              <a:rPr lang="en-US" altLang="ja-JP" dirty="0">
+                <a:solidFill>
+                  <a:srgbClr val="000000"/>
+                </a:solidFill>
+              </a:rPr>
+              <a:t> 2020, ICIP</a:t>
+            </a:r>
+            <a:r>
+              <a:rPr lang="ja-JP" altLang="en-US" dirty="0">
+                <a:solidFill>
+                  <a:srgbClr val="000000"/>
+                </a:solidFill>
+              </a:rPr>
+              <a:t> </a:t>
+            </a:r>
+            <a:r>
+              <a:rPr lang="en-US" altLang="ja-JP" dirty="0">
+                <a:solidFill>
+                  <a:srgbClr val="000000"/>
+                </a:solidFill>
+              </a:rPr>
+              <a:t>2021</a:t>
+            </a:r>
+            <a:endParaRPr lang="en-US" altLang="ja-JP" dirty="0"/>
+          </a:p>
+          <a:p>
+            <a:r>
+              <a:rPr lang="en-JP" altLang="ja-JP" dirty="0"/>
+              <a:t>[</a:t>
+            </a:r>
+            <a:r>
+              <a:rPr lang="en-US" altLang="ja-JP" dirty="0"/>
+              <a:t>4</a:t>
+            </a:r>
+            <a:r>
+              <a:rPr lang="en-JP" altLang="ja-JP" dirty="0"/>
+              <a:t>]</a:t>
+            </a:r>
+            <a:r>
+              <a:rPr lang="en-US" altLang="ja-JP" dirty="0"/>
+              <a:t> Roth et.al., </a:t>
+            </a:r>
+            <a:r>
+              <a:rPr lang="en-US" altLang="ja-JP" dirty="0">
+                <a:hlinkClick r:id="rId4"/>
+              </a:rPr>
+              <a:t>“Towards Total Recall in Industrial Anomaly Detection”</a:t>
+            </a:r>
+            <a:r>
+              <a:rPr lang="en-US" altLang="ja-JP" dirty="0">
+                <a:solidFill>
+                  <a:srgbClr val="000000"/>
+                </a:solidFill>
+              </a:rPr>
+              <a:t> 2021, </a:t>
+            </a:r>
+            <a:r>
+              <a:rPr lang="en-US" altLang="ja-JP" dirty="0"/>
+              <a:t>CVPR 2022</a:t>
+            </a:r>
+          </a:p>
+          <a:p>
+            <a:endParaRPr lang="en-US" altLang="ja-JP" dirty="0"/>
+          </a:p>
+          <a:p>
+            <a:endParaRPr lang="en-US" altLang="ja-JP" dirty="0"/>
+          </a:p>
+          <a:p>
+            <a:r>
+              <a:rPr lang="ja-JP" altLang="en-US" b="1" dirty="0"/>
+              <a:t>再構成ベースの手法</a:t>
+            </a:r>
+            <a:endParaRPr lang="en-US" altLang="ja-JP" b="1" dirty="0"/>
+          </a:p>
+          <a:p>
+            <a:r>
+              <a:rPr lang="en-JP" altLang="ja-JP" dirty="0"/>
+              <a:t>[</a:t>
+            </a:r>
+            <a:r>
+              <a:rPr lang="en-US" altLang="ja-JP" dirty="0"/>
+              <a:t>5</a:t>
+            </a:r>
+            <a:r>
+              <a:rPr lang="en-JP" altLang="ja-JP" dirty="0"/>
+              <a:t>]</a:t>
+            </a:r>
+            <a:r>
+              <a:rPr lang="en-US" altLang="ja-JP" dirty="0"/>
+              <a:t> Bergmann et.al., </a:t>
+            </a:r>
+            <a:r>
+              <a:rPr lang="en-US" altLang="ja-JP" dirty="0">
+                <a:hlinkClick r:id="rId6"/>
+              </a:rPr>
+              <a:t>“Improving Unsupervised Defect Segmentation by Applying Structural Similarity to Autoencoders”</a:t>
+            </a:r>
+            <a:r>
+              <a:rPr lang="en-US" altLang="ja-JP" dirty="0">
+                <a:solidFill>
+                  <a:srgbClr val="000000"/>
+                </a:solidFill>
+              </a:rPr>
+              <a:t> 2018, </a:t>
+            </a:r>
+            <a:r>
+              <a:rPr lang="en-US" altLang="ja-JP" dirty="0"/>
+              <a:t>VISAPP 2019</a:t>
+            </a:r>
+          </a:p>
+          <a:p>
+            <a:r>
+              <a:rPr lang="en-JP" altLang="ja-JP" dirty="0"/>
+              <a:t>[</a:t>
+            </a:r>
+            <a:r>
+              <a:rPr lang="en-US" altLang="ja-JP" dirty="0"/>
+              <a:t>6</a:t>
+            </a:r>
+            <a:r>
+              <a:rPr lang="en-JP" altLang="ja-JP" dirty="0"/>
+              <a:t>]</a:t>
+            </a:r>
+            <a:r>
+              <a:rPr lang="en-US" altLang="ja-JP" dirty="0"/>
+              <a:t> You et.al., </a:t>
+            </a:r>
+            <a:r>
+              <a:rPr lang="en-US" altLang="ja-JP" dirty="0">
+                <a:hlinkClick r:id="rId7"/>
+              </a:rPr>
+              <a:t>“ADTR: Anomaly Detection Transformer with Feature Reconstruction”</a:t>
+            </a:r>
+            <a:r>
+              <a:rPr lang="en-US" altLang="ja-JP" dirty="0">
+                <a:solidFill>
+                  <a:srgbClr val="000000"/>
+                </a:solidFill>
+              </a:rPr>
+              <a:t> 2022, </a:t>
+            </a:r>
+            <a:r>
+              <a:rPr lang="en-US" altLang="ja-JP" dirty="0"/>
+              <a:t>ICME 2022</a:t>
+            </a:r>
+          </a:p>
+          <a:p>
+            <a:r>
+              <a:rPr lang="en-JP" altLang="ja-JP" dirty="0"/>
+              <a:t>[</a:t>
+            </a:r>
+            <a:r>
+              <a:rPr lang="en-US" altLang="ja-JP" dirty="0"/>
+              <a:t>7</a:t>
+            </a:r>
+            <a:r>
+              <a:rPr lang="en-JP" altLang="ja-JP" dirty="0"/>
+              <a:t>]</a:t>
+            </a:r>
+            <a:r>
+              <a:rPr lang="en-US" altLang="ja-JP" dirty="0"/>
+              <a:t> Lu et.al., </a:t>
+            </a:r>
+            <a:r>
+              <a:rPr lang="en-US" dirty="0">
+                <a:solidFill>
+                  <a:srgbClr val="000000"/>
+                </a:solidFill>
+                <a:hlinkClick r:id="rId8"/>
+              </a:rPr>
+              <a:t>“Removing Anomalies as Noises for Industrial Defect Localization”</a:t>
+            </a:r>
+            <a:r>
+              <a:rPr lang="en-US" altLang="ja-JP" dirty="0">
+                <a:solidFill>
+                  <a:srgbClr val="000000"/>
+                </a:solidFill>
+              </a:rPr>
+              <a:t> 2023, ICCV 2023</a:t>
+            </a:r>
+          </a:p>
+          <a:p>
+            <a:endParaRPr lang="en-US" altLang="ja-JP" dirty="0">
+              <a:solidFill>
+                <a:srgbClr val="000000"/>
+              </a:solidFill>
+            </a:endParaRPr>
+          </a:p>
+          <a:p>
+            <a:endParaRPr lang="en-US" altLang="ja-JP" dirty="0">
+              <a:solidFill>
+                <a:srgbClr val="000000"/>
+              </a:solidFill>
+            </a:endParaRPr>
+          </a:p>
+          <a:p>
+            <a:endParaRPr lang="en-US" altLang="ja-JP" dirty="0">
+              <a:solidFill>
+                <a:srgbClr val="000000"/>
+              </a:solidFill>
+            </a:endParaRPr>
+          </a:p>
+          <a:p>
+            <a:endParaRPr lang="en-US" altLang="ja-JP" dirty="0">
+              <a:solidFill>
+                <a:srgbClr val="000000"/>
+              </a:solidFill>
+            </a:endParaRPr>
+          </a:p>
+          <a:p>
+            <a:endParaRPr lang="en-US" altLang="ja-JP" dirty="0">
+              <a:solidFill>
+                <a:srgbClr val="000000"/>
+              </a:solidFill>
+            </a:endParaRPr>
+          </a:p>
+          <a:p>
+            <a:endParaRPr lang="en-US" altLang="ja-JP" dirty="0">
+              <a:solidFill>
+                <a:srgbClr val="000000"/>
+              </a:solidFill>
+            </a:endParaRPr>
+          </a:p>
+        </p:txBody>
+      </p:sp>
+    </p:spTree>
+    <p:extLst>
+      <p:ext uri="{BB962C8B-B14F-4D97-AF65-F5344CB8AC3E}">
+        <p14:creationId xmlns:p14="http://schemas.microsoft.com/office/powerpoint/2010/main" val="2830937450"/>
+      </p:ext>
+    </p:extLst>
+  </p:cSld>
+  <p:clrMapOvr>
+    <a:masterClrMapping/>
+  </p:clrMapOvr>
+  <mc:AlternateContent xmlns:mc="http://schemas.openxmlformats.org/markup-compatibility/2006" xmlns:p14="http://schemas.microsoft.com/office/powerpoint/2010/main">
+    <mc:Choice Requires="p14">
+      <p:transition p14:dur="180">
+        <p:fade/>
+      </p:transition>
+    </mc:Choice>
+    <mc:Fallback xmlns="">
+      <p:transition>
+        <p:fade/>
+      </p:transition>
+    </mc:Fallback>
+  </mc:AlternateContent>
+</p:sld>
+</file>
+
+<file path=ppt/slides/slide14.xml><?xml version="1.0" encoding="utf-8"?>
+<p:sld xmlns:a="http://schemas.openxmlformats.org/drawingml/2006/main" xmlns:r="http://schemas.openxmlformats.org/officeDocument/2006/relationships" xmlns:p="http://schemas.openxmlformats.org/presentationml/2006/main">
+  <p:cSld>
+    <p:spTree>
+      <p:nvGrpSpPr>
+        <p:cNvPr id="1" name="">
+          <a:extLst>
+            <a:ext uri="{FF2B5EF4-FFF2-40B4-BE49-F238E27FC236}">
+              <a16:creationId xmlns:a16="http://schemas.microsoft.com/office/drawing/2014/main" id="{B952A17A-80FF-DA20-EF66-670AF34F25CA}"/>
+            </a:ext>
+          </a:extLst>
+        </p:cNvPr>
+        <p:cNvGrpSpPr/>
+        <p:nvPr/>
+      </p:nvGrpSpPr>
+      <p:grpSpPr>
+        <a:xfrm>
+          <a:off x="0" y="0"/>
+          <a:ext cx="0" cy="0"/>
+          <a:chOff x="0" y="0"/>
+          <a:chExt cx="0" cy="0"/>
+        </a:xfrm>
+      </p:grpSpPr>
+      <p:sp>
+        <p:nvSpPr>
+          <p:cNvPr id="3" name="Slide Number Placeholder 2">
+            <a:extLst>
+              <a:ext uri="{FF2B5EF4-FFF2-40B4-BE49-F238E27FC236}">
+                <a16:creationId xmlns:a16="http://schemas.microsoft.com/office/drawing/2014/main" id="{27BCBD73-CE08-BAE7-80DD-E0A99D17B396}"/>
+              </a:ext>
+            </a:extLst>
+          </p:cNvPr>
+          <p:cNvSpPr>
+            <a:spLocks noGrp="1"/>
+          </p:cNvSpPr>
+          <p:nvPr>
+            <p:ph type="sldNum" sz="quarter" idx="12"/>
+          </p:nvPr>
+        </p:nvSpPr>
+        <p:spPr/>
+        <p:txBody>
+          <a:bodyPr/>
+          <a:lstStyle/>
+          <a:p>
+            <a:pPr algn="ctr"/>
+            <a:r>
+              <a:rPr kumimoji="1" lang="en-US" altLang="ja-JP"/>
+              <a:t>-</a:t>
+            </a:r>
+            <a:fld id="{DD4CF77E-606E-4148-BC8B-C5EDFD579810}" type="slidenum">
+              <a:rPr kumimoji="1" lang="ja-JP" altLang="en-US" smtClean="0"/>
+              <a:pPr algn="ctr"/>
+              <a:t>14</a:t>
+            </a:fld>
+            <a:r>
+              <a:rPr kumimoji="1" lang="en-US" altLang="ja-JP"/>
+              <a:t>-</a:t>
+            </a:r>
+            <a:endParaRPr kumimoji="1" lang="ja-JP" altLang="en-US" dirty="0"/>
+          </a:p>
+        </p:txBody>
+      </p:sp>
+      <p:sp>
+        <p:nvSpPr>
+          <p:cNvPr id="4" name="TextBox 3">
+            <a:extLst>
+              <a:ext uri="{FF2B5EF4-FFF2-40B4-BE49-F238E27FC236}">
+                <a16:creationId xmlns:a16="http://schemas.microsoft.com/office/drawing/2014/main" id="{58CECEC3-FDFA-4105-AAAB-B509D98AACFD}"/>
+              </a:ext>
+            </a:extLst>
+          </p:cNvPr>
+          <p:cNvSpPr txBox="1"/>
+          <p:nvPr/>
+        </p:nvSpPr>
+        <p:spPr>
+          <a:xfrm>
+            <a:off x="449016" y="269481"/>
+            <a:ext cx="9572314" cy="707886"/>
+          </a:xfrm>
+          <a:prstGeom prst="rect">
+            <a:avLst/>
+          </a:prstGeom>
+          <a:noFill/>
+        </p:spPr>
+        <p:txBody>
+          <a:bodyPr wrap="square" rtlCol="0">
+            <a:spAutoFit/>
+          </a:bodyPr>
+          <a:lstStyle/>
+          <a:p>
+            <a:r>
+              <a:rPr lang="ja-JP" altLang="en-US" sz="4000" dirty="0"/>
+              <a:t>評価指標１</a:t>
+            </a:r>
+            <a:r>
+              <a:rPr lang="en-US" altLang="ja-JP" sz="4000" dirty="0"/>
+              <a:t>–ROCAUC</a:t>
+            </a:r>
+            <a:r>
+              <a:rPr lang="ja-JP" altLang="en-US" sz="3200" dirty="0"/>
+              <a:t> </a:t>
+            </a:r>
+            <a:r>
+              <a:rPr lang="en-US" altLang="ja-JP" sz="2800" dirty="0"/>
+              <a:t>(Area Under the Curve)</a:t>
+            </a:r>
+            <a:endParaRPr lang="en-JP" sz="2800" dirty="0"/>
+          </a:p>
+        </p:txBody>
+      </p:sp>
+      <p:sp>
+        <p:nvSpPr>
+          <p:cNvPr id="5" name="テキスト ボックス 4">
+            <a:extLst>
+              <a:ext uri="{FF2B5EF4-FFF2-40B4-BE49-F238E27FC236}">
+                <a16:creationId xmlns:a16="http://schemas.microsoft.com/office/drawing/2014/main" id="{F1294C82-2161-45CA-B213-05280E7C32ED}"/>
+              </a:ext>
+            </a:extLst>
+          </p:cNvPr>
+          <p:cNvSpPr txBox="1"/>
+          <p:nvPr/>
+        </p:nvSpPr>
+        <p:spPr>
+          <a:xfrm>
+            <a:off x="140677" y="1300784"/>
+            <a:ext cx="10568354" cy="2185214"/>
+          </a:xfrm>
+          <a:prstGeom prst="rect">
+            <a:avLst/>
+          </a:prstGeom>
+          <a:noFill/>
+        </p:spPr>
+        <p:txBody>
+          <a:bodyPr wrap="square" rtlCol="0">
+            <a:spAutoFit/>
+          </a:bodyPr>
+          <a:lstStyle/>
+          <a:p>
+            <a:r>
+              <a:rPr lang="en-US" altLang="ja-JP" sz="2000" b="1" dirty="0"/>
+              <a:t>ROCAUC</a:t>
+            </a:r>
+            <a:r>
+              <a:rPr lang="en-US" altLang="ja-JP" sz="2000" dirty="0"/>
+              <a:t>…</a:t>
+            </a:r>
+            <a:r>
+              <a:rPr kumimoji="1" lang="en-US" altLang="ja-JP" sz="2000" dirty="0"/>
+              <a:t>ROC</a:t>
+            </a:r>
+            <a:r>
+              <a:rPr lang="ja-JP" altLang="en-US" sz="2000" dirty="0"/>
+              <a:t>曲線の下側の面積のこと。大きいほど性能が高い。</a:t>
+            </a:r>
+            <a:endParaRPr lang="en-US" altLang="ja-JP" sz="2000" dirty="0"/>
+          </a:p>
+          <a:p>
+            <a:endParaRPr kumimoji="1" lang="en-US" altLang="ja-JP" sz="2000" dirty="0"/>
+          </a:p>
+          <a:p>
+            <a:r>
+              <a:rPr lang="en-US" altLang="ja-JP" sz="2000" b="1" dirty="0"/>
+              <a:t>ROC</a:t>
+            </a:r>
+            <a:r>
+              <a:rPr lang="ja-JP" altLang="en-US" sz="2000" b="1" dirty="0"/>
+              <a:t>曲線</a:t>
+            </a:r>
+            <a:r>
+              <a:rPr lang="en-US" altLang="ja-JP" sz="2000" dirty="0"/>
+              <a:t>…</a:t>
+            </a:r>
+            <a:r>
+              <a:rPr lang="ja-JP" altLang="en-US" sz="2000" dirty="0"/>
+              <a:t>閾値</a:t>
+            </a:r>
+            <a:r>
+              <a:rPr lang="en-US" altLang="ja-JP" sz="2000" dirty="0"/>
+              <a:t>(</a:t>
+            </a:r>
+            <a:r>
+              <a:rPr lang="ja-JP" altLang="en-US" sz="2000" dirty="0"/>
+              <a:t>異常と見なす厳しさ</a:t>
+            </a:r>
+            <a:r>
+              <a:rPr lang="en-US" altLang="ja-JP" sz="2000" dirty="0"/>
+              <a:t>)</a:t>
+            </a:r>
+            <a:r>
+              <a:rPr lang="ja-JP" altLang="en-US" sz="2000" dirty="0"/>
+              <a:t>を変化させたときの</a:t>
+            </a:r>
+            <a:r>
+              <a:rPr lang="en-US" altLang="ja-JP" sz="2000" dirty="0"/>
+              <a:t>TPR</a:t>
+            </a:r>
+            <a:r>
+              <a:rPr lang="ja-JP" altLang="en-US" sz="2000" dirty="0"/>
+              <a:t>と</a:t>
+            </a:r>
+            <a:r>
+              <a:rPr lang="en-US" altLang="ja-JP" sz="2000" dirty="0"/>
+              <a:t>FPR</a:t>
+            </a:r>
+            <a:r>
+              <a:rPr lang="ja-JP" altLang="en-US" sz="2000" dirty="0"/>
+              <a:t>をプロットしたもの。</a:t>
+            </a:r>
+            <a:endParaRPr lang="en-US" altLang="ja-JP" sz="2000" dirty="0"/>
+          </a:p>
+          <a:p>
+            <a:endParaRPr lang="en-US" altLang="ja-JP" sz="2000" dirty="0"/>
+          </a:p>
+          <a:p>
+            <a:endParaRPr lang="en-US" altLang="ja-JP" sz="1400" dirty="0"/>
+          </a:p>
+          <a:p>
+            <a:r>
+              <a:rPr lang="en-US" altLang="ja-JP" sz="1400" dirty="0"/>
+              <a:t>TPR…</a:t>
+            </a:r>
+            <a:r>
+              <a:rPr lang="ja-JP" altLang="en-US" sz="1400" dirty="0"/>
+              <a:t>異常な画像が入力されたときに、異常であると正しく判定した割合。</a:t>
+            </a:r>
+            <a:endParaRPr lang="en-US" altLang="ja-JP" sz="1400" dirty="0"/>
+          </a:p>
+          <a:p>
+            <a:endParaRPr lang="en-US" altLang="ja-JP" sz="1400" dirty="0"/>
+          </a:p>
+          <a:p>
+            <a:r>
+              <a:rPr lang="en-US" altLang="ja-JP" sz="1400" dirty="0"/>
+              <a:t>FPR…</a:t>
+            </a:r>
+            <a:r>
+              <a:rPr lang="ja-JP" altLang="en-US" sz="1400" dirty="0"/>
+              <a:t>異常な画像が入力されたときに、正常であると誤って判定した割合。</a:t>
+            </a:r>
+            <a:endParaRPr lang="en-US" altLang="ja-JP" sz="1400" dirty="0"/>
+          </a:p>
+        </p:txBody>
+      </p:sp>
+      <p:pic>
+        <p:nvPicPr>
+          <p:cNvPr id="1028" name="Picture 4" descr="image.png">
+            <a:extLst>
+              <a:ext uri="{FF2B5EF4-FFF2-40B4-BE49-F238E27FC236}">
+                <a16:creationId xmlns:a16="http://schemas.microsoft.com/office/drawing/2014/main" id="{32ACD306-5F79-4FBC-80F2-92FD46054BC9}"/>
+              </a:ext>
+            </a:extLst>
+          </p:cNvPr>
+          <p:cNvPicPr>
+            <a:picLocks noChangeAspect="1" noChangeArrowheads="1"/>
+          </p:cNvPicPr>
+          <p:nvPr/>
+        </p:nvPicPr>
+        <p:blipFill>
+          <a:blip r:embed="rId3">
+            <a:extLst>
+              <a:ext uri="{28A0092B-C50C-407E-A947-70E740481C1C}">
+                <a14:useLocalDpi xmlns:a14="http://schemas.microsoft.com/office/drawing/2010/main" val="0"/>
+              </a:ext>
+            </a:extLst>
+          </a:blip>
+          <a:srcRect/>
+          <a:stretch>
+            <a:fillRect/>
+          </a:stretch>
+        </p:blipFill>
+        <p:spPr bwMode="auto">
+          <a:xfrm>
+            <a:off x="6286706" y="4006787"/>
+            <a:ext cx="4961744" cy="2304810"/>
+          </a:xfrm>
+          <a:prstGeom prst="rect">
+            <a:avLst/>
+          </a:prstGeom>
+          <a:noFill/>
+          <a:extLst>
+            <a:ext uri="{909E8E84-426E-40DD-AFC4-6F175D3DCCD1}">
+              <a14:hiddenFill xmlns:a14="http://schemas.microsoft.com/office/drawing/2010/main">
+                <a:solidFill>
+                  <a:srgbClr val="FFFFFF"/>
+                </a:solidFill>
+              </a14:hiddenFill>
+            </a:ext>
+          </a:extLst>
+        </p:spPr>
+      </p:pic>
+      <p:cxnSp>
+        <p:nvCxnSpPr>
+          <p:cNvPr id="8" name="直線コネクタ 7">
+            <a:extLst>
+              <a:ext uri="{FF2B5EF4-FFF2-40B4-BE49-F238E27FC236}">
+                <a16:creationId xmlns:a16="http://schemas.microsoft.com/office/drawing/2014/main" id="{462114E3-D644-4AB5-9E75-EC6BA7898173}"/>
+              </a:ext>
+            </a:extLst>
+          </p:cNvPr>
+          <p:cNvCxnSpPr/>
+          <p:nvPr/>
+        </p:nvCxnSpPr>
+        <p:spPr>
+          <a:xfrm>
+            <a:off x="7315200" y="4510216"/>
+            <a:ext cx="0" cy="1640743"/>
+          </a:xfrm>
+          <a:prstGeom prst="line">
+            <a:avLst/>
+          </a:prstGeom>
+        </p:spPr>
+        <p:style>
+          <a:lnRef idx="1">
+            <a:schemeClr val="dk1"/>
+          </a:lnRef>
+          <a:fillRef idx="0">
+            <a:schemeClr val="dk1"/>
+          </a:fillRef>
+          <a:effectRef idx="0">
+            <a:schemeClr val="dk1"/>
+          </a:effectRef>
+          <a:fontRef idx="minor">
+            <a:schemeClr val="tx1"/>
+          </a:fontRef>
+        </p:style>
+      </p:cxnSp>
+      <p:sp>
+        <p:nvSpPr>
+          <p:cNvPr id="9" name="正方形/長方形 8">
+            <a:extLst>
+              <a:ext uri="{FF2B5EF4-FFF2-40B4-BE49-F238E27FC236}">
+                <a16:creationId xmlns:a16="http://schemas.microsoft.com/office/drawing/2014/main" id="{3F9374E7-5A68-4D8F-9504-D6768B01AD0A}"/>
+              </a:ext>
+            </a:extLst>
+          </p:cNvPr>
+          <p:cNvSpPr/>
+          <p:nvPr/>
+        </p:nvSpPr>
+        <p:spPr>
+          <a:xfrm>
+            <a:off x="8330377" y="6512256"/>
+            <a:ext cx="3505476" cy="215444"/>
+          </a:xfrm>
+          <a:prstGeom prst="rect">
+            <a:avLst/>
+          </a:prstGeom>
+        </p:spPr>
+        <p:txBody>
+          <a:bodyPr wrap="square">
+            <a:spAutoFit/>
+          </a:bodyPr>
+          <a:lstStyle/>
+          <a:p>
+            <a:r>
+              <a:rPr lang="ja-JP" altLang="en-US" sz="800" dirty="0">
+                <a:hlinkClick r:id="rId4"/>
+              </a:rPr>
+              <a:t>https://qiita.com/makotoito/items/c58ebf12f5f179950e68</a:t>
+            </a:r>
+            <a:endParaRPr lang="en-US" altLang="ja-JP" sz="800" dirty="0"/>
+          </a:p>
+        </p:txBody>
+      </p:sp>
+      <p:sp>
+        <p:nvSpPr>
+          <p:cNvPr id="12" name="テキスト ボックス 11">
+            <a:extLst>
+              <a:ext uri="{FF2B5EF4-FFF2-40B4-BE49-F238E27FC236}">
+                <a16:creationId xmlns:a16="http://schemas.microsoft.com/office/drawing/2014/main" id="{D0D03CC3-AA8C-49B9-B93B-3B63C723E716}"/>
+              </a:ext>
+            </a:extLst>
+          </p:cNvPr>
+          <p:cNvSpPr txBox="1"/>
+          <p:nvPr/>
+        </p:nvSpPr>
+        <p:spPr>
+          <a:xfrm>
+            <a:off x="140834" y="4131870"/>
+            <a:ext cx="6385711" cy="400110"/>
+          </a:xfrm>
+          <a:prstGeom prst="rect">
+            <a:avLst/>
+          </a:prstGeom>
+          <a:noFill/>
+        </p:spPr>
+        <p:txBody>
+          <a:bodyPr wrap="square" rtlCol="0">
+            <a:spAutoFit/>
+          </a:bodyPr>
+          <a:lstStyle/>
+          <a:p>
+            <a:r>
+              <a:rPr kumimoji="1" lang="ja-JP" altLang="en-US" sz="2000" u="sng" dirty="0"/>
+              <a:t>異常検知ではピクセル単位や画像単位で利用する</a:t>
+            </a:r>
+            <a:endParaRPr kumimoji="1" lang="en-US" altLang="ja-JP" sz="2000" u="sng" dirty="0"/>
+          </a:p>
+        </p:txBody>
+      </p:sp>
+    </p:spTree>
+    <p:extLst>
+      <p:ext uri="{BB962C8B-B14F-4D97-AF65-F5344CB8AC3E}">
+        <p14:creationId xmlns:p14="http://schemas.microsoft.com/office/powerpoint/2010/main" val="1527159223"/>
+      </p:ext>
+    </p:extLst>
+  </p:cSld>
+  <p:clrMapOvr>
+    <a:masterClrMapping/>
+  </p:clrMapOvr>
+  <mc:AlternateContent xmlns:mc="http://schemas.openxmlformats.org/markup-compatibility/2006" xmlns:p14="http://schemas.microsoft.com/office/powerpoint/2010/main">
+    <mc:Choice Requires="p14">
+      <p:transition p14:dur="180">
+        <p:fade/>
+      </p:transition>
+    </mc:Choice>
+    <mc:Fallback xmlns="">
+      <p:transition>
+        <p:fade/>
+      </p:transition>
+    </mc:Fallback>
+  </mc:AlternateContent>
+</p:sld>
+</file>
+
+<file path=ppt/slides/slide15.xml><?xml version="1.0" encoding="utf-8"?>
+<p:sld xmlns:a="http://schemas.openxmlformats.org/drawingml/2006/main" xmlns:r="http://schemas.openxmlformats.org/officeDocument/2006/relationships" xmlns:p="http://schemas.openxmlformats.org/presentationml/2006/main">
+  <p:cSld>
+    <p:spTree>
+      <p:nvGrpSpPr>
+        <p:cNvPr id="1" name="">
+          <a:extLst>
+            <a:ext uri="{FF2B5EF4-FFF2-40B4-BE49-F238E27FC236}">
+              <a16:creationId xmlns:a16="http://schemas.microsoft.com/office/drawing/2014/main" id="{B952A17A-80FF-DA20-EF66-670AF34F25CA}"/>
+            </a:ext>
+          </a:extLst>
+        </p:cNvPr>
+        <p:cNvGrpSpPr/>
+        <p:nvPr/>
+      </p:nvGrpSpPr>
+      <p:grpSpPr>
+        <a:xfrm>
+          <a:off x="0" y="0"/>
+          <a:ext cx="0" cy="0"/>
+          <a:chOff x="0" y="0"/>
+          <a:chExt cx="0" cy="0"/>
+        </a:xfrm>
+      </p:grpSpPr>
+      <p:sp>
+        <p:nvSpPr>
+          <p:cNvPr id="3" name="Slide Number Placeholder 2">
+            <a:extLst>
+              <a:ext uri="{FF2B5EF4-FFF2-40B4-BE49-F238E27FC236}">
+                <a16:creationId xmlns:a16="http://schemas.microsoft.com/office/drawing/2014/main" id="{27BCBD73-CE08-BAE7-80DD-E0A99D17B396}"/>
+              </a:ext>
+            </a:extLst>
+          </p:cNvPr>
+          <p:cNvSpPr>
+            <a:spLocks noGrp="1"/>
+          </p:cNvSpPr>
+          <p:nvPr>
+            <p:ph type="sldNum" sz="quarter" idx="12"/>
+          </p:nvPr>
+        </p:nvSpPr>
+        <p:spPr/>
+        <p:txBody>
+          <a:bodyPr/>
+          <a:lstStyle/>
+          <a:p>
+            <a:pPr algn="ctr"/>
+            <a:r>
+              <a:rPr kumimoji="1" lang="en-US" altLang="ja-JP"/>
+              <a:t>-</a:t>
+            </a:r>
+            <a:fld id="{DD4CF77E-606E-4148-BC8B-C5EDFD579810}" type="slidenum">
+              <a:rPr kumimoji="1" lang="ja-JP" altLang="en-US" smtClean="0"/>
+              <a:pPr algn="ctr"/>
+              <a:t>15</a:t>
+            </a:fld>
+            <a:r>
+              <a:rPr kumimoji="1" lang="en-US" altLang="ja-JP"/>
+              <a:t>-</a:t>
+            </a:r>
+            <a:endParaRPr kumimoji="1" lang="ja-JP" altLang="en-US" dirty="0"/>
+          </a:p>
+        </p:txBody>
+      </p:sp>
+      <p:sp>
+        <p:nvSpPr>
+          <p:cNvPr id="4" name="TextBox 3">
+            <a:extLst>
+              <a:ext uri="{FF2B5EF4-FFF2-40B4-BE49-F238E27FC236}">
+                <a16:creationId xmlns:a16="http://schemas.microsoft.com/office/drawing/2014/main" id="{58CECEC3-FDFA-4105-AAAB-B509D98AACFD}"/>
+              </a:ext>
+            </a:extLst>
+          </p:cNvPr>
+          <p:cNvSpPr txBox="1"/>
+          <p:nvPr/>
+        </p:nvSpPr>
+        <p:spPr>
+          <a:xfrm>
+            <a:off x="449017" y="269481"/>
+            <a:ext cx="9263394" cy="707886"/>
+          </a:xfrm>
+          <a:prstGeom prst="rect">
+            <a:avLst/>
+          </a:prstGeom>
+          <a:noFill/>
+        </p:spPr>
+        <p:txBody>
+          <a:bodyPr wrap="square" rtlCol="0">
+            <a:spAutoFit/>
+          </a:bodyPr>
+          <a:lstStyle/>
+          <a:p>
+            <a:r>
+              <a:rPr lang="ja-JP" altLang="en-US" sz="4000" dirty="0"/>
+              <a:t>評価指標２</a:t>
+            </a:r>
+            <a:r>
+              <a:rPr lang="en-US" altLang="ja-JP" sz="4000" dirty="0"/>
+              <a:t>-PRO</a:t>
+            </a:r>
+            <a:r>
+              <a:rPr lang="en-US" altLang="ja-JP" sz="4000" b="1" dirty="0"/>
+              <a:t> </a:t>
+            </a:r>
+            <a:r>
+              <a:rPr lang="en-US" altLang="ja-JP" sz="2800" dirty="0"/>
+              <a:t>(Per-Region Overlap) </a:t>
+            </a:r>
+            <a:endParaRPr lang="en-JP" sz="2800" dirty="0"/>
+          </a:p>
+        </p:txBody>
+      </p:sp>
+      <p:sp>
+        <p:nvSpPr>
+          <p:cNvPr id="5" name="テキスト ボックス 4">
+            <a:extLst>
+              <a:ext uri="{FF2B5EF4-FFF2-40B4-BE49-F238E27FC236}">
+                <a16:creationId xmlns:a16="http://schemas.microsoft.com/office/drawing/2014/main" id="{F1294C82-2161-45CA-B213-05280E7C32ED}"/>
+              </a:ext>
+            </a:extLst>
+          </p:cNvPr>
+          <p:cNvSpPr txBox="1"/>
+          <p:nvPr/>
+        </p:nvSpPr>
+        <p:spPr>
+          <a:xfrm>
+            <a:off x="140677" y="1300784"/>
+            <a:ext cx="10568354" cy="1631216"/>
+          </a:xfrm>
+          <a:prstGeom prst="rect">
+            <a:avLst/>
+          </a:prstGeom>
+          <a:noFill/>
+        </p:spPr>
+        <p:txBody>
+          <a:bodyPr wrap="square" rtlCol="0">
+            <a:spAutoFit/>
+          </a:bodyPr>
+          <a:lstStyle/>
+          <a:p>
+            <a:r>
+              <a:rPr lang="en-US" altLang="ja-JP" sz="2000" b="1" dirty="0"/>
+              <a:t>PRO</a:t>
+            </a:r>
+            <a:r>
+              <a:rPr lang="en-US" altLang="ja-JP" sz="2000" dirty="0"/>
+              <a:t> …</a:t>
+            </a:r>
+            <a:r>
+              <a:rPr lang="ja-JP" altLang="en-US" sz="2000" dirty="0"/>
+              <a:t>モデルが予測した異常領域と正解の異常領域の重なり具合。</a:t>
+            </a:r>
+            <a:endParaRPr lang="en-US" altLang="ja-JP" sz="2000" dirty="0"/>
+          </a:p>
+          <a:p>
+            <a:r>
+              <a:rPr lang="ja-JP" altLang="en-US" sz="2000" dirty="0"/>
+              <a:t>　　　 領域レベルの</a:t>
+            </a:r>
+            <a:r>
+              <a:rPr lang="en-US" altLang="ja-JP" sz="2000" dirty="0"/>
+              <a:t>TPR</a:t>
+            </a:r>
+            <a:r>
+              <a:rPr lang="ja-JP" altLang="en-US" sz="2000" dirty="0"/>
+              <a:t>と</a:t>
+            </a:r>
+            <a:r>
+              <a:rPr lang="en-US" altLang="ja-JP" sz="2000" dirty="0"/>
+              <a:t>FPR</a:t>
+            </a:r>
+            <a:r>
+              <a:rPr lang="ja-JP" altLang="en-US" sz="2000" dirty="0"/>
+              <a:t>でプロットしたグラフの下面積で評価。</a:t>
+            </a:r>
+            <a:endParaRPr lang="en-US" altLang="ja-JP" sz="2000" dirty="0"/>
+          </a:p>
+          <a:p>
+            <a:endParaRPr lang="en-US" altLang="ja-JP" sz="2000" dirty="0"/>
+          </a:p>
+          <a:p>
+            <a:r>
+              <a:rPr lang="ja-JP" altLang="en-US" sz="2000" dirty="0"/>
+              <a:t>利点：ピクセル単位の</a:t>
+            </a:r>
+            <a:r>
+              <a:rPr lang="en-US" altLang="ja-JP" sz="2000" dirty="0"/>
+              <a:t>ROCAUC</a:t>
+            </a:r>
+            <a:r>
+              <a:rPr lang="ja-JP" altLang="en-US" sz="2000" dirty="0"/>
+              <a:t>の弱点</a:t>
+            </a:r>
+            <a:r>
+              <a:rPr lang="en-US" altLang="ja-JP" sz="2000" dirty="0"/>
+              <a:t>(</a:t>
+            </a:r>
+            <a:r>
+              <a:rPr lang="ja-JP" altLang="en-US" sz="2000" dirty="0"/>
+              <a:t>小さな異常領域の見逃しを軽視</a:t>
+            </a:r>
+            <a:r>
+              <a:rPr lang="en-US" altLang="ja-JP" sz="2000" dirty="0"/>
+              <a:t>)</a:t>
+            </a:r>
+            <a:r>
+              <a:rPr lang="ja-JP" altLang="en-US" sz="2000" dirty="0"/>
+              <a:t> をカバーできる。</a:t>
+            </a:r>
+            <a:endParaRPr lang="en-US" altLang="ja-JP" sz="2000" dirty="0"/>
+          </a:p>
+          <a:p>
+            <a:endParaRPr lang="en-US" altLang="ja-JP" sz="2000" dirty="0"/>
+          </a:p>
+        </p:txBody>
+      </p:sp>
+    </p:spTree>
+    <p:extLst>
+      <p:ext uri="{BB962C8B-B14F-4D97-AF65-F5344CB8AC3E}">
+        <p14:creationId xmlns:p14="http://schemas.microsoft.com/office/powerpoint/2010/main" val="1089654762"/>
+      </p:ext>
+    </p:extLst>
+  </p:cSld>
+  <p:clrMapOvr>
+    <a:masterClrMapping/>
+  </p:clrMapOvr>
+  <mc:AlternateContent xmlns:mc="http://schemas.openxmlformats.org/markup-compatibility/2006" xmlns:p14="http://schemas.microsoft.com/office/powerpoint/2010/main">
+    <mc:Choice Requires="p14">
+      <p:transition p14:dur="180">
+        <p:fade/>
+      </p:transition>
+    </mc:Choice>
+    <mc:Fallback xmlns="">
+      <p:transition>
+        <p:fade/>
+      </p:transition>
+    </mc:Fallback>
+  </mc:AlternateContent>
+</p:sld>
+</file>
+
+<file path=ppt/slides/slide16.xml><?xml version="1.0" encoding="utf-8"?>
+<p:sld xmlns:a="http://schemas.openxmlformats.org/drawingml/2006/main" xmlns:r="http://schemas.openxmlformats.org/officeDocument/2006/relationships" xmlns:p="http://schemas.openxmlformats.org/presentationml/2006/main">
+  <p:cSld>
+    <p:spTree>
+      <p:nvGrpSpPr>
+        <p:cNvPr id="1" name=""/>
+        <p:cNvGrpSpPr/>
+        <p:nvPr/>
+      </p:nvGrpSpPr>
+      <p:grpSpPr>
+        <a:xfrm>
+          <a:off x="0" y="0"/>
+          <a:ext cx="0" cy="0"/>
+          <a:chOff x="0" y="0"/>
+          <a:chExt cx="0" cy="0"/>
+        </a:xfrm>
+      </p:grpSpPr>
+      <p:sp>
+        <p:nvSpPr>
+          <p:cNvPr id="2" name="Slide Number Placeholder 1">
+            <a:extLst>
+              <a:ext uri="{FF2B5EF4-FFF2-40B4-BE49-F238E27FC236}">
+                <a16:creationId xmlns:a16="http://schemas.microsoft.com/office/drawing/2014/main" id="{5751CFFC-35DF-11CF-319A-7BD996C08093}"/>
+              </a:ext>
+            </a:extLst>
+          </p:cNvPr>
+          <p:cNvSpPr>
+            <a:spLocks noGrp="1"/>
+          </p:cNvSpPr>
+          <p:nvPr>
+            <p:ph type="sldNum" sz="quarter" idx="12"/>
+          </p:nvPr>
+        </p:nvSpPr>
+        <p:spPr/>
+        <p:txBody>
+          <a:bodyPr/>
+          <a:lstStyle/>
+          <a:p>
+            <a:pPr algn="ctr"/>
+            <a:r>
+              <a:rPr kumimoji="1" lang="en-US" altLang="ja-JP"/>
+              <a:t>-</a:t>
+            </a:r>
+            <a:fld id="{DD4CF77E-606E-4148-BC8B-C5EDFD579810}" type="slidenum">
+              <a:rPr kumimoji="1" lang="ja-JP" altLang="en-US" smtClean="0"/>
+              <a:pPr algn="ctr"/>
+              <a:t>16</a:t>
+            </a:fld>
+            <a:r>
+              <a:rPr kumimoji="1" lang="en-US" altLang="ja-JP"/>
+              <a:t>-</a:t>
+            </a:r>
+            <a:endParaRPr kumimoji="1" lang="ja-JP" altLang="en-US" dirty="0"/>
+          </a:p>
+        </p:txBody>
+      </p:sp>
+      <p:sp>
+        <p:nvSpPr>
+          <p:cNvPr id="3" name="TextBox 2">
+            <a:extLst>
+              <a:ext uri="{FF2B5EF4-FFF2-40B4-BE49-F238E27FC236}">
+                <a16:creationId xmlns:a16="http://schemas.microsoft.com/office/drawing/2014/main" id="{9245702B-67A0-528F-3DEE-771EFA468E1A}"/>
+              </a:ext>
+            </a:extLst>
+          </p:cNvPr>
+          <p:cNvSpPr txBox="1"/>
+          <p:nvPr/>
+        </p:nvSpPr>
+        <p:spPr>
+          <a:xfrm>
+            <a:off x="449017" y="269481"/>
+            <a:ext cx="7135318" cy="707886"/>
+          </a:xfrm>
+          <a:prstGeom prst="rect">
+            <a:avLst/>
+          </a:prstGeom>
+          <a:noFill/>
+        </p:spPr>
+        <p:txBody>
+          <a:bodyPr wrap="square" rtlCol="0">
+            <a:spAutoFit/>
+          </a:bodyPr>
+          <a:lstStyle/>
+          <a:p>
+            <a:r>
+              <a:rPr lang="en-US" altLang="ja-JP" sz="4000" dirty="0"/>
+              <a:t>Appendix</a:t>
+            </a:r>
+            <a:endParaRPr lang="en-JP" sz="4000" dirty="0"/>
+          </a:p>
+        </p:txBody>
+      </p:sp>
+      <p:sp>
+        <p:nvSpPr>
+          <p:cNvPr id="4" name="正方形/長方形 3">
+            <a:extLst>
+              <a:ext uri="{FF2B5EF4-FFF2-40B4-BE49-F238E27FC236}">
+                <a16:creationId xmlns:a16="http://schemas.microsoft.com/office/drawing/2014/main" id="{D9186BEB-D3A8-4C93-B5B0-435567838C9C}"/>
+              </a:ext>
+            </a:extLst>
+          </p:cNvPr>
+          <p:cNvSpPr/>
+          <p:nvPr/>
+        </p:nvSpPr>
+        <p:spPr>
+          <a:xfrm>
+            <a:off x="449017" y="1314105"/>
+            <a:ext cx="10696778" cy="523220"/>
+          </a:xfrm>
+          <a:prstGeom prst="rect">
+            <a:avLst/>
+          </a:prstGeom>
+        </p:spPr>
+        <p:txBody>
+          <a:bodyPr wrap="square">
+            <a:spAutoFit/>
+          </a:bodyPr>
+          <a:lstStyle/>
+          <a:p>
+            <a:r>
+              <a:rPr lang="en-US" altLang="ja-JP" sz="2800" dirty="0"/>
+              <a:t>ROCAUC</a:t>
+            </a:r>
+            <a:r>
+              <a:rPr lang="ja-JP" altLang="en-US" sz="2800" dirty="0"/>
+              <a:t>と</a:t>
+            </a:r>
+            <a:r>
+              <a:rPr lang="en-US" altLang="ja-JP" sz="2800" dirty="0"/>
+              <a:t>PRO</a:t>
+            </a:r>
+            <a:r>
+              <a:rPr lang="ja-JP" altLang="en-US" sz="2800" dirty="0"/>
+              <a:t>スコアの比較</a:t>
+            </a:r>
+          </a:p>
+        </p:txBody>
+      </p:sp>
+      <p:graphicFrame>
+        <p:nvGraphicFramePr>
+          <p:cNvPr id="5" name="表 4">
+            <a:extLst>
+              <a:ext uri="{FF2B5EF4-FFF2-40B4-BE49-F238E27FC236}">
+                <a16:creationId xmlns:a16="http://schemas.microsoft.com/office/drawing/2014/main" id="{E530BFF2-AA42-4CC0-8EA5-198E0EA22646}"/>
+              </a:ext>
+            </a:extLst>
+          </p:cNvPr>
+          <p:cNvGraphicFramePr>
+            <a:graphicFrameLocks noGrp="1"/>
+          </p:cNvGraphicFramePr>
+          <p:nvPr>
+            <p:extLst>
+              <p:ext uri="{D42A27DB-BD31-4B8C-83A1-F6EECF244321}">
+                <p14:modId xmlns:p14="http://schemas.microsoft.com/office/powerpoint/2010/main" val="1075489201"/>
+              </p:ext>
+            </p:extLst>
+          </p:nvPr>
+        </p:nvGraphicFramePr>
+        <p:xfrm>
+          <a:off x="2214976" y="2353807"/>
+          <a:ext cx="7762048" cy="3749040"/>
+        </p:xfrm>
+        <a:graphic>
+          <a:graphicData uri="http://schemas.openxmlformats.org/drawingml/2006/table">
+            <a:tbl>
+              <a:tblPr firstRow="1" bandRow="1">
+                <a:tableStyleId>{5C22544A-7EE6-4342-B048-85BDC9FD1C3A}</a:tableStyleId>
+              </a:tblPr>
+              <a:tblGrid>
+                <a:gridCol w="1738128">
+                  <a:extLst>
+                    <a:ext uri="{9D8B030D-6E8A-4147-A177-3AD203B41FA5}">
+                      <a16:colId xmlns:a16="http://schemas.microsoft.com/office/drawing/2014/main" val="2288285214"/>
+                    </a:ext>
+                  </a:extLst>
+                </a:gridCol>
+                <a:gridCol w="2638168">
+                  <a:extLst>
+                    <a:ext uri="{9D8B030D-6E8A-4147-A177-3AD203B41FA5}">
+                      <a16:colId xmlns:a16="http://schemas.microsoft.com/office/drawing/2014/main" val="1091121992"/>
+                    </a:ext>
+                  </a:extLst>
+                </a:gridCol>
+                <a:gridCol w="3385752">
+                  <a:extLst>
+                    <a:ext uri="{9D8B030D-6E8A-4147-A177-3AD203B41FA5}">
+                      <a16:colId xmlns:a16="http://schemas.microsoft.com/office/drawing/2014/main" val="3866311861"/>
+                    </a:ext>
+                  </a:extLst>
+                </a:gridCol>
+              </a:tblGrid>
+              <a:tr h="0">
+                <a:tc>
+                  <a:txBody>
+                    <a:bodyPr/>
+                    <a:lstStyle/>
+                    <a:p>
+                      <a:pPr algn="ctr"/>
+                      <a:r>
+                        <a:rPr kumimoji="1" lang="ja-JP" altLang="en-US" sz="2400" dirty="0"/>
+                        <a:t>比較項目</a:t>
+                      </a:r>
+                    </a:p>
+                  </a:txBody>
+                  <a:tcPr/>
+                </a:tc>
+                <a:tc>
+                  <a:txBody>
+                    <a:bodyPr/>
+                    <a:lstStyle/>
+                    <a:p>
+                      <a:pPr marL="0" marR="0" lvl="0" indent="0" algn="ctr" defTabSz="914400" rtl="0" eaLnBrk="1" fontAlgn="auto" latinLnBrk="0" hangingPunct="1">
+                        <a:lnSpc>
+                          <a:spcPct val="100000"/>
+                        </a:lnSpc>
+                        <a:spcBef>
+                          <a:spcPts val="0"/>
+                        </a:spcBef>
+                        <a:spcAft>
+                          <a:spcPts val="0"/>
+                        </a:spcAft>
+                        <a:buClrTx/>
+                        <a:buSzTx/>
+                        <a:buFontTx/>
+                        <a:buNone/>
+                        <a:tabLst/>
+                        <a:defRPr/>
+                      </a:pPr>
+                      <a:r>
+                        <a:rPr kumimoji="1" lang="en-US" altLang="ja-JP" sz="2400" dirty="0"/>
+                        <a:t>ROCAUC</a:t>
+                      </a:r>
+                      <a:endParaRPr kumimoji="1" lang="ja-JP" altLang="en-US" sz="2400" dirty="0"/>
+                    </a:p>
+                    <a:p>
+                      <a:pPr algn="ctr"/>
+                      <a:endParaRPr kumimoji="1" lang="ja-JP" altLang="en-US" sz="2400" dirty="0"/>
+                    </a:p>
+                  </a:txBody>
+                  <a:tcPr/>
+                </a:tc>
+                <a:tc>
+                  <a:txBody>
+                    <a:bodyPr/>
+                    <a:lstStyle/>
+                    <a:p>
+                      <a:pPr marL="0" marR="0" lvl="0" indent="0" algn="ctr" defTabSz="914400" rtl="0" eaLnBrk="1" fontAlgn="auto" latinLnBrk="0" hangingPunct="1">
+                        <a:lnSpc>
+                          <a:spcPct val="100000"/>
+                        </a:lnSpc>
+                        <a:spcBef>
+                          <a:spcPts val="0"/>
+                        </a:spcBef>
+                        <a:spcAft>
+                          <a:spcPts val="0"/>
+                        </a:spcAft>
+                        <a:buClrTx/>
+                        <a:buSzTx/>
+                        <a:buFontTx/>
+                        <a:buNone/>
+                        <a:tabLst/>
+                        <a:defRPr/>
+                      </a:pPr>
+                      <a:r>
+                        <a:rPr kumimoji="1" lang="en-US" altLang="ja-JP" sz="2400" dirty="0"/>
+                        <a:t>PRO</a:t>
+                      </a:r>
+                      <a:r>
+                        <a:rPr kumimoji="1" lang="ja-JP" altLang="en-US" sz="2400" dirty="0"/>
+                        <a:t>スコア</a:t>
+                      </a:r>
+                    </a:p>
+                    <a:p>
+                      <a:pPr algn="ctr"/>
+                      <a:endParaRPr kumimoji="1" lang="ja-JP" altLang="en-US" sz="2400" dirty="0"/>
+                    </a:p>
+                  </a:txBody>
+                  <a:tcPr/>
+                </a:tc>
+                <a:extLst>
+                  <a:ext uri="{0D108BD9-81ED-4DB2-BD59-A6C34878D82A}">
+                    <a16:rowId xmlns:a16="http://schemas.microsoft.com/office/drawing/2014/main" val="2131048110"/>
+                  </a:ext>
+                </a:extLst>
+              </a:tr>
+              <a:tr h="320332">
+                <a:tc>
+                  <a:txBody>
+                    <a:bodyPr/>
+                    <a:lstStyle/>
+                    <a:p>
+                      <a:pPr algn="ctr"/>
+                      <a:r>
+                        <a:rPr kumimoji="1" lang="ja-JP" altLang="en-US" sz="2400" dirty="0"/>
+                        <a:t>評価の単位</a:t>
+                      </a:r>
+                    </a:p>
+                  </a:txBody>
+                  <a:tcPr/>
+                </a:tc>
+                <a:tc>
+                  <a:txBody>
+                    <a:bodyPr/>
+                    <a:lstStyle/>
+                    <a:p>
+                      <a:pPr algn="ctr"/>
+                      <a:r>
+                        <a:rPr kumimoji="1" lang="ja-JP" altLang="en-US" sz="2400" dirty="0"/>
+                        <a:t>ピクセル</a:t>
+                      </a:r>
+                    </a:p>
+                  </a:txBody>
+                  <a:tcPr/>
+                </a:tc>
+                <a:tc>
+                  <a:txBody>
+                    <a:bodyPr/>
+                    <a:lstStyle/>
+                    <a:p>
+                      <a:pPr algn="ctr"/>
+                      <a:r>
+                        <a:rPr kumimoji="1" lang="ja-JP" altLang="en-US" sz="2400" dirty="0"/>
+                        <a:t>異常な領域</a:t>
+                      </a:r>
+                    </a:p>
+                  </a:txBody>
+                  <a:tcPr/>
+                </a:tc>
+                <a:extLst>
+                  <a:ext uri="{0D108BD9-81ED-4DB2-BD59-A6C34878D82A}">
+                    <a16:rowId xmlns:a16="http://schemas.microsoft.com/office/drawing/2014/main" val="4174015241"/>
+                  </a:ext>
+                </a:extLst>
+              </a:tr>
+              <a:tr h="370840">
+                <a:tc>
+                  <a:txBody>
+                    <a:bodyPr/>
+                    <a:lstStyle/>
+                    <a:p>
+                      <a:pPr algn="ctr"/>
+                      <a:r>
+                        <a:rPr kumimoji="1" lang="ja-JP" altLang="en-US" sz="2400" dirty="0"/>
+                        <a:t>注目する点</a:t>
+                      </a:r>
+                    </a:p>
+                  </a:txBody>
+                  <a:tcPr/>
+                </a:tc>
+                <a:tc>
+                  <a:txBody>
+                    <a:bodyPr/>
+                    <a:lstStyle/>
+                    <a:p>
+                      <a:pPr algn="ctr"/>
+                      <a:r>
+                        <a:rPr kumimoji="1" lang="ja-JP" altLang="en-US" sz="2400" dirty="0"/>
+                        <a:t>異常な領域の</a:t>
+                      </a:r>
+                      <a:endParaRPr kumimoji="1" lang="en-US" altLang="ja-JP" sz="2400" dirty="0"/>
+                    </a:p>
+                    <a:p>
+                      <a:pPr algn="ctr"/>
+                      <a:r>
+                        <a:rPr kumimoji="1" lang="ja-JP" altLang="en-US" sz="2400" dirty="0"/>
+                        <a:t>面積カバー率</a:t>
+                      </a:r>
+                    </a:p>
+                  </a:txBody>
+                  <a:tcPr/>
+                </a:tc>
+                <a:tc>
+                  <a:txBody>
+                    <a:bodyPr/>
+                    <a:lstStyle/>
+                    <a:p>
+                      <a:pPr algn="ctr"/>
+                      <a:r>
+                        <a:rPr kumimoji="1" lang="ja-JP" altLang="en-US" sz="2400" dirty="0"/>
+                        <a:t>領域をどれだけ</a:t>
+                      </a:r>
+                      <a:endParaRPr kumimoji="1" lang="en-US" altLang="ja-JP" sz="2400" dirty="0"/>
+                    </a:p>
+                    <a:p>
+                      <a:pPr algn="ctr"/>
+                      <a:r>
+                        <a:rPr kumimoji="1" lang="ja-JP" altLang="en-US" sz="2400" dirty="0"/>
+                        <a:t>見逃していないか</a:t>
+                      </a:r>
+                    </a:p>
+                  </a:txBody>
+                  <a:tcPr/>
+                </a:tc>
+                <a:extLst>
+                  <a:ext uri="{0D108BD9-81ED-4DB2-BD59-A6C34878D82A}">
+                    <a16:rowId xmlns:a16="http://schemas.microsoft.com/office/drawing/2014/main" val="1752904581"/>
+                  </a:ext>
+                </a:extLst>
+              </a:tr>
+              <a:tr h="370840">
+                <a:tc>
+                  <a:txBody>
+                    <a:bodyPr/>
+                    <a:lstStyle/>
+                    <a:p>
+                      <a:pPr algn="ctr"/>
+                      <a:r>
+                        <a:rPr kumimoji="1" lang="ja-JP" altLang="en-US" sz="2400" dirty="0"/>
+                        <a:t>長所</a:t>
+                      </a:r>
+                    </a:p>
+                  </a:txBody>
+                  <a:tcPr/>
+                </a:tc>
+                <a:tc>
+                  <a:txBody>
+                    <a:bodyPr/>
+                    <a:lstStyle/>
+                    <a:p>
+                      <a:pPr algn="ctr"/>
+                      <a:r>
+                        <a:rPr kumimoji="1" lang="ja-JP" altLang="en-US" sz="2400" dirty="0"/>
+                        <a:t>異常の被覆率を</a:t>
+                      </a:r>
+                      <a:br>
+                        <a:rPr kumimoji="1" lang="en-US" altLang="ja-JP" sz="2400" dirty="0"/>
+                      </a:br>
+                      <a:r>
+                        <a:rPr kumimoji="1" lang="ja-JP" altLang="en-US" sz="2400" dirty="0"/>
+                        <a:t>正確に測れる</a:t>
+                      </a:r>
+                    </a:p>
+                  </a:txBody>
+                  <a:tcPr/>
+                </a:tc>
+                <a:tc>
+                  <a:txBody>
+                    <a:bodyPr/>
+                    <a:lstStyle/>
+                    <a:p>
+                      <a:pPr algn="ctr"/>
+                      <a:r>
+                        <a:rPr kumimoji="1" lang="ja-JP" altLang="en-US" sz="2400" dirty="0"/>
+                        <a:t>小さな異常の見逃しが評価に響く</a:t>
+                      </a:r>
+                    </a:p>
+                  </a:txBody>
+                  <a:tcPr/>
+                </a:tc>
+                <a:extLst>
+                  <a:ext uri="{0D108BD9-81ED-4DB2-BD59-A6C34878D82A}">
+                    <a16:rowId xmlns:a16="http://schemas.microsoft.com/office/drawing/2014/main" val="263946572"/>
+                  </a:ext>
+                </a:extLst>
+              </a:tr>
+              <a:tr h="370840">
+                <a:tc>
+                  <a:txBody>
+                    <a:bodyPr/>
+                    <a:lstStyle/>
+                    <a:p>
+                      <a:pPr algn="ctr"/>
+                      <a:r>
+                        <a:rPr kumimoji="1" lang="ja-JP" altLang="en-US" sz="2400" dirty="0"/>
+                        <a:t>短所</a:t>
+                      </a:r>
+                    </a:p>
+                  </a:txBody>
+                  <a:tcPr/>
+                </a:tc>
+                <a:tc>
+                  <a:txBody>
+                    <a:bodyPr/>
+                    <a:lstStyle/>
+                    <a:p>
+                      <a:pPr algn="ctr"/>
+                      <a:r>
+                        <a:rPr kumimoji="1" lang="ja-JP" altLang="en-US" sz="2400" dirty="0"/>
+                        <a:t>小さな異常領域の検出を過小評価</a:t>
+                      </a:r>
+                    </a:p>
+                  </a:txBody>
+                  <a:tcPr/>
+                </a:tc>
+                <a:tc>
+                  <a:txBody>
+                    <a:bodyPr/>
+                    <a:lstStyle/>
+                    <a:p>
+                      <a:pPr algn="ctr"/>
+                      <a:r>
+                        <a:rPr kumimoji="1" lang="ja-JP" altLang="en-US" sz="2400" dirty="0"/>
+                        <a:t>異常の形をどの程度捉えたか評価できない</a:t>
+                      </a:r>
+                    </a:p>
+                  </a:txBody>
+                  <a:tcPr/>
+                </a:tc>
+                <a:extLst>
+                  <a:ext uri="{0D108BD9-81ED-4DB2-BD59-A6C34878D82A}">
+                    <a16:rowId xmlns:a16="http://schemas.microsoft.com/office/drawing/2014/main" val="3021212870"/>
+                  </a:ext>
+                </a:extLst>
+              </a:tr>
+            </a:tbl>
+          </a:graphicData>
+        </a:graphic>
+      </p:graphicFrame>
+    </p:spTree>
+    <p:extLst>
+      <p:ext uri="{BB962C8B-B14F-4D97-AF65-F5344CB8AC3E}">
+        <p14:creationId xmlns:p14="http://schemas.microsoft.com/office/powerpoint/2010/main" val="4285102228"/>
+      </p:ext>
+    </p:extLst>
+  </p:cSld>
+  <p:clrMapOvr>
+    <a:masterClrMapping/>
+  </p:clrMapOvr>
+  <mc:AlternateContent xmlns:mc="http://schemas.openxmlformats.org/markup-compatibility/2006" xmlns:p14="http://schemas.microsoft.com/office/powerpoint/2010/main">
+    <mc:Choice Requires="p14">
+      <p:transition p14:dur="180">
+        <p:fade/>
+      </p:transition>
+    </mc:Choice>
+    <mc:Fallback xmlns="">
+      <p:transition>
+        <p:fade/>
+      </p:transition>
+    </mc:Fallback>
+  </mc:AlternateContent>
+</p:sld>
+</file>
+
+<file path=ppt/slides/slide17.xml><?xml version="1.0" encoding="utf-8"?>
 <p:sld xmlns:a="http://schemas.openxmlformats.org/drawingml/2006/main" xmlns:r="http://schemas.openxmlformats.org/officeDocument/2006/relationships" xmlns:p="http://schemas.openxmlformats.org/presentationml/2006/main">
   <p:cSld>
     <p:spTree>
@@ -5814,7 +9274,7 @@
             <a:fld id="{DD4CF77E-606E-4148-BC8B-C5EDFD579810}" type="slidenum">
               <a:rPr kumimoji="1" lang="ja-JP" altLang="en-US" smtClean="0"/>
               <a:pPr algn="ctr"/>
-              <a:t>2</a:t>
+              <a:t>17</a:t>
             </a:fld>
             <a:r>
               <a:rPr kumimoji="1" lang="en-US" altLang="ja-JP"/>
@@ -5998,8 +9458,13 @@
             <a:pPr algn="l"/>
             <a:r>
               <a:rPr lang="en-JP" sz="2000" dirty="0"/>
-              <a:t>・xxx．</a:t>
-            </a:r>
+              <a:t>・</a:t>
+            </a:r>
+            <a:r>
+              <a:rPr lang="ja-JP" altLang="en-US" sz="2000" dirty="0"/>
+              <a:t>異常検知手法のイメージを掴む</a:t>
+            </a:r>
+            <a:endParaRPr lang="en-US" altLang="ja-JP" sz="2000" dirty="0"/>
           </a:p>
         </p:txBody>
       </p:sp>
@@ -6033,9 +9498,10 @@
           <a:p>
             <a:pPr algn="l"/>
             <a:r>
-              <a:rPr lang="en-JP" sz="2000" dirty="0"/>
-              <a:t>・xxx</a:t>
-            </a:r>
+              <a:rPr lang="ja-JP" altLang="en-US" sz="2000" dirty="0" err="1"/>
+              <a:t>。</a:t>
+            </a:r>
+            <a:endParaRPr lang="en-JP" sz="2000" dirty="0"/>
           </a:p>
         </p:txBody>
       </p:sp>
@@ -6070,8 +9536,21 @@
             <a:pPr algn="l"/>
             <a:r>
               <a:rPr lang="en-JP" sz="2000" dirty="0"/>
-              <a:t>・xxx</a:t>
-            </a:r>
+              <a:t>・</a:t>
+            </a:r>
+            <a:r>
+              <a:rPr lang="ja-JP" altLang="en-US" sz="2000" dirty="0"/>
+              <a:t>旧手法から新しめの手法</a:t>
+            </a:r>
+            <a:r>
+              <a:rPr lang="en-US" altLang="ja-JP" sz="2000" dirty="0"/>
+              <a:t>(~2022)</a:t>
+            </a:r>
+            <a:r>
+              <a:rPr lang="ja-JP" altLang="en-US" sz="2000" dirty="0"/>
+              <a:t>の理解</a:t>
+            </a:r>
+            <a:endParaRPr lang="en-JP" sz="2000" dirty="0"/>
           </a:p>
         </p:txBody>
       </p:sp>
@@ -6106,8 +9585,13 @@
             <a:pPr algn="l"/>
             <a:r>
               <a:rPr lang="en-JP" sz="2000" dirty="0"/>
-              <a:t>・xxx</a:t>
-            </a:r>
+              <a:t>・</a:t>
+            </a:r>
+            <a:r>
+              <a:rPr lang="ja-JP" altLang="en-US" sz="2000" dirty="0"/>
+              <a:t>メモリバンクベース・再構築ベースの手法の理解</a:t>
+            </a:r>
+            <a:endParaRPr lang="en-JP" sz="2000" dirty="0"/>
           </a:p>
         </p:txBody>
       </p:sp>
@@ -6208,7 +9692,7 @@
 </p:sld>
 </file>
 
-<file path=ppt/slides/slide3.xml><?xml version="1.0" encoding="utf-8"?>
+<file path=ppt/slides/slide18.xml><?xml version="1.0" encoding="utf-8"?>
 <p:sld xmlns:a="http://schemas.openxmlformats.org/drawingml/2006/main" xmlns:r="http://schemas.openxmlformats.org/officeDocument/2006/relationships" xmlns:p="http://schemas.openxmlformats.org/presentationml/2006/main">
   <p:cSld>
     <p:spTree>
@@ -6260,20 +9744,515 @@
             <a:fld id="{DD4CF77E-606E-4148-BC8B-C5EDFD579810}" type="slidenum">
               <a:rPr kumimoji="1" lang="ja-JP" altLang="en-US" smtClean="0"/>
               <a:pPr algn="ctr"/>
-              <a:t>3</a:t>
+              <a:t>18</a:t>
             </a:fld>
             <a:r>
               <a:rPr kumimoji="1" lang="en-US" altLang="ja-JP"/>
               <a:t>-</a:t>
             </a:r>
             <a:endParaRPr kumimoji="1" lang="ja-JP" altLang="en-US" dirty="0"/>
+          </a:p>
+        </p:txBody>
+      </p:sp>
+      <p:sp>
+        <p:nvSpPr>
+          <p:cNvPr id="5" name="テキスト ボックス 4">
+            <a:extLst>
+              <a:ext uri="{FF2B5EF4-FFF2-40B4-BE49-F238E27FC236}">
+                <a16:creationId xmlns:a16="http://schemas.microsoft.com/office/drawing/2014/main" id="{3C91E41B-5EFC-41AD-96AB-8A016199CEB0}"/>
+              </a:ext>
+            </a:extLst>
+          </p:cNvPr>
+          <p:cNvSpPr txBox="1"/>
+          <p:nvPr/>
+        </p:nvSpPr>
+        <p:spPr>
+          <a:xfrm>
+            <a:off x="127977" y="2149790"/>
+            <a:ext cx="10568354" cy="3477875"/>
+          </a:xfrm>
+          <a:prstGeom prst="rect">
+            <a:avLst/>
+          </a:prstGeom>
+          <a:noFill/>
+        </p:spPr>
+        <p:txBody>
+          <a:bodyPr wrap="square" rtlCol="0">
+            <a:spAutoFit/>
+          </a:bodyPr>
+          <a:lstStyle/>
+          <a:p>
+            <a:r>
+              <a:rPr lang="ja-JP" altLang="en-US" sz="4400" dirty="0"/>
+              <a:t>★</a:t>
+            </a:r>
+            <a:r>
+              <a:rPr lang="en-US" altLang="ja-JP" sz="4400" dirty="0"/>
+              <a:t>3</a:t>
+            </a:r>
+            <a:r>
+              <a:rPr lang="ja-JP" altLang="en-US" sz="4400" dirty="0"/>
+              <a:t>大手法のおおまかな紹介</a:t>
+            </a:r>
+            <a:endParaRPr lang="en-US" altLang="ja-JP" sz="4400" dirty="0"/>
+          </a:p>
+          <a:p>
+            <a:r>
+              <a:rPr lang="ja-JP" altLang="en-US" sz="4400" dirty="0"/>
+              <a:t>★</a:t>
+            </a:r>
+            <a:r>
+              <a:rPr kumimoji="1" lang="ja-JP" altLang="en-US" sz="4400" dirty="0"/>
+              <a:t>評価指標の説明　←いらんかも</a:t>
+            </a:r>
+            <a:endParaRPr kumimoji="1" lang="en-US" altLang="ja-JP" sz="4400" dirty="0"/>
+          </a:p>
+          <a:p>
+            <a:r>
+              <a:rPr lang="ja-JP" altLang="en-US" sz="4400" dirty="0"/>
+              <a:t>★自分の理解を書く感じ</a:t>
+            </a:r>
+            <a:endParaRPr lang="en-US" altLang="ja-JP" sz="4400" dirty="0"/>
+          </a:p>
+          <a:p>
+            <a:r>
+              <a:rPr lang="ja-JP" altLang="en-US" sz="4400" dirty="0"/>
+              <a:t>　・メモリバンクベース～</a:t>
+            </a:r>
+            <a:endParaRPr lang="en-US" altLang="ja-JP" sz="4400" dirty="0"/>
+          </a:p>
+          <a:p>
+            <a:r>
+              <a:rPr kumimoji="1" lang="ja-JP" altLang="en-US" sz="4400" dirty="0"/>
+              <a:t>　・再構成ベース</a:t>
+            </a:r>
+            <a:r>
+              <a:rPr lang="ja-JP" altLang="en-US" sz="4400" dirty="0"/>
+              <a:t>～</a:t>
+            </a:r>
+            <a:endParaRPr kumimoji="1" lang="en-US" altLang="ja-JP" sz="4400" dirty="0"/>
           </a:p>
         </p:txBody>
       </p:sp>
     </p:spTree>
     <p:extLst>
       <p:ext uri="{BB962C8B-B14F-4D97-AF65-F5344CB8AC3E}">
-        <p14:creationId xmlns:p14="http://schemas.microsoft.com/office/powerpoint/2010/main" val="4167963483"/>
+        <p14:creationId xmlns:p14="http://schemas.microsoft.com/office/powerpoint/2010/main" val="3077863960"/>
+      </p:ext>
+    </p:extLst>
+  </p:cSld>
+  <p:clrMapOvr>
+    <a:masterClrMapping/>
+  </p:clrMapOvr>
+  <mc:AlternateContent xmlns:mc="http://schemas.openxmlformats.org/markup-compatibility/2006" xmlns:p14="http://schemas.microsoft.com/office/powerpoint/2010/main">
+    <mc:Choice Requires="p14">
+      <p:transition p14:dur="180">
+        <p:fade/>
+      </p:transition>
+    </mc:Choice>
+    <mc:Fallback xmlns="">
+      <p:transition>
+        <p:fade/>
+      </p:transition>
+    </mc:Fallback>
+  </mc:AlternateContent>
+</p:sld>
+</file>
+
+<file path=ppt/slides/slide2.xml><?xml version="1.0" encoding="utf-8"?>
+<p:sld xmlns:a="http://schemas.openxmlformats.org/drawingml/2006/main" xmlns:r="http://schemas.openxmlformats.org/officeDocument/2006/relationships" xmlns:p="http://schemas.openxmlformats.org/presentationml/2006/main">
+  <p:cSld>
+    <p:spTree>
+      <p:nvGrpSpPr>
+        <p:cNvPr id="1" name=""/>
+        <p:cNvGrpSpPr/>
+        <p:nvPr/>
+      </p:nvGrpSpPr>
+      <p:grpSpPr>
+        <a:xfrm>
+          <a:off x="0" y="0"/>
+          <a:ext cx="0" cy="0"/>
+          <a:chOff x="0" y="0"/>
+          <a:chExt cx="0" cy="0"/>
+        </a:xfrm>
+      </p:grpSpPr>
+      <p:sp>
+        <p:nvSpPr>
+          <p:cNvPr id="3" name="TextBox 3">
+            <a:extLst>
+              <a:ext uri="{FF2B5EF4-FFF2-40B4-BE49-F238E27FC236}">
+                <a16:creationId xmlns:a16="http://schemas.microsoft.com/office/drawing/2014/main" id="{9EEA2E65-8F3A-4926-AD71-F4F0188ED458}"/>
+              </a:ext>
+            </a:extLst>
+          </p:cNvPr>
+          <p:cNvSpPr txBox="1"/>
+          <p:nvPr/>
+        </p:nvSpPr>
+        <p:spPr>
+          <a:xfrm>
+            <a:off x="449017" y="269481"/>
+            <a:ext cx="9263394" cy="707886"/>
+          </a:xfrm>
+          <a:prstGeom prst="rect">
+            <a:avLst/>
+          </a:prstGeom>
+          <a:noFill/>
+        </p:spPr>
+        <p:txBody>
+          <a:bodyPr wrap="square" rtlCol="0">
+            <a:spAutoFit/>
+          </a:bodyPr>
+          <a:lstStyle/>
+          <a:p>
+            <a:r>
+              <a:rPr lang="ja-JP" altLang="en-US" sz="4000" dirty="0"/>
+              <a:t>異常検知手法の分類</a:t>
+            </a:r>
+            <a:endParaRPr lang="en-JP" sz="2800" dirty="0"/>
+          </a:p>
+        </p:txBody>
+      </p:sp>
+      <p:sp>
+        <p:nvSpPr>
+          <p:cNvPr id="4" name="TextBox 3">
+            <a:extLst>
+              <a:ext uri="{FF2B5EF4-FFF2-40B4-BE49-F238E27FC236}">
+                <a16:creationId xmlns:a16="http://schemas.microsoft.com/office/drawing/2014/main" id="{8F89DC98-CEA3-42EA-87B1-A1E4A18DC524}"/>
+              </a:ext>
+            </a:extLst>
+          </p:cNvPr>
+          <p:cNvSpPr txBox="1"/>
+          <p:nvPr/>
+        </p:nvSpPr>
+        <p:spPr>
+          <a:xfrm>
+            <a:off x="449017" y="1472206"/>
+            <a:ext cx="9263394" cy="1384995"/>
+          </a:xfrm>
+          <a:prstGeom prst="rect">
+            <a:avLst/>
+          </a:prstGeom>
+          <a:noFill/>
+        </p:spPr>
+        <p:txBody>
+          <a:bodyPr wrap="square" rtlCol="0">
+            <a:spAutoFit/>
+          </a:bodyPr>
+          <a:lstStyle/>
+          <a:p>
+            <a:r>
+              <a:rPr lang="ja-JP" altLang="en-US" sz="2800" dirty="0"/>
+              <a:t>１．メモリバンク</a:t>
+            </a:r>
+            <a:endParaRPr lang="en-US" altLang="ja-JP" sz="2800" dirty="0"/>
+          </a:p>
+          <a:p>
+            <a:r>
+              <a:rPr lang="ja-JP" altLang="en-US" sz="2800" dirty="0"/>
+              <a:t>２．再構成</a:t>
+            </a:r>
+            <a:endParaRPr lang="en-US" altLang="ja-JP" sz="2800" dirty="0"/>
+          </a:p>
+          <a:p>
+            <a:r>
+              <a:rPr lang="ja-JP" altLang="en-US" sz="2800" dirty="0"/>
+              <a:t>３．確率分布</a:t>
+            </a:r>
+            <a:endParaRPr lang="en-US" altLang="ja-JP" sz="2800" dirty="0"/>
+          </a:p>
+        </p:txBody>
+      </p:sp>
+      <p:sp>
+        <p:nvSpPr>
+          <p:cNvPr id="7" name="四角形: 角を丸くする 6">
+            <a:extLst>
+              <a:ext uri="{FF2B5EF4-FFF2-40B4-BE49-F238E27FC236}">
+                <a16:creationId xmlns:a16="http://schemas.microsoft.com/office/drawing/2014/main" id="{62F54DC8-4C59-4913-8B8D-857E58CAC104}"/>
+              </a:ext>
+            </a:extLst>
+          </p:cNvPr>
+          <p:cNvSpPr/>
+          <p:nvPr/>
+        </p:nvSpPr>
+        <p:spPr>
+          <a:xfrm>
+            <a:off x="1103586" y="1472206"/>
+            <a:ext cx="2427890" cy="908387"/>
+          </a:xfrm>
+          <a:prstGeom prst="roundRect">
+            <a:avLst/>
+          </a:prstGeom>
+          <a:noFill/>
+          <a:ln w="38100">
+            <a:solidFill>
+              <a:srgbClr val="FF0000"/>
+            </a:solidFill>
+          </a:ln>
+        </p:spPr>
+        <p:style>
+          <a:lnRef idx="2">
+            <a:schemeClr val="accent1">
+              <a:shade val="50000"/>
+            </a:schemeClr>
+          </a:lnRef>
+          <a:fillRef idx="1">
+            <a:schemeClr val="accent1"/>
+          </a:fillRef>
+          <a:effectRef idx="0">
+            <a:schemeClr val="accent1"/>
+          </a:effectRef>
+          <a:fontRef idx="minor">
+            <a:schemeClr val="lt1"/>
+          </a:fontRef>
+        </p:style>
+        <p:txBody>
+          <a:bodyPr rtlCol="0" anchor="ctr"/>
+          <a:lstStyle/>
+          <a:p>
+            <a:pPr algn="ctr"/>
+            <a:endParaRPr kumimoji="1" lang="ja-JP" altLang="en-US"/>
+          </a:p>
+        </p:txBody>
+      </p:sp>
+    </p:spTree>
+    <p:extLst>
+      <p:ext uri="{BB962C8B-B14F-4D97-AF65-F5344CB8AC3E}">
+        <p14:creationId xmlns:p14="http://schemas.microsoft.com/office/powerpoint/2010/main" val="2973777857"/>
+      </p:ext>
+    </p:extLst>
+  </p:cSld>
+  <p:clrMapOvr>
+    <a:masterClrMapping/>
+  </p:clrMapOvr>
+  <mc:AlternateContent xmlns:mc="http://schemas.openxmlformats.org/markup-compatibility/2006" xmlns:p14="http://schemas.microsoft.com/office/powerpoint/2010/main">
+    <mc:Choice Requires="p14">
+      <p:transition p14:dur="180">
+        <p:fade/>
+      </p:transition>
+    </mc:Choice>
+    <mc:Fallback xmlns="">
+      <p:transition>
+        <p:fade/>
+      </p:transition>
+    </mc:Fallback>
+  </mc:AlternateContent>
+  <p:timing>
+    <p:tnLst>
+      <p:par>
+        <p:cTn id="1" dur="indefinite" restart="never" nodeType="tmRoot">
+          <p:childTnLst>
+            <p:seq concurrent="1" nextAc="seek">
+              <p:cTn id="2" dur="indefinite" nodeType="mainSeq">
+                <p:childTnLst>
+                  <p:par>
+                    <p:cTn id="3" fill="hold">
+                      <p:stCondLst>
+                        <p:cond delay="indefinite"/>
+                      </p:stCondLst>
+                      <p:childTnLst>
+                        <p:par>
+                          <p:cTn id="4" fill="hold">
+                            <p:stCondLst>
+                              <p:cond delay="0"/>
+                            </p:stCondLst>
+                            <p:childTnLst>
+                              <p:par>
+                                <p:cTn id="5" presetID="10" presetClass="entr" presetSubtype="0" fill="hold" grpId="0" nodeType="clickEffect">
+                                  <p:stCondLst>
+                                    <p:cond delay="0"/>
+                                  </p:stCondLst>
+                                  <p:childTnLst>
+                                    <p:set>
+                                      <p:cBhvr>
+                                        <p:cTn id="6" dur="1" fill="hold">
+                                          <p:stCondLst>
+                                            <p:cond delay="0"/>
+                                          </p:stCondLst>
+                                        </p:cTn>
+                                        <p:tgtEl>
+                                          <p:spTgt spid="7"/>
+                                        </p:tgtEl>
+                                        <p:attrNameLst>
+                                          <p:attrName>style.visibility</p:attrName>
+                                        </p:attrNameLst>
+                                      </p:cBhvr>
+                                      <p:to>
+                                        <p:strVal val="visible"/>
+                                      </p:to>
+                                    </p:set>
+                                    <p:animEffect transition="in" filter="fade">
+                                      <p:cBhvr>
+                                        <p:cTn id="7" dur="500"/>
+                                        <p:tgtEl>
+                                          <p:spTgt spid="7"/>
+                                        </p:tgtEl>
+                                      </p:cBhvr>
+                                    </p:animEffect>
+                                  </p:childTnLst>
+                                </p:cTn>
+                              </p:par>
+                            </p:childTnLst>
+                          </p:cTn>
+                        </p:par>
+                      </p:childTnLst>
+                    </p:cTn>
+                  </p:par>
+                </p:childTnLst>
+              </p:cTn>
+              <p:prevCondLst>
+                <p:cond evt="onPrev" delay="0">
+                  <p:tgtEl>
+                    <p:sldTgt/>
+                  </p:tgtEl>
+                </p:cond>
+              </p:prevCondLst>
+              <p:nextCondLst>
+                <p:cond evt="onNext" delay="0">
+                  <p:tgtEl>
+                    <p:sldTgt/>
+                  </p:tgtEl>
+                </p:cond>
+              </p:nextCondLst>
+            </p:seq>
+          </p:childTnLst>
+        </p:cTn>
+      </p:par>
+    </p:tnLst>
+    <p:bldLst>
+      <p:bldP spid="7" grpId="0" animBg="1"/>
+    </p:bldLst>
+  </p:timing>
+</p:sld>
+</file>
+
+<file path=ppt/slides/slide3.xml><?xml version="1.0" encoding="utf-8"?>
+<p:sld xmlns:a="http://schemas.openxmlformats.org/drawingml/2006/main" xmlns:r="http://schemas.openxmlformats.org/officeDocument/2006/relationships" xmlns:p="http://schemas.openxmlformats.org/presentationml/2006/main">
+  <p:cSld>
+    <p:spTree>
+      <p:nvGrpSpPr>
+        <p:cNvPr id="1" name=""/>
+        <p:cNvGrpSpPr/>
+        <p:nvPr/>
+      </p:nvGrpSpPr>
+      <p:grpSpPr>
+        <a:xfrm>
+          <a:off x="0" y="0"/>
+          <a:ext cx="0" cy="0"/>
+          <a:chOff x="0" y="0"/>
+          <a:chExt cx="0" cy="0"/>
+        </a:xfrm>
+      </p:grpSpPr>
+      <p:sp>
+        <p:nvSpPr>
+          <p:cNvPr id="3" name="TextBox 3">
+            <a:extLst>
+              <a:ext uri="{FF2B5EF4-FFF2-40B4-BE49-F238E27FC236}">
+                <a16:creationId xmlns:a16="http://schemas.microsoft.com/office/drawing/2014/main" id="{9EEA2E65-8F3A-4926-AD71-F4F0188ED458}"/>
+              </a:ext>
+            </a:extLst>
+          </p:cNvPr>
+          <p:cNvSpPr txBox="1"/>
+          <p:nvPr/>
+        </p:nvSpPr>
+        <p:spPr>
+          <a:xfrm>
+            <a:off x="449017" y="269481"/>
+            <a:ext cx="9263394" cy="707886"/>
+          </a:xfrm>
+          <a:prstGeom prst="rect">
+            <a:avLst/>
+          </a:prstGeom>
+          <a:noFill/>
+        </p:spPr>
+        <p:txBody>
+          <a:bodyPr wrap="square" rtlCol="0">
+            <a:spAutoFit/>
+          </a:bodyPr>
+          <a:lstStyle/>
+          <a:p>
+            <a:r>
+              <a:rPr lang="ja-JP" altLang="en-US" sz="4000" dirty="0"/>
+              <a:t>メモリバンクベースの手法</a:t>
+            </a:r>
+            <a:endParaRPr lang="en-JP" sz="2800" dirty="0"/>
+          </a:p>
+        </p:txBody>
+      </p:sp>
+      <p:sp>
+        <p:nvSpPr>
+          <p:cNvPr id="4" name="TextBox 3">
+            <a:extLst>
+              <a:ext uri="{FF2B5EF4-FFF2-40B4-BE49-F238E27FC236}">
+                <a16:creationId xmlns:a16="http://schemas.microsoft.com/office/drawing/2014/main" id="{8F89DC98-CEA3-42EA-87B1-A1E4A18DC524}"/>
+              </a:ext>
+            </a:extLst>
+          </p:cNvPr>
+          <p:cNvSpPr txBox="1"/>
+          <p:nvPr/>
+        </p:nvSpPr>
+        <p:spPr>
+          <a:xfrm>
+            <a:off x="449017" y="1472206"/>
+            <a:ext cx="9263394" cy="1815882"/>
+          </a:xfrm>
+          <a:prstGeom prst="rect">
+            <a:avLst/>
+          </a:prstGeom>
+          <a:noFill/>
+        </p:spPr>
+        <p:txBody>
+          <a:bodyPr wrap="square" rtlCol="0">
+            <a:spAutoFit/>
+          </a:bodyPr>
+          <a:lstStyle/>
+          <a:p>
+            <a:r>
+              <a:rPr lang="ja-JP" altLang="en-US" sz="2800" dirty="0"/>
+              <a:t>１．</a:t>
+            </a:r>
+            <a:r>
+              <a:rPr lang="en-US" altLang="ja-JP" sz="2800" dirty="0"/>
+              <a:t>DNN</a:t>
+            </a:r>
+          </a:p>
+          <a:p>
+            <a:r>
+              <a:rPr lang="ja-JP" altLang="en-US" sz="2800" dirty="0"/>
+              <a:t>２．</a:t>
+            </a:r>
+            <a:r>
+              <a:rPr lang="en-US" altLang="ja-JP" sz="2800" dirty="0"/>
+              <a:t>SPADE</a:t>
+            </a:r>
+          </a:p>
+          <a:p>
+            <a:r>
+              <a:rPr lang="ja-JP" altLang="en-US" sz="2800" dirty="0"/>
+              <a:t>３．</a:t>
+            </a:r>
+            <a:r>
+              <a:rPr lang="en-US" altLang="ja-JP" sz="2800" dirty="0" err="1"/>
+              <a:t>PaDim</a:t>
+            </a:r>
+            <a:endParaRPr lang="en-US" altLang="ja-JP" sz="2800" dirty="0"/>
+          </a:p>
+          <a:p>
+            <a:r>
+              <a:rPr lang="ja-JP" altLang="en-US" sz="2800" dirty="0"/>
+              <a:t>４．</a:t>
+            </a:r>
+            <a:r>
+              <a:rPr lang="en-US" altLang="ja-JP" sz="2800" dirty="0" err="1"/>
+              <a:t>PatchCore</a:t>
+            </a:r>
+            <a:endParaRPr lang="en-US" altLang="ja-JP" sz="2800" dirty="0"/>
+          </a:p>
+        </p:txBody>
+      </p:sp>
+    </p:spTree>
+    <p:extLst>
+      <p:ext uri="{BB962C8B-B14F-4D97-AF65-F5344CB8AC3E}">
+        <p14:creationId xmlns:p14="http://schemas.microsoft.com/office/powerpoint/2010/main" val="3543279747"/>
       </p:ext>
     </p:extLst>
   </p:cSld>
@@ -6303,7 +10282,7 @@
         <p:cNvPr id="1" name="">
           <a:extLst>
             <a:ext uri="{FF2B5EF4-FFF2-40B4-BE49-F238E27FC236}">
-              <a16:creationId xmlns:a16="http://schemas.microsoft.com/office/drawing/2014/main" id="{1C9DD1EA-570B-A57D-8413-25BB921622F1}"/>
+              <a16:creationId xmlns:a16="http://schemas.microsoft.com/office/drawing/2014/main" id="{B952A17A-80FF-DA20-EF66-670AF34F25CA}"/>
             </a:ext>
           </a:extLst>
         </p:cNvPr>
@@ -6323,7 +10302,7 @@
           <p:cNvPr id="3" name="Slide Number Placeholder 2">
             <a:extLst>
               <a:ext uri="{FF2B5EF4-FFF2-40B4-BE49-F238E27FC236}">
-                <a16:creationId xmlns:a16="http://schemas.microsoft.com/office/drawing/2014/main" id="{050E1DEE-6379-3A90-866A-E0ACFCE95D46}"/>
+                <a16:creationId xmlns:a16="http://schemas.microsoft.com/office/drawing/2014/main" id="{27BCBD73-CE08-BAE7-80DD-E0A99D17B396}"/>
               </a:ext>
             </a:extLst>
           </p:cNvPr>
@@ -6357,10 +10336,183 @@
           </a:p>
         </p:txBody>
       </p:sp>
+      <p:sp>
+        <p:nvSpPr>
+          <p:cNvPr id="4" name="TextBox 3">
+            <a:extLst>
+              <a:ext uri="{FF2B5EF4-FFF2-40B4-BE49-F238E27FC236}">
+                <a16:creationId xmlns:a16="http://schemas.microsoft.com/office/drawing/2014/main" id="{58CECEC3-FDFA-4105-AAAB-B509D98AACFD}"/>
+              </a:ext>
+            </a:extLst>
+          </p:cNvPr>
+          <p:cNvSpPr txBox="1"/>
+          <p:nvPr/>
+        </p:nvSpPr>
+        <p:spPr>
+          <a:xfrm>
+            <a:off x="449016" y="269481"/>
+            <a:ext cx="8479084" cy="707886"/>
+          </a:xfrm>
+          <a:prstGeom prst="rect">
+            <a:avLst/>
+          </a:prstGeom>
+          <a:noFill/>
+        </p:spPr>
+        <p:txBody>
+          <a:bodyPr wrap="square" rtlCol="0">
+            <a:spAutoFit/>
+          </a:bodyPr>
+          <a:lstStyle/>
+          <a:p>
+            <a:r>
+              <a:rPr lang="ja-JP" altLang="en-US" sz="4000" dirty="0"/>
+              <a:t>提案手法：</a:t>
+            </a:r>
+            <a:r>
+              <a:rPr lang="en-US" altLang="ja-JP" sz="4000" dirty="0"/>
+              <a:t>DNN  </a:t>
+            </a:r>
+            <a:r>
+              <a:rPr lang="en-US" altLang="ja-JP" sz="2400" dirty="0"/>
+              <a:t>(Deep Nearest-Neighbors)</a:t>
+            </a:r>
+            <a:endParaRPr lang="en-JP" sz="2400" dirty="0"/>
+          </a:p>
+        </p:txBody>
+      </p:sp>
+      <p:sp>
+        <p:nvSpPr>
+          <p:cNvPr id="2" name="テキスト ボックス 1">
+            <a:extLst>
+              <a:ext uri="{FF2B5EF4-FFF2-40B4-BE49-F238E27FC236}">
+                <a16:creationId xmlns:a16="http://schemas.microsoft.com/office/drawing/2014/main" id="{E21702CF-DFF1-403E-B122-F7C9751136B5}"/>
+              </a:ext>
+            </a:extLst>
+          </p:cNvPr>
+          <p:cNvSpPr txBox="1"/>
+          <p:nvPr/>
+        </p:nvSpPr>
+        <p:spPr>
+          <a:xfrm>
+            <a:off x="140677" y="1424354"/>
+            <a:ext cx="10568354" cy="2554545"/>
+          </a:xfrm>
+          <a:prstGeom prst="rect">
+            <a:avLst/>
+          </a:prstGeom>
+          <a:noFill/>
+        </p:spPr>
+        <p:txBody>
+          <a:bodyPr wrap="square" rtlCol="0">
+            <a:spAutoFit/>
+          </a:bodyPr>
+          <a:lstStyle/>
+          <a:p>
+            <a:r>
+              <a:rPr lang="ja-JP" altLang="en-US" sz="2000" dirty="0"/>
+              <a:t>・</a:t>
+            </a:r>
+            <a:r>
+              <a:rPr lang="en-US" altLang="ja-JP" sz="2000" dirty="0" err="1"/>
+              <a:t>imageNet</a:t>
+            </a:r>
+            <a:r>
+              <a:rPr lang="ja-JP" altLang="en-US" sz="2000" dirty="0"/>
+              <a:t>で事前学習された深層ニューラルネットワーク</a:t>
+            </a:r>
+            <a:r>
+              <a:rPr lang="en-US" altLang="ja-JP" sz="2000" dirty="0"/>
+              <a:t>(</a:t>
+            </a:r>
+            <a:r>
+              <a:rPr lang="en-US" altLang="ja-JP" sz="2000" dirty="0" err="1"/>
+              <a:t>ResNet</a:t>
+            </a:r>
+            <a:r>
+              <a:rPr lang="en-US" altLang="ja-JP" sz="2000" dirty="0"/>
+              <a:t>)</a:t>
+            </a:r>
+            <a:r>
+              <a:rPr lang="ja-JP" altLang="en-US" sz="2000" dirty="0"/>
+              <a:t>を</a:t>
+            </a:r>
+            <a:br>
+              <a:rPr lang="en-US" altLang="ja-JP" sz="2000" dirty="0"/>
+            </a:br>
+            <a:r>
+              <a:rPr lang="ja-JP" altLang="en-US" sz="2000" dirty="0"/>
+              <a:t>　汎用的な画像の特徴抽出器として利用し、</a:t>
+            </a:r>
+            <a:r>
+              <a:rPr lang="en-US" altLang="ja-JP" sz="2000" dirty="0"/>
+              <a:t>KNN(k-Nearest Neighbors)</a:t>
+            </a:r>
+            <a:r>
+              <a:rPr lang="ja-JP" altLang="en-US" sz="2000" dirty="0"/>
+              <a:t>を適用する手法。</a:t>
+            </a:r>
+            <a:endParaRPr lang="en-US" altLang="ja-JP" sz="2000" dirty="0"/>
+          </a:p>
+          <a:p>
+            <a:endParaRPr kumimoji="1" lang="en-US" altLang="ja-JP" sz="2000" dirty="0"/>
+          </a:p>
+          <a:p>
+            <a:endParaRPr lang="en-US" altLang="ja-JP" sz="2000" dirty="0"/>
+          </a:p>
+          <a:p>
+            <a:endParaRPr kumimoji="1" lang="en-US" altLang="ja-JP" sz="2000" dirty="0"/>
+          </a:p>
+          <a:p>
+            <a:endParaRPr lang="en-US" altLang="ja-JP" sz="2000" dirty="0"/>
+          </a:p>
+          <a:p>
+            <a:r>
+              <a:rPr kumimoji="1" lang="en-US" altLang="ja-JP" sz="2000" dirty="0"/>
+              <a:t>KNN…</a:t>
+            </a:r>
+            <a:r>
+              <a:rPr kumimoji="1" lang="ja-JP" altLang="en-US" sz="2000" dirty="0"/>
+              <a:t>入力画像の特徴ベクトルと似ている</a:t>
+            </a:r>
+            <a:r>
+              <a:rPr kumimoji="1" lang="en-US" altLang="ja-JP" sz="2000" dirty="0"/>
+              <a:t>(</a:t>
+            </a:r>
+            <a:r>
+              <a:rPr kumimoji="1" lang="ja-JP" altLang="en-US" sz="2000" dirty="0"/>
+              <a:t>距離が近い</a:t>
+            </a:r>
+            <a:r>
+              <a:rPr kumimoji="1" lang="en-US" altLang="ja-JP" sz="2000" dirty="0"/>
+              <a:t>)</a:t>
+            </a:r>
+            <a:r>
+              <a:rPr kumimoji="1" lang="ja-JP" altLang="en-US" sz="2000" dirty="0"/>
+              <a:t>上位</a:t>
+            </a:r>
+            <a:r>
+              <a:rPr lang="ja-JP" altLang="en-US" sz="2000" dirty="0"/>
+              <a:t>Ｋ</a:t>
+            </a:r>
+            <a:r>
+              <a:rPr kumimoji="1" lang="ja-JP" altLang="en-US" sz="2000" dirty="0"/>
+              <a:t>個の特徴ベクトル間との合計距離</a:t>
+            </a:r>
+            <a:r>
+              <a:rPr lang="ja-JP" altLang="en-US" sz="2000" dirty="0"/>
+              <a:t>によって</a:t>
+            </a:r>
+            <a:r>
+              <a:rPr kumimoji="1" lang="ja-JP" altLang="en-US" sz="2000" dirty="0"/>
+              <a:t>異常か判定する手法。</a:t>
+            </a:r>
+          </a:p>
+        </p:txBody>
+      </p:sp>
     </p:spTree>
     <p:extLst>
       <p:ext uri="{BB962C8B-B14F-4D97-AF65-F5344CB8AC3E}">
-        <p14:creationId xmlns:p14="http://schemas.microsoft.com/office/powerpoint/2010/main" val="254094333"/>
+        <p14:creationId xmlns:p14="http://schemas.microsoft.com/office/powerpoint/2010/main" val="4167963483"/>
       </p:ext>
     </p:extLst>
   </p:cSld>
@@ -6390,7 +10542,7 @@
         <p:cNvPr id="1" name="">
           <a:extLst>
             <a:ext uri="{FF2B5EF4-FFF2-40B4-BE49-F238E27FC236}">
-              <a16:creationId xmlns:a16="http://schemas.microsoft.com/office/drawing/2014/main" id="{59E460FF-B967-822C-7932-DB0F24E3AE74}"/>
+              <a16:creationId xmlns:a16="http://schemas.microsoft.com/office/drawing/2014/main" id="{B952A17A-80FF-DA20-EF66-670AF34F25CA}"/>
             </a:ext>
           </a:extLst>
         </p:cNvPr>
@@ -6407,178 +10559,10 @@
       </p:grpSpPr>
       <p:sp>
         <p:nvSpPr>
-          <p:cNvPr id="19" name="Rectangle 18">
-            <a:extLst>
-              <a:ext uri="{FF2B5EF4-FFF2-40B4-BE49-F238E27FC236}">
-                <a16:creationId xmlns:a16="http://schemas.microsoft.com/office/drawing/2014/main" id="{27C96A3F-BD83-9B36-95BE-F66BDDBA87A1}"/>
-              </a:ext>
-            </a:extLst>
-          </p:cNvPr>
-          <p:cNvSpPr/>
-          <p:nvPr/>
-        </p:nvSpPr>
-        <p:spPr>
-          <a:xfrm>
-            <a:off x="322479" y="4752174"/>
-            <a:ext cx="11714620" cy="650129"/>
-          </a:xfrm>
-          <a:prstGeom prst="rect">
-            <a:avLst/>
-          </a:prstGeom>
-          <a:solidFill>
-            <a:schemeClr val="tx2">
-              <a:lumMod val="20000"/>
-              <a:lumOff val="80000"/>
-              <a:alpha val="29859"/>
-            </a:schemeClr>
-          </a:solidFill>
-          <a:ln>
-            <a:noFill/>
-          </a:ln>
-        </p:spPr>
-        <p:style>
-          <a:lnRef idx="2">
-            <a:schemeClr val="accent1">
-              <a:shade val="15000"/>
-            </a:schemeClr>
-          </a:lnRef>
-          <a:fillRef idx="1">
-            <a:schemeClr val="accent1"/>
-          </a:fillRef>
-          <a:effectRef idx="0">
-            <a:schemeClr val="accent1"/>
-          </a:effectRef>
-          <a:fontRef idx="minor">
-            <a:schemeClr val="lt1"/>
-          </a:fontRef>
-        </p:style>
-        <p:txBody>
-          <a:bodyPr rtlCol="0" anchor="ctr"/>
-          <a:lstStyle/>
-          <a:p>
-            <a:pPr algn="ctr"/>
-            <a:endParaRPr lang="en-JP"/>
-          </a:p>
-        </p:txBody>
-      </p:sp>
-      <p:sp>
-        <p:nvSpPr>
-          <p:cNvPr id="18" name="Rectangle 17">
-            <a:extLst>
-              <a:ext uri="{FF2B5EF4-FFF2-40B4-BE49-F238E27FC236}">
-                <a16:creationId xmlns:a16="http://schemas.microsoft.com/office/drawing/2014/main" id="{DB539661-EEC9-B68E-F911-F975B1E90ABE}"/>
-              </a:ext>
-            </a:extLst>
-          </p:cNvPr>
-          <p:cNvSpPr/>
-          <p:nvPr/>
-        </p:nvSpPr>
-        <p:spPr>
-          <a:xfrm>
-            <a:off x="195941" y="2877554"/>
-            <a:ext cx="11841157" cy="650129"/>
-          </a:xfrm>
-          <a:prstGeom prst="rect">
-            <a:avLst/>
-          </a:prstGeom>
-          <a:solidFill>
-            <a:schemeClr val="accent2">
-              <a:lumMod val="20000"/>
-              <a:lumOff val="80000"/>
-              <a:alpha val="44198"/>
-            </a:schemeClr>
-          </a:solidFill>
-          <a:ln>
-            <a:noFill/>
-          </a:ln>
-        </p:spPr>
-        <p:style>
-          <a:lnRef idx="2">
-            <a:schemeClr val="accent1">
-              <a:shade val="15000"/>
-            </a:schemeClr>
-          </a:lnRef>
-          <a:fillRef idx="1">
-            <a:schemeClr val="accent1"/>
-          </a:fillRef>
-          <a:effectRef idx="0">
-            <a:schemeClr val="accent1"/>
-          </a:effectRef>
-          <a:fontRef idx="minor">
-            <a:schemeClr val="lt1"/>
-          </a:fontRef>
-        </p:style>
-        <p:txBody>
-          <a:bodyPr rtlCol="0" anchor="ctr"/>
-          <a:lstStyle/>
-          <a:p>
-            <a:pPr algn="ctr"/>
-            <a:endParaRPr lang="en-JP"/>
-          </a:p>
-        </p:txBody>
-      </p:sp>
-      <p:sp>
-        <p:nvSpPr>
-          <p:cNvPr id="17" name="Rectangle 16">
-            <a:extLst>
-              <a:ext uri="{FF2B5EF4-FFF2-40B4-BE49-F238E27FC236}">
-                <a16:creationId xmlns:a16="http://schemas.microsoft.com/office/drawing/2014/main" id="{B6B292F0-4A5C-308B-F938-5CD65F571BC5}"/>
-              </a:ext>
-            </a:extLst>
-          </p:cNvPr>
-          <p:cNvSpPr/>
-          <p:nvPr/>
-        </p:nvSpPr>
-        <p:spPr>
-          <a:xfrm>
-            <a:off x="195942" y="1206709"/>
-            <a:ext cx="11841157" cy="650129"/>
-          </a:xfrm>
-          <a:prstGeom prst="rect">
-            <a:avLst/>
-          </a:prstGeom>
-          <a:solidFill>
-            <a:schemeClr val="accent5">
-              <a:lumMod val="20000"/>
-              <a:lumOff val="80000"/>
-              <a:alpha val="54817"/>
-            </a:schemeClr>
-          </a:solidFill>
-          <a:ln>
-            <a:noFill/>
-          </a:ln>
-        </p:spPr>
-        <p:style>
-          <a:lnRef idx="2">
-            <a:schemeClr val="accent1">
-              <a:shade val="15000"/>
-            </a:schemeClr>
-          </a:lnRef>
-          <a:fillRef idx="1">
-            <a:schemeClr val="accent1"/>
-          </a:fillRef>
-          <a:effectRef idx="0">
-            <a:schemeClr val="accent1"/>
-          </a:effectRef>
-          <a:fontRef idx="minor">
-            <a:schemeClr val="lt1"/>
-          </a:fontRef>
-        </p:style>
-        <p:txBody>
-          <a:bodyPr rtlCol="0" anchor="ctr"/>
-          <a:lstStyle/>
-          <a:p>
-            <a:pPr algn="ctr"/>
-            <a:endParaRPr lang="en-JP"/>
-          </a:p>
-        </p:txBody>
-      </p:sp>
-      <p:sp>
-        <p:nvSpPr>
           <p:cNvPr id="3" name="Slide Number Placeholder 2">
             <a:extLst>
               <a:ext uri="{FF2B5EF4-FFF2-40B4-BE49-F238E27FC236}">
-                <a16:creationId xmlns:a16="http://schemas.microsoft.com/office/drawing/2014/main" id="{A6F2ED56-415A-1DE5-9A15-7CF168DD30B2}"/>
+                <a16:creationId xmlns:a16="http://schemas.microsoft.com/office/drawing/2014/main" id="{27BCBD73-CE08-BAE7-80DD-E0A99D17B396}"/>
               </a:ext>
             </a:extLst>
           </p:cNvPr>
@@ -6617,7 +10601,7 @@
           <p:cNvPr id="4" name="TextBox 3">
             <a:extLst>
               <a:ext uri="{FF2B5EF4-FFF2-40B4-BE49-F238E27FC236}">
-                <a16:creationId xmlns:a16="http://schemas.microsoft.com/office/drawing/2014/main" id="{3F45C1E1-5BD5-DD2D-54D4-CE1393ADE057}"/>
+                <a16:creationId xmlns:a16="http://schemas.microsoft.com/office/drawing/2014/main" id="{58CECEC3-FDFA-4105-AAAB-B509D98AACFD}"/>
               </a:ext>
             </a:extLst>
           </p:cNvPr>
@@ -6626,8 +10610,8 @@
         </p:nvSpPr>
         <p:spPr>
           <a:xfrm>
-            <a:off x="449017" y="269481"/>
-            <a:ext cx="7135318" cy="707886"/>
+            <a:off x="449016" y="269481"/>
+            <a:ext cx="9152183" cy="707886"/>
           </a:xfrm>
           <a:prstGeom prst="rect">
             <a:avLst/>
@@ -6641,18 +10625,23 @@
           <a:lstStyle/>
           <a:p>
             <a:r>
-              <a:rPr lang="en-JP" sz="4000" dirty="0"/>
-              <a:t>TL; DR</a:t>
-            </a:r>
-          </a:p>
-        </p:txBody>
-      </p:sp>
-      <p:sp>
-        <p:nvSpPr>
-          <p:cNvPr id="5" name="TextBox 4">
-            <a:extLst>
-              <a:ext uri="{FF2B5EF4-FFF2-40B4-BE49-F238E27FC236}">
-                <a16:creationId xmlns:a16="http://schemas.microsoft.com/office/drawing/2014/main" id="{E6476D41-C95E-55FC-38D4-7A282562248F}"/>
+              <a:rPr lang="ja-JP" altLang="en-US" sz="4000" dirty="0"/>
+              <a:t>提案手法： </a:t>
+            </a:r>
+            <a:r>
+              <a:rPr lang="en-US" altLang="ja-JP" sz="4000" dirty="0"/>
+              <a:t>SPADE</a:t>
+            </a:r>
+            <a:endParaRPr lang="en-JP" sz="4000" dirty="0"/>
+          </a:p>
+        </p:txBody>
+      </p:sp>
+      <p:sp>
+        <p:nvSpPr>
+          <p:cNvPr id="5" name="テキスト ボックス 4">
+            <a:extLst>
+              <a:ext uri="{FF2B5EF4-FFF2-40B4-BE49-F238E27FC236}">
+                <a16:creationId xmlns:a16="http://schemas.microsoft.com/office/drawing/2014/main" id="{C487BEB7-018F-4387-B08F-DFAAFFA88390}"/>
               </a:ext>
             </a:extLst>
           </p:cNvPr>
@@ -6661,8 +10650,8 @@
         </p:nvSpPr>
         <p:spPr>
           <a:xfrm>
-            <a:off x="449014" y="1253580"/>
-            <a:ext cx="4261758" cy="523220"/>
+            <a:off x="140677" y="1424354"/>
+            <a:ext cx="10568354" cy="400110"/>
           </a:xfrm>
           <a:prstGeom prst="rect">
             <a:avLst/>
@@ -6675,306 +10664,26 @@
           </a:bodyPr>
           <a:lstStyle/>
           <a:p>
-            <a:pPr algn="l"/>
-            <a:r>
-              <a:rPr lang="en-JP" sz="2800" u="sng" dirty="0"/>
-              <a:t>何に取り組んだのか？</a:t>
-            </a:r>
-          </a:p>
-        </p:txBody>
-      </p:sp>
-      <p:sp>
-        <p:nvSpPr>
-          <p:cNvPr id="6" name="TextBox 5">
-            <a:extLst>
-              <a:ext uri="{FF2B5EF4-FFF2-40B4-BE49-F238E27FC236}">
-                <a16:creationId xmlns:a16="http://schemas.microsoft.com/office/drawing/2014/main" id="{6A1B7300-3EA7-EAF7-C28E-F7049ADEEFBC}"/>
-              </a:ext>
-            </a:extLst>
-          </p:cNvPr>
-          <p:cNvSpPr txBox="1"/>
-          <p:nvPr/>
-        </p:nvSpPr>
-        <p:spPr>
-          <a:xfrm>
-            <a:off x="449014" y="2985542"/>
-            <a:ext cx="4669972" cy="523220"/>
-          </a:xfrm>
-          <a:prstGeom prst="rect">
-            <a:avLst/>
-          </a:prstGeom>
-          <a:noFill/>
-        </p:spPr>
-        <p:txBody>
-          <a:bodyPr wrap="square" rtlCol="0">
-            <a:spAutoFit/>
-          </a:bodyPr>
-          <a:lstStyle/>
-          <a:p>
-            <a:pPr algn="l"/>
-            <a:r>
-              <a:rPr lang="en-JP" sz="2800" u="sng" dirty="0"/>
-              <a:t>どのように工夫したか？</a:t>
-            </a:r>
-          </a:p>
-        </p:txBody>
-      </p:sp>
-      <p:sp>
-        <p:nvSpPr>
-          <p:cNvPr id="7" name="TextBox 6">
-            <a:extLst>
-              <a:ext uri="{FF2B5EF4-FFF2-40B4-BE49-F238E27FC236}">
-                <a16:creationId xmlns:a16="http://schemas.microsoft.com/office/drawing/2014/main" id="{1FD74D4C-DD15-0745-5019-0226D9BA6005}"/>
-              </a:ext>
-            </a:extLst>
-          </p:cNvPr>
-          <p:cNvSpPr txBox="1"/>
-          <p:nvPr/>
-        </p:nvSpPr>
-        <p:spPr>
-          <a:xfrm>
-            <a:off x="449014" y="4810960"/>
-            <a:ext cx="6433458" cy="523220"/>
-          </a:xfrm>
-          <a:prstGeom prst="rect">
-            <a:avLst/>
-          </a:prstGeom>
-          <a:noFill/>
-        </p:spPr>
-        <p:txBody>
-          <a:bodyPr wrap="square" rtlCol="0">
-            <a:spAutoFit/>
-          </a:bodyPr>
-          <a:lstStyle/>
-          <a:p>
-            <a:pPr algn="l"/>
-            <a:r>
-              <a:rPr lang="en-JP" sz="2800" u="sng" dirty="0"/>
-              <a:t>どのような知見が得られたのか？</a:t>
-            </a:r>
-          </a:p>
-        </p:txBody>
-      </p:sp>
-      <p:sp>
-        <p:nvSpPr>
-          <p:cNvPr id="10" name="TextBox 9">
-            <a:extLst>
-              <a:ext uri="{FF2B5EF4-FFF2-40B4-BE49-F238E27FC236}">
-                <a16:creationId xmlns:a16="http://schemas.microsoft.com/office/drawing/2014/main" id="{90772545-5EA6-817F-74C1-A80EF2D7606C}"/>
-              </a:ext>
-            </a:extLst>
-          </p:cNvPr>
-          <p:cNvSpPr txBox="1"/>
-          <p:nvPr/>
-        </p:nvSpPr>
-        <p:spPr>
-          <a:xfrm>
-            <a:off x="449016" y="1936876"/>
-            <a:ext cx="8809283" cy="400110"/>
-          </a:xfrm>
-          <a:prstGeom prst="rect">
-            <a:avLst/>
-          </a:prstGeom>
-          <a:noFill/>
-        </p:spPr>
-        <p:txBody>
-          <a:bodyPr wrap="square" rtlCol="0">
-            <a:spAutoFit/>
-          </a:bodyPr>
-          <a:lstStyle/>
-          <a:p>
-            <a:pPr algn="l"/>
-            <a:r>
-              <a:rPr lang="en-JP" sz="2000" dirty="0"/>
-              <a:t>・xxx．</a:t>
-            </a:r>
-          </a:p>
-        </p:txBody>
-      </p:sp>
-      <p:sp>
-        <p:nvSpPr>
-          <p:cNvPr id="11" name="TextBox 10">
-            <a:extLst>
-              <a:ext uri="{FF2B5EF4-FFF2-40B4-BE49-F238E27FC236}">
-                <a16:creationId xmlns:a16="http://schemas.microsoft.com/office/drawing/2014/main" id="{C03F6401-2DCB-7F05-82B6-DAABBE0F4237}"/>
-              </a:ext>
-            </a:extLst>
-          </p:cNvPr>
-          <p:cNvSpPr txBox="1"/>
-          <p:nvPr/>
-        </p:nvSpPr>
-        <p:spPr>
-          <a:xfrm>
-            <a:off x="449014" y="5571138"/>
-            <a:ext cx="11588086" cy="400110"/>
-          </a:xfrm>
-          <a:prstGeom prst="rect">
-            <a:avLst/>
-          </a:prstGeom>
-          <a:noFill/>
-        </p:spPr>
-        <p:txBody>
-          <a:bodyPr wrap="square" rtlCol="0">
-            <a:spAutoFit/>
-          </a:bodyPr>
-          <a:lstStyle/>
-          <a:p>
-            <a:pPr algn="l"/>
-            <a:r>
-              <a:rPr lang="en-JP" sz="2000" dirty="0"/>
-              <a:t>・xxx</a:t>
-            </a:r>
-          </a:p>
-        </p:txBody>
-      </p:sp>
-      <p:sp>
-        <p:nvSpPr>
-          <p:cNvPr id="12" name="TextBox 11">
-            <a:extLst>
-              <a:ext uri="{FF2B5EF4-FFF2-40B4-BE49-F238E27FC236}">
-                <a16:creationId xmlns:a16="http://schemas.microsoft.com/office/drawing/2014/main" id="{6BEEAE4B-B1D9-D5A2-7F9E-4CC2206E3448}"/>
-              </a:ext>
-            </a:extLst>
-          </p:cNvPr>
-          <p:cNvSpPr txBox="1"/>
-          <p:nvPr/>
-        </p:nvSpPr>
-        <p:spPr>
-          <a:xfrm>
-            <a:off x="449014" y="6026879"/>
-            <a:ext cx="11588086" cy="400110"/>
-          </a:xfrm>
-          <a:prstGeom prst="rect">
-            <a:avLst/>
-          </a:prstGeom>
-          <a:noFill/>
-        </p:spPr>
-        <p:txBody>
-          <a:bodyPr wrap="square" rtlCol="0">
-            <a:spAutoFit/>
-          </a:bodyPr>
-          <a:lstStyle/>
-          <a:p>
-            <a:pPr algn="l"/>
-            <a:r>
-              <a:rPr lang="en-JP" sz="2000" dirty="0"/>
-              <a:t>・xxx</a:t>
-            </a:r>
-          </a:p>
-        </p:txBody>
-      </p:sp>
-      <p:sp>
-        <p:nvSpPr>
-          <p:cNvPr id="13" name="TextBox 12">
-            <a:extLst>
-              <a:ext uri="{FF2B5EF4-FFF2-40B4-BE49-F238E27FC236}">
-                <a16:creationId xmlns:a16="http://schemas.microsoft.com/office/drawing/2014/main" id="{5D17FDCF-1E84-E498-EE0F-998BFBA4D8AB}"/>
-              </a:ext>
-            </a:extLst>
-          </p:cNvPr>
-          <p:cNvSpPr txBox="1"/>
-          <p:nvPr/>
-        </p:nvSpPr>
-        <p:spPr>
-          <a:xfrm>
-            <a:off x="449014" y="2442726"/>
-            <a:ext cx="11293967" cy="400110"/>
-          </a:xfrm>
-          <a:prstGeom prst="rect">
-            <a:avLst/>
-          </a:prstGeom>
-          <a:noFill/>
-        </p:spPr>
-        <p:txBody>
-          <a:bodyPr wrap="square" rtlCol="0">
-            <a:spAutoFit/>
-          </a:bodyPr>
-          <a:lstStyle/>
-          <a:p>
-            <a:pPr algn="l"/>
-            <a:r>
-              <a:rPr lang="en-JP" sz="2000" dirty="0"/>
-              <a:t>・xxx</a:t>
-            </a:r>
-          </a:p>
-        </p:txBody>
-      </p:sp>
-      <p:sp>
-        <p:nvSpPr>
-          <p:cNvPr id="15" name="TextBox 14">
-            <a:extLst>
-              <a:ext uri="{FF2B5EF4-FFF2-40B4-BE49-F238E27FC236}">
-                <a16:creationId xmlns:a16="http://schemas.microsoft.com/office/drawing/2014/main" id="{079DAAAC-B25B-0193-62F0-E268C60B3E7D}"/>
-              </a:ext>
-            </a:extLst>
-          </p:cNvPr>
-          <p:cNvSpPr txBox="1"/>
-          <p:nvPr/>
-        </p:nvSpPr>
-        <p:spPr>
-          <a:xfrm>
-            <a:off x="449016" y="4173892"/>
-            <a:ext cx="8809283" cy="400110"/>
-          </a:xfrm>
-          <a:prstGeom prst="rect">
-            <a:avLst/>
-          </a:prstGeom>
-          <a:noFill/>
-        </p:spPr>
-        <p:txBody>
-          <a:bodyPr wrap="square" rtlCol="0">
-            <a:spAutoFit/>
-          </a:bodyPr>
-          <a:lstStyle/>
-          <a:p>
-            <a:pPr algn="l"/>
-            <a:r>
-              <a:rPr lang="en-JP" sz="2000" dirty="0"/>
-              <a:t>・xxx</a:t>
-            </a:r>
-          </a:p>
-        </p:txBody>
-      </p:sp>
-      <p:sp>
-        <p:nvSpPr>
-          <p:cNvPr id="16" name="TextBox 15">
-            <a:extLst>
-              <a:ext uri="{FF2B5EF4-FFF2-40B4-BE49-F238E27FC236}">
-                <a16:creationId xmlns:a16="http://schemas.microsoft.com/office/drawing/2014/main" id="{62C42953-C138-BB20-E1E6-A0CA44DC53DB}"/>
-              </a:ext>
-            </a:extLst>
-          </p:cNvPr>
-          <p:cNvSpPr txBox="1"/>
-          <p:nvPr/>
-        </p:nvSpPr>
-        <p:spPr>
-          <a:xfrm>
-            <a:off x="449014" y="3718151"/>
-            <a:ext cx="11588086" cy="400110"/>
-          </a:xfrm>
-          <a:prstGeom prst="rect">
-            <a:avLst/>
-          </a:prstGeom>
-          <a:noFill/>
-        </p:spPr>
-        <p:txBody>
-          <a:bodyPr wrap="square" rtlCol="0">
-            <a:spAutoFit/>
-          </a:bodyPr>
-          <a:lstStyle/>
-          <a:p>
-            <a:pPr algn="l"/>
-            <a:r>
-              <a:rPr lang="en-JP" sz="2000" dirty="0"/>
-              <a:t>・xxx</a:t>
-            </a:r>
+            <a:r>
+              <a:rPr lang="ja-JP" altLang="en-US" sz="2000" dirty="0"/>
+              <a:t>・</a:t>
+            </a:r>
+            <a:r>
+              <a:rPr lang="en-US" altLang="ja-JP" sz="2000" dirty="0"/>
+              <a:t>DNN</a:t>
+            </a:r>
+            <a:r>
+              <a:rPr lang="ja-JP" altLang="en-US" sz="2000" dirty="0"/>
+              <a:t>の特徴抽出器に工夫を加えて浅い層＋深い層の特徴マップを利用する手法。</a:t>
+            </a:r>
+            <a:endParaRPr kumimoji="1" lang="ja-JP" altLang="en-US" sz="2000" dirty="0"/>
           </a:p>
         </p:txBody>
       </p:sp>
     </p:spTree>
     <p:extLst>
       <p:ext uri="{BB962C8B-B14F-4D97-AF65-F5344CB8AC3E}">
-        <p14:creationId xmlns:p14="http://schemas.microsoft.com/office/powerpoint/2010/main" val="1599804036"/>
+        <p14:creationId xmlns:p14="http://schemas.microsoft.com/office/powerpoint/2010/main" val="4113228319"/>
       </p:ext>
     </p:extLst>
   </p:cSld>
@@ -7001,7 +10710,13 @@
   <p:cSld>
     <p:spTree>
       <p:nvGrpSpPr>
-        <p:cNvPr id="1" name=""/>
+        <p:cNvPr id="1" name="">
+          <a:extLst>
+            <a:ext uri="{FF2B5EF4-FFF2-40B4-BE49-F238E27FC236}">
+              <a16:creationId xmlns:a16="http://schemas.microsoft.com/office/drawing/2014/main" id="{B952A17A-80FF-DA20-EF66-670AF34F25CA}"/>
+            </a:ext>
+          </a:extLst>
+        </p:cNvPr>
         <p:cNvGrpSpPr/>
         <p:nvPr/>
       </p:nvGrpSpPr>
@@ -7015,10 +10730,10 @@
       </p:grpSpPr>
       <p:sp>
         <p:nvSpPr>
-          <p:cNvPr id="2" name="Slide Number Placeholder 1">
-            <a:extLst>
-              <a:ext uri="{FF2B5EF4-FFF2-40B4-BE49-F238E27FC236}">
-                <a16:creationId xmlns:a16="http://schemas.microsoft.com/office/drawing/2014/main" id="{5751CFFC-35DF-11CF-319A-7BD996C08093}"/>
+          <p:cNvPr id="3" name="Slide Number Placeholder 2">
+            <a:extLst>
+              <a:ext uri="{FF2B5EF4-FFF2-40B4-BE49-F238E27FC236}">
+                <a16:creationId xmlns:a16="http://schemas.microsoft.com/office/drawing/2014/main" id="{27BCBD73-CE08-BAE7-80DD-E0A99D17B396}"/>
               </a:ext>
             </a:extLst>
           </p:cNvPr>
@@ -7054,10 +10769,10 @@
       </p:sp>
       <p:sp>
         <p:nvSpPr>
-          <p:cNvPr id="3" name="TextBox 2">
-            <a:extLst>
-              <a:ext uri="{FF2B5EF4-FFF2-40B4-BE49-F238E27FC236}">
-                <a16:creationId xmlns:a16="http://schemas.microsoft.com/office/drawing/2014/main" id="{9245702B-67A0-528F-3DEE-771EFA468E1A}"/>
+          <p:cNvPr id="4" name="TextBox 3">
+            <a:extLst>
+              <a:ext uri="{FF2B5EF4-FFF2-40B4-BE49-F238E27FC236}">
+                <a16:creationId xmlns:a16="http://schemas.microsoft.com/office/drawing/2014/main" id="{58CECEC3-FDFA-4105-AAAB-B509D98AACFD}"/>
               </a:ext>
             </a:extLst>
           </p:cNvPr>
@@ -7081,8 +10796,72 @@
           <a:lstStyle/>
           <a:p>
             <a:r>
-              <a:rPr lang="en-JP" sz="4000" dirty="0"/>
-              <a:t>My Opinion</a:t>
+              <a:rPr lang="ja-JP" altLang="en-US" sz="4000" dirty="0"/>
+              <a:t>提案手法： </a:t>
+            </a:r>
+            <a:r>
+              <a:rPr lang="en-US" altLang="ja-JP" sz="4000" dirty="0" err="1"/>
+              <a:t>PaDim</a:t>
+            </a:r>
+            <a:endParaRPr lang="en-JP" sz="4000" dirty="0"/>
+          </a:p>
+        </p:txBody>
+      </p:sp>
+      <p:sp>
+        <p:nvSpPr>
+          <p:cNvPr id="2" name="正方形/長方形 1">
+            <a:extLst>
+              <a:ext uri="{FF2B5EF4-FFF2-40B4-BE49-F238E27FC236}">
+                <a16:creationId xmlns:a16="http://schemas.microsoft.com/office/drawing/2014/main" id="{C3E1F148-AE59-4527-A32D-DE296172C5F8}"/>
+              </a:ext>
+            </a:extLst>
+          </p:cNvPr>
+          <p:cNvSpPr/>
+          <p:nvPr/>
+        </p:nvSpPr>
+        <p:spPr>
+          <a:xfrm>
+            <a:off x="449017" y="1452605"/>
+            <a:ext cx="10341293" cy="1200329"/>
+          </a:xfrm>
+          <a:prstGeom prst="rect">
+            <a:avLst/>
+          </a:prstGeom>
+        </p:spPr>
+        <p:txBody>
+          <a:bodyPr wrap="none">
+            <a:spAutoFit/>
+          </a:bodyPr>
+          <a:lstStyle/>
+          <a:p>
+            <a:r>
+              <a:rPr lang="ja-JP" altLang="en-US" b="1" dirty="0"/>
+              <a:t>マハラノビス距離</a:t>
+            </a:r>
+            <a:r>
+              <a:rPr lang="en-US" altLang="ja-JP" b="1" dirty="0"/>
+              <a:t>…</a:t>
+            </a:r>
+            <a:r>
+              <a:rPr lang="ja-JP" altLang="en-US" dirty="0"/>
+              <a:t>データ点の偏りに応じてペナルティを与えることで正しく異常度を比較する。</a:t>
+            </a:r>
+            <a:endParaRPr lang="en-US" altLang="ja-JP" dirty="0"/>
+          </a:p>
+          <a:p>
+            <a:endParaRPr lang="en-US" altLang="ja-JP" dirty="0"/>
+          </a:p>
+          <a:p>
+            <a:r>
+              <a:rPr lang="ja-JP" altLang="en-US" dirty="0"/>
+              <a:t>分布に沿っているが原点から遠い点⇒異常度を減衰させる</a:t>
+            </a:r>
+            <a:endParaRPr lang="en-US" altLang="ja-JP" dirty="0"/>
+          </a:p>
+          <a:p>
+            <a:r>
+              <a:rPr lang="ja-JP" altLang="en-US" dirty="0"/>
+              <a:t>分布から明らかに外れているが原点には近い点⇒異常度を増幅させる　って理解。</a:t>
             </a:r>
           </a:p>
         </p:txBody>
@@ -7090,7 +10869,7 @@
     </p:spTree>
     <p:extLst>
       <p:ext uri="{BB962C8B-B14F-4D97-AF65-F5344CB8AC3E}">
-        <p14:creationId xmlns:p14="http://schemas.microsoft.com/office/powerpoint/2010/main" val="3422333681"/>
+        <p14:creationId xmlns:p14="http://schemas.microsoft.com/office/powerpoint/2010/main" val="1169452718"/>
       </p:ext>
     </p:extLst>
   </p:cSld>
@@ -7120,7 +10899,7 @@
         <p:cNvPr id="1" name="">
           <a:extLst>
             <a:ext uri="{FF2B5EF4-FFF2-40B4-BE49-F238E27FC236}">
-              <a16:creationId xmlns:a16="http://schemas.microsoft.com/office/drawing/2014/main" id="{79A214FC-E6F4-7B59-B279-01A956BB430F}"/>
+              <a16:creationId xmlns:a16="http://schemas.microsoft.com/office/drawing/2014/main" id="{B952A17A-80FF-DA20-EF66-670AF34F25CA}"/>
             </a:ext>
           </a:extLst>
         </p:cNvPr>
@@ -7140,7 +10919,7 @@
           <p:cNvPr id="3" name="Slide Number Placeholder 2">
             <a:extLst>
               <a:ext uri="{FF2B5EF4-FFF2-40B4-BE49-F238E27FC236}">
-                <a16:creationId xmlns:a16="http://schemas.microsoft.com/office/drawing/2014/main" id="{64B16C86-23D5-F268-6A8B-5CA7887F9E60}"/>
+                <a16:creationId xmlns:a16="http://schemas.microsoft.com/office/drawing/2014/main" id="{27BCBD73-CE08-BAE7-80DD-E0A99D17B396}"/>
               </a:ext>
             </a:extLst>
           </p:cNvPr>
@@ -7179,7 +10958,7 @@
           <p:cNvPr id="4" name="TextBox 3">
             <a:extLst>
               <a:ext uri="{FF2B5EF4-FFF2-40B4-BE49-F238E27FC236}">
-                <a16:creationId xmlns:a16="http://schemas.microsoft.com/office/drawing/2014/main" id="{DE968B57-7C15-67CE-CDB0-8B1BE675CB57}"/>
+                <a16:creationId xmlns:a16="http://schemas.microsoft.com/office/drawing/2014/main" id="{58CECEC3-FDFA-4105-AAAB-B509D98AACFD}"/>
               </a:ext>
             </a:extLst>
           </p:cNvPr>
@@ -7203,407 +10982,80 @@
           <a:lstStyle/>
           <a:p>
             <a:r>
-              <a:rPr lang="en-JP" sz="4000" dirty="0"/>
-              <a:t>References</a:t>
-            </a:r>
-          </a:p>
-        </p:txBody>
-      </p:sp>
-      <p:sp>
-        <p:nvSpPr>
-          <p:cNvPr id="2" name="TextBox 1">
-            <a:extLst>
-              <a:ext uri="{FF2B5EF4-FFF2-40B4-BE49-F238E27FC236}">
-                <a16:creationId xmlns:a16="http://schemas.microsoft.com/office/drawing/2014/main" id="{8A354E10-C5BA-BE87-2451-351ED5C4E0E6}"/>
-              </a:ext>
-            </a:extLst>
-          </p:cNvPr>
-          <p:cNvSpPr txBox="1"/>
+              <a:rPr lang="ja-JP" altLang="en-US" sz="4000" dirty="0"/>
+              <a:t>提案手法： </a:t>
+            </a:r>
+            <a:r>
+              <a:rPr lang="en-US" altLang="ja-JP" sz="4000" dirty="0" err="1"/>
+              <a:t>PatchCore</a:t>
+            </a:r>
+            <a:endParaRPr lang="en-JP" sz="4000" dirty="0"/>
+          </a:p>
+        </p:txBody>
+      </p:sp>
+      <p:sp>
+        <p:nvSpPr>
+          <p:cNvPr id="2" name="正方形/長方形 1">
+            <a:extLst>
+              <a:ext uri="{FF2B5EF4-FFF2-40B4-BE49-F238E27FC236}">
+                <a16:creationId xmlns:a16="http://schemas.microsoft.com/office/drawing/2014/main" id="{C3E1F148-AE59-4527-A32D-DE296172C5F8}"/>
+              </a:ext>
+            </a:extLst>
+          </p:cNvPr>
+          <p:cNvSpPr/>
           <p:nvPr/>
         </p:nvSpPr>
         <p:spPr>
           <a:xfrm>
-            <a:off x="149902" y="1244183"/>
-            <a:ext cx="11887200" cy="4801314"/>
+            <a:off x="449017" y="1452605"/>
+            <a:ext cx="10341293" cy="1200329"/>
           </a:xfrm>
           <a:prstGeom prst="rect">
             <a:avLst/>
           </a:prstGeom>
-          <a:noFill/>
         </p:spPr>
         <p:txBody>
-          <a:bodyPr wrap="square" rtlCol="0">
+          <a:bodyPr wrap="none">
             <a:spAutoFit/>
           </a:bodyPr>
           <a:lstStyle/>
           <a:p>
             <a:r>
-              <a:rPr lang="en-JP" altLang="ja-JP" dirty="0"/>
-              <a:t>[1]</a:t>
+              <a:rPr lang="ja-JP" altLang="en-US" b="1" dirty="0"/>
+              <a:t>マハラノビス距離</a:t>
+            </a:r>
+            <a:r>
+              <a:rPr lang="en-US" altLang="ja-JP" b="1" dirty="0"/>
+              <a:t>…</a:t>
             </a:r>
             <a:r>
               <a:rPr lang="ja-JP" altLang="en-US" dirty="0"/>
-              <a:t> </a:t>
-            </a:r>
-            <a:r>
-              <a:rPr lang="en-US" altLang="ja-JP" dirty="0"/>
-              <a:t>Bergman</a:t>
-            </a:r>
-            <a:r>
-              <a:rPr lang="en-JP" altLang="ja-JP" dirty="0"/>
-              <a:t> </a:t>
-            </a:r>
-            <a:r>
-              <a:rPr lang="en-JP" altLang="ja-JP" i="1" dirty="0"/>
-              <a:t>et.al., </a:t>
-            </a:r>
-            <a:r>
-              <a:rPr lang="en-US" dirty="0">
-                <a:solidFill>
-                  <a:srgbClr val="000000"/>
-                </a:solidFill>
-                <a:hlinkClick r:id="rId2"/>
-              </a:rPr>
-              <a:t>“Deep Nearest Neighbor Anomaly Detection</a:t>
-            </a:r>
-            <a:r>
-              <a:rPr lang="en-US" dirty="0">
-                <a:solidFill>
-                  <a:srgbClr val="000000"/>
-                </a:solidFill>
-              </a:rPr>
-              <a:t>”, 2020, </a:t>
-            </a:r>
-            <a:r>
-              <a:rPr lang="en-US" altLang="ja-JP" dirty="0"/>
-              <a:t>ICLR 2020</a:t>
-            </a:r>
-          </a:p>
-          <a:p>
-            <a:r>
-              <a:rPr lang="en-JP" altLang="ja-JP" dirty="0"/>
-              <a:t>[</a:t>
-            </a:r>
-            <a:r>
-              <a:rPr lang="en-US" altLang="ja-JP" dirty="0"/>
-              <a:t>2</a:t>
-            </a:r>
-            <a:r>
-              <a:rPr lang="en-JP" altLang="ja-JP" dirty="0"/>
-              <a:t>]</a:t>
-            </a:r>
-            <a:r>
-              <a:rPr lang="en-US" altLang="ja-JP" dirty="0">
-                <a:solidFill>
-                  <a:srgbClr val="000000"/>
-                </a:solidFill>
-              </a:rPr>
-              <a:t> </a:t>
-            </a:r>
-            <a:r>
-              <a:rPr lang="en-US" altLang="ja-JP" dirty="0"/>
-              <a:t>Cohen et.al., </a:t>
-            </a:r>
-            <a:r>
-              <a:rPr lang="en-US" altLang="ja-JP" dirty="0">
-                <a:solidFill>
-                  <a:srgbClr val="000000"/>
-                </a:solidFill>
-                <a:hlinkClick r:id="rId3"/>
-              </a:rPr>
-              <a:t>“Sub-Image Anomaly Detection with Deep Pyramid Correspondences</a:t>
-            </a:r>
-            <a:r>
-              <a:rPr lang="en-US" altLang="ja-JP" dirty="0">
-                <a:hlinkClick r:id="rId4"/>
-              </a:rPr>
-              <a:t>”</a:t>
-            </a:r>
-            <a:r>
-              <a:rPr lang="en-US" altLang="ja-JP" dirty="0">
-                <a:solidFill>
-                  <a:srgbClr val="000000"/>
-                </a:solidFill>
-              </a:rPr>
-              <a:t> 2020, </a:t>
-            </a:r>
-            <a:r>
-              <a:rPr lang="en-US" altLang="ja-JP" dirty="0"/>
-              <a:t>CVPR 2020 </a:t>
-            </a:r>
-          </a:p>
-          <a:p>
-            <a:r>
-              <a:rPr lang="en-JP" altLang="ja-JP" dirty="0"/>
-              <a:t>[</a:t>
-            </a:r>
-            <a:r>
-              <a:rPr lang="en-US" altLang="ja-JP" dirty="0"/>
-              <a:t>3</a:t>
-            </a:r>
-            <a:r>
-              <a:rPr lang="en-JP" altLang="ja-JP" dirty="0"/>
-              <a:t>]</a:t>
-            </a:r>
-            <a:r>
-              <a:rPr lang="en-US" altLang="ja-JP" dirty="0"/>
-              <a:t> </a:t>
-            </a:r>
-            <a:r>
-              <a:rPr lang="en-US" altLang="ja-JP" dirty="0" err="1"/>
-              <a:t>Defard</a:t>
-            </a:r>
-            <a:r>
-              <a:rPr lang="en-US" altLang="ja-JP" dirty="0"/>
-              <a:t> et.al., </a:t>
-            </a:r>
-            <a:r>
-              <a:rPr lang="en-US" altLang="ja-JP" dirty="0">
-                <a:hlinkClick r:id="rId5"/>
-              </a:rPr>
-              <a:t>“</a:t>
-            </a:r>
-            <a:r>
-              <a:rPr lang="en-US" altLang="ja-JP" dirty="0" err="1">
-                <a:hlinkClick r:id="rId5"/>
-              </a:rPr>
-              <a:t>PaDiM</a:t>
-            </a:r>
-            <a:r>
-              <a:rPr lang="en-US" altLang="ja-JP" dirty="0">
-                <a:hlinkClick r:id="rId5"/>
-              </a:rPr>
-              <a:t>: a Patch Distribution Modeling Framework for Anomaly Detection and Localization</a:t>
-            </a:r>
-            <a:r>
-              <a:rPr lang="en-US" altLang="ja-JP" dirty="0">
-                <a:hlinkClick r:id="rId4"/>
-              </a:rPr>
-              <a:t>”</a:t>
-            </a:r>
-            <a:r>
-              <a:rPr lang="en-US" altLang="ja-JP" dirty="0">
-                <a:solidFill>
-                  <a:srgbClr val="000000"/>
-                </a:solidFill>
-              </a:rPr>
-              <a:t> 2020, ICIP</a:t>
-            </a:r>
-            <a:r>
-              <a:rPr lang="ja-JP" altLang="en-US" dirty="0">
-                <a:solidFill>
-                  <a:srgbClr val="000000"/>
-                </a:solidFill>
-              </a:rPr>
-              <a:t> </a:t>
-            </a:r>
-            <a:r>
-              <a:rPr lang="en-US" altLang="ja-JP" dirty="0">
-                <a:solidFill>
-                  <a:srgbClr val="000000"/>
-                </a:solidFill>
-              </a:rPr>
-              <a:t>2021</a:t>
+              <a:t>データ点の偏りに応じてペナルティを与えることで正しく異常度を比較する。</a:t>
             </a:r>
             <a:endParaRPr lang="en-US" altLang="ja-JP" dirty="0"/>
           </a:p>
           <a:p>
-            <a:r>
-              <a:rPr lang="en-JP" altLang="ja-JP" dirty="0"/>
-              <a:t>[</a:t>
-            </a:r>
-            <a:r>
-              <a:rPr lang="en-US" altLang="ja-JP" dirty="0"/>
-              <a:t>4</a:t>
-            </a:r>
-            <a:r>
-              <a:rPr lang="en-JP" altLang="ja-JP" dirty="0"/>
-              <a:t>]</a:t>
-            </a:r>
-            <a:r>
-              <a:rPr lang="en-US" altLang="ja-JP" dirty="0"/>
-              <a:t> Roth et.al., </a:t>
-            </a:r>
-            <a:r>
-              <a:rPr lang="en-US" altLang="ja-JP" dirty="0">
-                <a:hlinkClick r:id="rId4"/>
-              </a:rPr>
-              <a:t>“Towards Total Recall in Industrial Anomaly Detection”</a:t>
-            </a:r>
-            <a:r>
-              <a:rPr lang="en-US" altLang="ja-JP" dirty="0">
-                <a:solidFill>
-                  <a:srgbClr val="000000"/>
-                </a:solidFill>
-              </a:rPr>
-              <a:t> 2021, </a:t>
-            </a:r>
-            <a:r>
-              <a:rPr lang="en-US" altLang="ja-JP" dirty="0"/>
-              <a:t>CVPR 2022</a:t>
-            </a:r>
-          </a:p>
-          <a:p>
             <a:endParaRPr lang="en-US" altLang="ja-JP" dirty="0"/>
           </a:p>
           <a:p>
+            <a:r>
+              <a:rPr lang="ja-JP" altLang="en-US" dirty="0"/>
+              <a:t>分布に沿っているが原点から遠い点⇒異常度を減衰させる</a:t>
+            </a:r>
             <a:endParaRPr lang="en-US" altLang="ja-JP" dirty="0"/>
           </a:p>
           <a:p>
             <a:r>
-              <a:rPr lang="en-JP" altLang="ja-JP" dirty="0"/>
-              <a:t>[</a:t>
-            </a:r>
-            <a:r>
-              <a:rPr lang="en-US" altLang="ja-JP" dirty="0"/>
-              <a:t>5</a:t>
-            </a:r>
-            <a:r>
-              <a:rPr lang="en-JP" altLang="ja-JP" dirty="0"/>
-              <a:t>]</a:t>
-            </a:r>
-            <a:r>
-              <a:rPr lang="en-US" altLang="ja-JP" dirty="0"/>
-              <a:t> Bergmann et.al., </a:t>
-            </a:r>
-            <a:r>
-              <a:rPr lang="en-US" altLang="ja-JP" dirty="0">
-                <a:hlinkClick r:id="rId6"/>
-              </a:rPr>
-              <a:t>“Improving Unsupervised Defect Segmentation by Applying Structural Similarity to Autoencoders”</a:t>
-            </a:r>
-            <a:r>
-              <a:rPr lang="en-US" altLang="ja-JP" dirty="0">
-                <a:solidFill>
-                  <a:srgbClr val="000000"/>
-                </a:solidFill>
-              </a:rPr>
-              <a:t> 2018, </a:t>
-            </a:r>
-            <a:r>
-              <a:rPr lang="en-US" altLang="ja-JP" dirty="0"/>
-              <a:t>VISAPP 2019</a:t>
-            </a:r>
-          </a:p>
-          <a:p>
-            <a:r>
-              <a:rPr lang="en-JP" altLang="ja-JP" dirty="0"/>
-              <a:t>[</a:t>
-            </a:r>
-            <a:r>
-              <a:rPr lang="en-US" altLang="ja-JP" dirty="0"/>
-              <a:t>6</a:t>
-            </a:r>
-            <a:r>
-              <a:rPr lang="en-JP" altLang="ja-JP" dirty="0"/>
-              <a:t>]</a:t>
-            </a:r>
-            <a:r>
-              <a:rPr lang="en-US" altLang="ja-JP" dirty="0"/>
-              <a:t> You et.al., </a:t>
-            </a:r>
-            <a:r>
-              <a:rPr lang="en-US" altLang="ja-JP" dirty="0">
-                <a:hlinkClick r:id="rId7"/>
-              </a:rPr>
-              <a:t>“ADTR: Anomaly Detection Transformer with Feature Reconstruction”</a:t>
-            </a:r>
-            <a:r>
-              <a:rPr lang="en-US" altLang="ja-JP" dirty="0">
-                <a:solidFill>
-                  <a:srgbClr val="000000"/>
-                </a:solidFill>
-              </a:rPr>
-              <a:t> 2022, </a:t>
-            </a:r>
-            <a:r>
-              <a:rPr lang="en-US" altLang="ja-JP" dirty="0"/>
-              <a:t>ICME 2022</a:t>
-            </a:r>
-          </a:p>
-          <a:p>
-            <a:r>
-              <a:rPr lang="en-JP" altLang="ja-JP" dirty="0"/>
-              <a:t>[</a:t>
-            </a:r>
-            <a:r>
-              <a:rPr lang="en-US" altLang="ja-JP" dirty="0"/>
-              <a:t>7</a:t>
-            </a:r>
-            <a:r>
-              <a:rPr lang="en-JP" altLang="ja-JP" dirty="0"/>
-              <a:t>]</a:t>
-            </a:r>
-            <a:r>
-              <a:rPr lang="en-US" altLang="ja-JP" dirty="0"/>
-              <a:t> Lu et.al., </a:t>
-            </a:r>
-            <a:r>
-              <a:rPr lang="en-US" dirty="0">
-                <a:solidFill>
-                  <a:srgbClr val="000000"/>
-                </a:solidFill>
-                <a:hlinkClick r:id="rId8"/>
-              </a:rPr>
-              <a:t>“Removing Anomalies as Noises for Industrial Defect Localization”</a:t>
-            </a:r>
-            <a:r>
-              <a:rPr lang="en-US" altLang="ja-JP" dirty="0">
-                <a:solidFill>
-                  <a:srgbClr val="000000"/>
-                </a:solidFill>
-              </a:rPr>
-              <a:t> 2023, ICCV 2023</a:t>
-            </a:r>
-          </a:p>
-          <a:p>
-            <a:endParaRPr lang="en-US" altLang="ja-JP" dirty="0">
-              <a:solidFill>
-                <a:srgbClr val="000000"/>
-              </a:solidFill>
-            </a:endParaRPr>
-          </a:p>
-          <a:p>
-            <a:endParaRPr lang="en-US" altLang="ja-JP" dirty="0">
-              <a:solidFill>
-                <a:srgbClr val="000000"/>
-              </a:solidFill>
-            </a:endParaRPr>
-          </a:p>
-          <a:p>
-            <a:endParaRPr lang="en-US" altLang="ja-JP" dirty="0">
-              <a:solidFill>
-                <a:srgbClr val="000000"/>
-              </a:solidFill>
-            </a:endParaRPr>
-          </a:p>
-          <a:p>
-            <a:endParaRPr lang="en-US" altLang="ja-JP" dirty="0">
-              <a:solidFill>
-                <a:srgbClr val="000000"/>
-              </a:solidFill>
-            </a:endParaRPr>
-          </a:p>
-          <a:p>
-            <a:endParaRPr lang="en-US" altLang="ja-JP" dirty="0">
-              <a:solidFill>
-                <a:srgbClr val="000000"/>
-              </a:solidFill>
-            </a:endParaRPr>
-          </a:p>
-          <a:p>
-            <a:endParaRPr lang="en-US" altLang="ja-JP" dirty="0">
-              <a:solidFill>
-                <a:srgbClr val="000000"/>
-              </a:solidFill>
-            </a:endParaRPr>
+              <a:rPr lang="ja-JP" altLang="en-US" dirty="0"/>
+              <a:t>分布から明らかに外れているが原点には近い点⇒異常度を増幅させる　って理解。</a:t>
+            </a:r>
           </a:p>
         </p:txBody>
       </p:sp>
     </p:spTree>
     <p:extLst>
       <p:ext uri="{BB962C8B-B14F-4D97-AF65-F5344CB8AC3E}">
-        <p14:creationId xmlns:p14="http://schemas.microsoft.com/office/powerpoint/2010/main" val="2830937450"/>
+        <p14:creationId xmlns:p14="http://schemas.microsoft.com/office/powerpoint/2010/main" val="1575909704"/>
       </p:ext>
     </p:extLst>
   </p:cSld>
@@ -7630,10 +11082,161 @@
   <p:cSld>
     <p:spTree>
       <p:nvGrpSpPr>
+        <p:cNvPr id="1" name=""/>
+        <p:cNvGrpSpPr/>
+        <p:nvPr/>
+      </p:nvGrpSpPr>
+      <p:grpSpPr>
+        <a:xfrm>
+          <a:off x="0" y="0"/>
+          <a:ext cx="0" cy="0"/>
+          <a:chOff x="0" y="0"/>
+          <a:chExt cx="0" cy="0"/>
+        </a:xfrm>
+      </p:grpSpPr>
+      <p:sp>
+        <p:nvSpPr>
+          <p:cNvPr id="3" name="TextBox 3">
+            <a:extLst>
+              <a:ext uri="{FF2B5EF4-FFF2-40B4-BE49-F238E27FC236}">
+                <a16:creationId xmlns:a16="http://schemas.microsoft.com/office/drawing/2014/main" id="{9EEA2E65-8F3A-4926-AD71-F4F0188ED458}"/>
+              </a:ext>
+            </a:extLst>
+          </p:cNvPr>
+          <p:cNvSpPr txBox="1"/>
+          <p:nvPr/>
+        </p:nvSpPr>
+        <p:spPr>
+          <a:xfrm>
+            <a:off x="449017" y="269481"/>
+            <a:ext cx="9263394" cy="707886"/>
+          </a:xfrm>
+          <a:prstGeom prst="rect">
+            <a:avLst/>
+          </a:prstGeom>
+          <a:noFill/>
+        </p:spPr>
+        <p:txBody>
+          <a:bodyPr wrap="square" rtlCol="0">
+            <a:spAutoFit/>
+          </a:bodyPr>
+          <a:lstStyle/>
+          <a:p>
+            <a:r>
+              <a:rPr lang="ja-JP" altLang="en-US" sz="4000" dirty="0"/>
+              <a:t>再構築ベースの手法</a:t>
+            </a:r>
+            <a:endParaRPr lang="en-JP" sz="2800" dirty="0"/>
+          </a:p>
+        </p:txBody>
+      </p:sp>
+      <p:sp>
+        <p:nvSpPr>
+          <p:cNvPr id="4" name="TextBox 3">
+            <a:extLst>
+              <a:ext uri="{FF2B5EF4-FFF2-40B4-BE49-F238E27FC236}">
+                <a16:creationId xmlns:a16="http://schemas.microsoft.com/office/drawing/2014/main" id="{8F89DC98-CEA3-42EA-87B1-A1E4A18DC524}"/>
+              </a:ext>
+            </a:extLst>
+          </p:cNvPr>
+          <p:cNvSpPr txBox="1"/>
+          <p:nvPr/>
+        </p:nvSpPr>
+        <p:spPr>
+          <a:xfrm>
+            <a:off x="449016" y="1472206"/>
+            <a:ext cx="11561751" cy="1692771"/>
+          </a:xfrm>
+          <a:prstGeom prst="rect">
+            <a:avLst/>
+          </a:prstGeom>
+          <a:noFill/>
+        </p:spPr>
+        <p:txBody>
+          <a:bodyPr wrap="square" rtlCol="0">
+            <a:spAutoFit/>
+          </a:bodyPr>
+          <a:lstStyle/>
+          <a:p>
+            <a:r>
+              <a:rPr lang="ja-JP" altLang="en-US" sz="2800" dirty="0"/>
+              <a:t>１．</a:t>
+            </a:r>
+            <a:r>
+              <a:rPr lang="en-US" altLang="ja-JP" sz="2800" dirty="0"/>
+              <a:t>SSIM</a:t>
+            </a:r>
+          </a:p>
+          <a:p>
+            <a:r>
+              <a:rPr lang="ja-JP" altLang="en-US" sz="2800" dirty="0"/>
+              <a:t>２．</a:t>
+            </a:r>
+            <a:r>
+              <a:rPr lang="en-US" altLang="ja-JP" sz="2800" dirty="0"/>
+              <a:t>ADTR</a:t>
+            </a:r>
+          </a:p>
+          <a:p>
+            <a:r>
+              <a:rPr lang="ja-JP" altLang="en-US" sz="2800" dirty="0"/>
+              <a:t>３．</a:t>
+            </a:r>
+            <a:r>
+              <a:rPr lang="en-US" altLang="ja-JP" sz="2800" dirty="0"/>
+              <a:t>Morita et al.(2022)</a:t>
+            </a:r>
+          </a:p>
+          <a:p>
+            <a:r>
+              <a:rPr lang="en-US" altLang="ja-JP" sz="2000" dirty="0"/>
+              <a:t>                  -(</a:t>
+            </a:r>
+            <a:r>
+              <a:rPr lang="en-US" altLang="ja-JP" sz="2000" dirty="0" err="1"/>
+              <a:t>Removing_Anomalies_as_Noises_for_Industrial_Defect_Localization</a:t>
+            </a:r>
+            <a:r>
+              <a:rPr lang="en-US" altLang="ja-JP" sz="2000" dirty="0"/>
+              <a:t>)</a:t>
+            </a:r>
+          </a:p>
+        </p:txBody>
+      </p:sp>
+    </p:spTree>
+    <p:extLst>
+      <p:ext uri="{BB962C8B-B14F-4D97-AF65-F5344CB8AC3E}">
+        <p14:creationId xmlns:p14="http://schemas.microsoft.com/office/powerpoint/2010/main" val="4094854531"/>
+      </p:ext>
+    </p:extLst>
+  </p:cSld>
+  <p:clrMapOvr>
+    <a:masterClrMapping/>
+  </p:clrMapOvr>
+  <mc:AlternateContent xmlns:mc="http://schemas.openxmlformats.org/markup-compatibility/2006" xmlns:p14="http://schemas.microsoft.com/office/powerpoint/2010/main">
+    <mc:Choice Requires="p14">
+      <p:transition p14:dur="180">
+        <p:fade/>
+      </p:transition>
+    </mc:Choice>
+    <mc:Fallback xmlns="">
+      <p:transition>
+        <p:fade/>
+      </p:transition>
+    </mc:Fallback>
+  </mc:AlternateContent>
+</p:sld>
+</file>
+
+<file path=ppt/slides/slide9.xml><?xml version="1.0" encoding="utf-8"?>
+<p:sld xmlns:a="http://schemas.openxmlformats.org/drawingml/2006/main" xmlns:r="http://schemas.openxmlformats.org/officeDocument/2006/relationships" xmlns:p="http://schemas.openxmlformats.org/presentationml/2006/main">
+  <p:cSld>
+    <p:spTree>
+      <p:nvGrpSpPr>
         <p:cNvPr id="1" name="">
           <a:extLst>
             <a:ext uri="{FF2B5EF4-FFF2-40B4-BE49-F238E27FC236}">
-              <a16:creationId xmlns:a16="http://schemas.microsoft.com/office/drawing/2014/main" id="{3E5066FF-551E-72B2-14B6-29836F27262C}"/>
+              <a16:creationId xmlns:a16="http://schemas.microsoft.com/office/drawing/2014/main" id="{B952A17A-80FF-DA20-EF66-670AF34F25CA}"/>
             </a:ext>
           </a:extLst>
         </p:cNvPr>
@@ -7653,7 +11256,7 @@
           <p:cNvPr id="3" name="Slide Number Placeholder 2">
             <a:extLst>
               <a:ext uri="{FF2B5EF4-FFF2-40B4-BE49-F238E27FC236}">
-                <a16:creationId xmlns:a16="http://schemas.microsoft.com/office/drawing/2014/main" id="{900CD9B9-86FF-3857-C3F4-A35F5540D74C}"/>
+                <a16:creationId xmlns:a16="http://schemas.microsoft.com/office/drawing/2014/main" id="{27BCBD73-CE08-BAE7-80DD-E0A99D17B396}"/>
               </a:ext>
             </a:extLst>
           </p:cNvPr>
@@ -7677,7 +11280,7 @@
             <a:fld id="{DD4CF77E-606E-4148-BC8B-C5EDFD579810}" type="slidenum">
               <a:rPr kumimoji="1" lang="ja-JP" altLang="en-US" smtClean="0"/>
               <a:pPr algn="ctr"/>
-              <a:t>8</a:t>
+              <a:t>9</a:t>
             </a:fld>
             <a:r>
               <a:rPr kumimoji="1" lang="en-US" altLang="ja-JP"/>
@@ -7692,7 +11295,7 @@
           <p:cNvPr id="4" name="TextBox 3">
             <a:extLst>
               <a:ext uri="{FF2B5EF4-FFF2-40B4-BE49-F238E27FC236}">
-                <a16:creationId xmlns:a16="http://schemas.microsoft.com/office/drawing/2014/main" id="{56BCCDD3-E17D-2811-B7FA-A7CB0FA6640F}"/>
+                <a16:creationId xmlns:a16="http://schemas.microsoft.com/office/drawing/2014/main" id="{58CECEC3-FDFA-4105-AAAB-B509D98AACFD}"/>
               </a:ext>
             </a:extLst>
           </p:cNvPr>
@@ -7701,8 +11304,8 @@
         </p:nvSpPr>
         <p:spPr>
           <a:xfrm>
-            <a:off x="449016" y="269481"/>
-            <a:ext cx="8298743" cy="707886"/>
+            <a:off x="449017" y="269481"/>
+            <a:ext cx="7135318" cy="707886"/>
           </a:xfrm>
           <a:prstGeom prst="rect">
             <a:avLst/>
@@ -7716,16 +11319,56 @@
           <a:lstStyle/>
           <a:p>
             <a:r>
-              <a:rPr lang="en-JP" sz="4000" dirty="0"/>
-              <a:t>Appendix. </a:t>
-            </a:r>
+              <a:rPr lang="ja-JP" altLang="en-US" sz="4000" dirty="0"/>
+              <a:t>提案手法： </a:t>
+            </a:r>
+            <a:r>
+              <a:rPr lang="en-US" altLang="ja-JP" sz="4000" dirty="0"/>
+              <a:t>SSIM</a:t>
+            </a:r>
+            <a:endParaRPr lang="en-JP" sz="4000" dirty="0"/>
+          </a:p>
+        </p:txBody>
+      </p:sp>
+      <p:sp>
+        <p:nvSpPr>
+          <p:cNvPr id="2" name="正方形/長方形 1">
+            <a:extLst>
+              <a:ext uri="{FF2B5EF4-FFF2-40B4-BE49-F238E27FC236}">
+                <a16:creationId xmlns:a16="http://schemas.microsoft.com/office/drawing/2014/main" id="{C3E1F148-AE59-4527-A32D-DE296172C5F8}"/>
+              </a:ext>
+            </a:extLst>
+          </p:cNvPr>
+          <p:cNvSpPr/>
+          <p:nvPr/>
+        </p:nvSpPr>
+        <p:spPr>
+          <a:xfrm>
+            <a:off x="449017" y="1452605"/>
+            <a:ext cx="1569660" cy="369332"/>
+          </a:xfrm>
+          <a:prstGeom prst="rect">
+            <a:avLst/>
+          </a:prstGeom>
+        </p:spPr>
+        <p:txBody>
+          <a:bodyPr wrap="none">
+            <a:spAutoFit/>
+          </a:bodyPr>
+          <a:lstStyle/>
+          <a:p>
+            <a:r>
+              <a:rPr lang="ja-JP" altLang="en-US" b="1" dirty="0"/>
+              <a:t>ああああああ</a:t>
+            </a:r>
+            <a:endParaRPr lang="ja-JP" altLang="en-US" dirty="0"/>
           </a:p>
         </p:txBody>
       </p:sp>
     </p:spTree>
     <p:extLst>
       <p:ext uri="{BB962C8B-B14F-4D97-AF65-F5344CB8AC3E}">
-        <p14:creationId xmlns:p14="http://schemas.microsoft.com/office/powerpoint/2010/main" val="2318879351"/>
+        <p14:creationId xmlns:p14="http://schemas.microsoft.com/office/powerpoint/2010/main" val="2097275022"/>
       </p:ext>
     </p:extLst>
   </p:cSld>
